--- a/cmsc125/ostep/slides/01.Virtualization/07.Scheduling_Introduction.pptx
+++ b/cmsc125/ostep/slides/01.Virtualization/07.Scheduling_Introduction.pptx
@@ -5,28 +5,31 @@
     <p:sldMasterId id="2147483670" r:id="rId1"/>
   </p:sldMasterIdLst>
   <p:notesMasterIdLst>
-    <p:notesMasterId r:id="rId21"/>
+    <p:notesMasterId r:id="rId24"/>
   </p:notesMasterIdLst>
   <p:sldIdLst>
     <p:sldId id="298" r:id="rId2"/>
     <p:sldId id="297" r:id="rId3"/>
     <p:sldId id="299" r:id="rId4"/>
     <p:sldId id="256" r:id="rId5"/>
-    <p:sldId id="270" r:id="rId6"/>
-    <p:sldId id="271" r:id="rId7"/>
-    <p:sldId id="272" r:id="rId8"/>
-    <p:sldId id="273" r:id="rId9"/>
-    <p:sldId id="274" r:id="rId10"/>
-    <p:sldId id="275" r:id="rId11"/>
-    <p:sldId id="276" r:id="rId12"/>
-    <p:sldId id="277" r:id="rId13"/>
-    <p:sldId id="278" r:id="rId14"/>
-    <p:sldId id="279" r:id="rId15"/>
-    <p:sldId id="280" r:id="rId16"/>
-    <p:sldId id="281" r:id="rId17"/>
-    <p:sldId id="282" r:id="rId18"/>
-    <p:sldId id="283" r:id="rId19"/>
+    <p:sldId id="300" r:id="rId6"/>
+    <p:sldId id="301" r:id="rId7"/>
+    <p:sldId id="270" r:id="rId8"/>
+    <p:sldId id="271" r:id="rId9"/>
+    <p:sldId id="272" r:id="rId10"/>
+    <p:sldId id="273" r:id="rId11"/>
+    <p:sldId id="274" r:id="rId12"/>
+    <p:sldId id="275" r:id="rId13"/>
+    <p:sldId id="276" r:id="rId14"/>
+    <p:sldId id="277" r:id="rId15"/>
+    <p:sldId id="278" r:id="rId16"/>
+    <p:sldId id="279" r:id="rId17"/>
+    <p:sldId id="280" r:id="rId18"/>
+    <p:sldId id="281" r:id="rId19"/>
     <p:sldId id="284" r:id="rId20"/>
+    <p:sldId id="282" r:id="rId21"/>
+    <p:sldId id="283" r:id="rId22"/>
+    <p:sldId id="302" r:id="rId23"/>
   </p:sldIdLst>
   <p:sldSz cx="12192000" cy="6858000"/>
   <p:notesSz cx="6797675" cy="9928225"/>
@@ -256,7 +259,7 @@
           <a:p>
             <a:fld id="{050F0499-AE52-4672-879B-3107B2FC2A9F}" type="datetimeFigureOut">
               <a:rPr lang="ko-KR" altLang="en-US" smtClean="0"/>
-              <a:t>2021-07-20</a:t>
+              <a:t>2021-08-27</a:t>
             </a:fld>
             <a:endParaRPr lang="ko-KR" altLang="en-US"/>
           </a:p>
@@ -1666,7 +1669,7 @@
           <a:p>
             <a:r>
               <a:rPr lang="en-US" altLang="ko-KR" dirty="0"/>
-              <a:t>SJF with Late Arrivals from B and C</a:t>
+              <a:t>Why FIFO is not that great?</a:t>
             </a:r>
             <a:endParaRPr lang="ko-KR" altLang="en-US" dirty="0"/>
           </a:p>
@@ -1689,7 +1692,29 @@
           <a:p>
             <a:r>
               <a:rPr lang="en-US" altLang="ko-KR" dirty="0"/>
-              <a:t>Let’s relax assumption 2: Jobs can arrive at any time.</a:t>
+              <a:t>Let’s relax assumption 1: Each process now </a:t>
+            </a:r>
+            <a:r>
+              <a:rPr lang="en-US" altLang="ko-KR" b="1" dirty="0"/>
+              <a:t>no longer </a:t>
+            </a:r>
+            <a:r>
+              <a:rPr lang="en-US" altLang="ko-KR" dirty="0"/>
+              <a:t>runs for the same amount of time.</a:t>
+            </a:r>
+          </a:p>
+          <a:p>
+            <a:r>
+              <a:rPr lang="en-US" altLang="ko-KR" dirty="0"/>
+              <a:t>Suffers from the </a:t>
+            </a:r>
+            <a:r>
+              <a:rPr lang="en-US" altLang="ko-KR" b="1" dirty="0"/>
+              <a:t>Convoy Effect</a:t>
+            </a:r>
+            <a:r>
+              <a:rPr lang="en-US" altLang="ko-KR" dirty="0"/>
+              <a:t> – short-burst processes wait for long-burst processes, drastically affecting the ATT</a:t>
             </a:r>
           </a:p>
           <a:p>
@@ -1702,17 +1727,19 @@
             <a:pPr lvl="1"/>
             <a:r>
               <a:rPr lang="en-US" altLang="ko-KR" dirty="0"/>
-              <a:t>A arrives at t=0 and needs to run for 100 seconds.</a:t>
+              <a:t>A arrived just before B which arrived just before C.</a:t>
             </a:r>
           </a:p>
           <a:p>
             <a:pPr lvl="1"/>
             <a:r>
               <a:rPr lang="en-US" altLang="ko-KR" dirty="0"/>
-              <a:t>B and C arrive at t=10 and each need to run for 10 seconds</a:t>
-            </a:r>
-          </a:p>
-          <a:p>
+              <a:t>A runs for 100 seconds, B and C run for 10 each.</a:t>
+            </a:r>
+            <a:endParaRPr lang="ko-KR" altLang="en-US" dirty="0"/>
+          </a:p>
+          <a:p>
+            <a:pPr lvl="1"/>
             <a:endParaRPr lang="ko-KR" altLang="en-US" dirty="0"/>
           </a:p>
         </p:txBody>
@@ -1725,7 +1752,2768 @@
         </p:nvSpPr>
         <p:spPr>
           <a:xfrm>
-            <a:off x="2289692" y="5445224"/>
+            <a:off x="3071664" y="5445224"/>
+            <a:ext cx="6192688" cy="792088"/>
+          </a:xfrm>
+          <a:prstGeom prst="roundRect">
+            <a:avLst>
+              <a:gd name="adj" fmla="val 12565"/>
+            </a:avLst>
+          </a:prstGeom>
+          <a:solidFill>
+            <a:srgbClr val="FFC000"/>
+          </a:solidFill>
+          <a:ln w="15875">
+            <a:solidFill>
+              <a:schemeClr val="accent6">
+                <a:lumMod val="50000"/>
+              </a:schemeClr>
+            </a:solidFill>
+          </a:ln>
+          <a:effectLst/>
+        </p:spPr>
+        <p:style>
+          <a:lnRef idx="3">
+            <a:schemeClr val="lt1"/>
+          </a:lnRef>
+          <a:fillRef idx="1">
+            <a:schemeClr val="accent1"/>
+          </a:fillRef>
+          <a:effectRef idx="1">
+            <a:schemeClr val="accent1"/>
+          </a:effectRef>
+          <a:fontRef idx="minor">
+            <a:schemeClr val="lt1"/>
+          </a:fontRef>
+        </p:style>
+        <p:txBody>
+          <a:bodyPr wrap="square" lIns="108000" rIns="108000" rtlCol="0" anchor="ctr">
+            <a:noAutofit/>
+          </a:bodyPr>
+          <a:lstStyle/>
+          <a:p>
+            <a:pPr algn="ctr"/>
+            <a:endParaRPr lang="en-US" altLang="ko-KR" sz="2000" b="1" dirty="0">
+              <a:solidFill>
+                <a:srgbClr val="FF0000"/>
+              </a:solidFill>
+              <a:latin typeface="맑은 고딕" panose="020B0503020000020004" pitchFamily="50" charset="-127"/>
+              <a:ea typeface="맑은 고딕" panose="020B0503020000020004" pitchFamily="50" charset="-127"/>
+            </a:endParaRPr>
+          </a:p>
+        </p:txBody>
+      </p:sp>
+      <p:grpSp>
+        <p:nvGrpSpPr>
+          <p:cNvPr id="32" name="그룹 31"/>
+          <p:cNvGrpSpPr/>
+          <p:nvPr/>
+        </p:nvGrpSpPr>
+        <p:grpSpPr>
+          <a:xfrm>
+            <a:off x="3770980" y="3444240"/>
+            <a:ext cx="4663184" cy="1784960"/>
+            <a:chOff x="2246980" y="3140968"/>
+            <a:chExt cx="4663184" cy="1784960"/>
+          </a:xfrm>
+        </p:grpSpPr>
+        <p:grpSp>
+          <p:nvGrpSpPr>
+            <p:cNvPr id="8" name="그룹 7"/>
+            <p:cNvGrpSpPr/>
+            <p:nvPr/>
+          </p:nvGrpSpPr>
+          <p:grpSpPr>
+            <a:xfrm>
+              <a:off x="2246980" y="4193723"/>
+              <a:ext cx="4663184" cy="732205"/>
+              <a:chOff x="2246980" y="4797152"/>
+              <a:chExt cx="4663184" cy="732205"/>
+            </a:xfrm>
+          </p:grpSpPr>
+          <p:cxnSp>
+            <p:nvCxnSpPr>
+              <p:cNvPr id="15" name="직선 연결선 14"/>
+              <p:cNvCxnSpPr/>
+              <p:nvPr/>
+            </p:nvCxnSpPr>
+            <p:spPr>
+              <a:xfrm>
+                <a:off x="2339752" y="4797152"/>
+                <a:ext cx="4320480" cy="0"/>
+              </a:xfrm>
+              <a:prstGeom prst="line">
+                <a:avLst/>
+              </a:prstGeom>
+              <a:ln w="19050">
+                <a:solidFill>
+                  <a:schemeClr val="tx1"/>
+                </a:solidFill>
+                <a:tailEnd type="none"/>
+              </a:ln>
+            </p:spPr>
+            <p:style>
+              <a:lnRef idx="1">
+                <a:schemeClr val="accent1"/>
+              </a:lnRef>
+              <a:fillRef idx="0">
+                <a:schemeClr val="accent1"/>
+              </a:fillRef>
+              <a:effectRef idx="0">
+                <a:schemeClr val="accent1"/>
+              </a:effectRef>
+              <a:fontRef idx="minor">
+                <a:schemeClr val="tx1"/>
+              </a:fontRef>
+            </p:style>
+          </p:cxnSp>
+          <p:cxnSp>
+            <p:nvCxnSpPr>
+              <p:cNvPr id="16" name="직선 연결선 15"/>
+              <p:cNvCxnSpPr/>
+              <p:nvPr/>
+            </p:nvCxnSpPr>
+            <p:spPr>
+              <a:xfrm>
+                <a:off x="2346898" y="4800733"/>
+                <a:ext cx="0" cy="98927"/>
+              </a:xfrm>
+              <a:prstGeom prst="line">
+                <a:avLst/>
+              </a:prstGeom>
+              <a:ln w="19050">
+                <a:solidFill>
+                  <a:schemeClr val="tx1"/>
+                </a:solidFill>
+                <a:tailEnd type="none"/>
+              </a:ln>
+            </p:spPr>
+            <p:style>
+              <a:lnRef idx="1">
+                <a:schemeClr val="accent1"/>
+              </a:lnRef>
+              <a:fillRef idx="0">
+                <a:schemeClr val="accent1"/>
+              </a:fillRef>
+              <a:effectRef idx="0">
+                <a:schemeClr val="accent1"/>
+              </a:effectRef>
+              <a:fontRef idx="minor">
+                <a:schemeClr val="tx1"/>
+              </a:fontRef>
+            </p:style>
+          </p:cxnSp>
+          <p:sp>
+            <p:nvSpPr>
+              <p:cNvPr id="17" name="TextBox 16"/>
+              <p:cNvSpPr txBox="1"/>
+              <p:nvPr/>
+            </p:nvSpPr>
+            <p:spPr>
+              <a:xfrm>
+                <a:off x="2246980" y="4857333"/>
+                <a:ext cx="216024" cy="276999"/>
+              </a:xfrm>
+              <a:prstGeom prst="rect">
+                <a:avLst/>
+              </a:prstGeom>
+              <a:noFill/>
+            </p:spPr>
+            <p:txBody>
+              <a:bodyPr wrap="square" rtlCol="0">
+                <a:spAutoFit/>
+              </a:bodyPr>
+              <a:lstStyle/>
+              <a:p>
+                <a:pPr algn="ctr"/>
+                <a:r>
+                  <a:rPr lang="en-US" altLang="ko-KR" sz="1200" b="1" dirty="0">
+                    <a:solidFill>
+                      <a:prstClr val="black"/>
+                    </a:solidFill>
+                    <a:latin typeface="맑은 고딕" pitchFamily="50" charset="-127"/>
+                    <a:ea typeface="맑은 고딕" pitchFamily="50" charset="-127"/>
+                  </a:rPr>
+                  <a:t>0</a:t>
+                </a:r>
+                <a:endParaRPr lang="ko-KR" altLang="en-US" sz="1200" b="1" dirty="0">
+                  <a:solidFill>
+                    <a:prstClr val="black"/>
+                  </a:solidFill>
+                  <a:latin typeface="맑은 고딕" pitchFamily="50" charset="-127"/>
+                  <a:ea typeface="맑은 고딕" pitchFamily="50" charset="-127"/>
+                </a:endParaRPr>
+              </a:p>
+            </p:txBody>
+          </p:sp>
+          <p:cxnSp>
+            <p:nvCxnSpPr>
+              <p:cNvPr id="18" name="직선 연결선 17"/>
+              <p:cNvCxnSpPr/>
+              <p:nvPr/>
+            </p:nvCxnSpPr>
+            <p:spPr>
+              <a:xfrm>
+                <a:off x="3059832" y="4797152"/>
+                <a:ext cx="0" cy="98927"/>
+              </a:xfrm>
+              <a:prstGeom prst="line">
+                <a:avLst/>
+              </a:prstGeom>
+              <a:ln w="19050">
+                <a:solidFill>
+                  <a:schemeClr val="tx1"/>
+                </a:solidFill>
+                <a:tailEnd type="none"/>
+              </a:ln>
+            </p:spPr>
+            <p:style>
+              <a:lnRef idx="1">
+                <a:schemeClr val="accent1"/>
+              </a:lnRef>
+              <a:fillRef idx="0">
+                <a:schemeClr val="accent1"/>
+              </a:fillRef>
+              <a:effectRef idx="0">
+                <a:schemeClr val="accent1"/>
+              </a:effectRef>
+              <a:fontRef idx="minor">
+                <a:schemeClr val="tx1"/>
+              </a:fontRef>
+            </p:style>
+          </p:cxnSp>
+          <p:sp>
+            <p:nvSpPr>
+              <p:cNvPr id="19" name="TextBox 18"/>
+              <p:cNvSpPr txBox="1"/>
+              <p:nvPr/>
+            </p:nvSpPr>
+            <p:spPr>
+              <a:xfrm>
+                <a:off x="2843808" y="4853752"/>
+                <a:ext cx="432048" cy="276999"/>
+              </a:xfrm>
+              <a:prstGeom prst="rect">
+                <a:avLst/>
+              </a:prstGeom>
+              <a:noFill/>
+            </p:spPr>
+            <p:txBody>
+              <a:bodyPr wrap="square" rtlCol="0">
+                <a:spAutoFit/>
+              </a:bodyPr>
+              <a:lstStyle/>
+              <a:p>
+                <a:pPr algn="ctr"/>
+                <a:r>
+                  <a:rPr lang="en-US" altLang="ko-KR" sz="1200" b="1" dirty="0">
+                    <a:solidFill>
+                      <a:prstClr val="black"/>
+                    </a:solidFill>
+                    <a:latin typeface="맑은 고딕" pitchFamily="50" charset="-127"/>
+                    <a:ea typeface="맑은 고딕" pitchFamily="50" charset="-127"/>
+                  </a:rPr>
+                  <a:t>20</a:t>
+                </a:r>
+                <a:endParaRPr lang="ko-KR" altLang="en-US" sz="1200" b="1" dirty="0">
+                  <a:solidFill>
+                    <a:prstClr val="black"/>
+                  </a:solidFill>
+                  <a:latin typeface="맑은 고딕" pitchFamily="50" charset="-127"/>
+                  <a:ea typeface="맑은 고딕" pitchFamily="50" charset="-127"/>
+                </a:endParaRPr>
+              </a:p>
+            </p:txBody>
+          </p:sp>
+          <p:cxnSp>
+            <p:nvCxnSpPr>
+              <p:cNvPr id="20" name="직선 연결선 19"/>
+              <p:cNvCxnSpPr/>
+              <p:nvPr/>
+            </p:nvCxnSpPr>
+            <p:spPr>
+              <a:xfrm>
+                <a:off x="3779912" y="4797152"/>
+                <a:ext cx="0" cy="98927"/>
+              </a:xfrm>
+              <a:prstGeom prst="line">
+                <a:avLst/>
+              </a:prstGeom>
+              <a:ln w="19050">
+                <a:solidFill>
+                  <a:schemeClr val="tx1"/>
+                </a:solidFill>
+                <a:tailEnd type="none"/>
+              </a:ln>
+            </p:spPr>
+            <p:style>
+              <a:lnRef idx="1">
+                <a:schemeClr val="accent1"/>
+              </a:lnRef>
+              <a:fillRef idx="0">
+                <a:schemeClr val="accent1"/>
+              </a:fillRef>
+              <a:effectRef idx="0">
+                <a:schemeClr val="accent1"/>
+              </a:effectRef>
+              <a:fontRef idx="minor">
+                <a:schemeClr val="tx1"/>
+              </a:fontRef>
+            </p:style>
+          </p:cxnSp>
+          <p:sp>
+            <p:nvSpPr>
+              <p:cNvPr id="21" name="TextBox 20"/>
+              <p:cNvSpPr txBox="1"/>
+              <p:nvPr/>
+            </p:nvSpPr>
+            <p:spPr>
+              <a:xfrm>
+                <a:off x="3563888" y="4853752"/>
+                <a:ext cx="432048" cy="276999"/>
+              </a:xfrm>
+              <a:prstGeom prst="rect">
+                <a:avLst/>
+              </a:prstGeom>
+              <a:noFill/>
+            </p:spPr>
+            <p:txBody>
+              <a:bodyPr wrap="square" rtlCol="0">
+                <a:spAutoFit/>
+              </a:bodyPr>
+              <a:lstStyle/>
+              <a:p>
+                <a:pPr algn="ctr"/>
+                <a:r>
+                  <a:rPr lang="en-US" altLang="ko-KR" sz="1200" b="1" dirty="0">
+                    <a:solidFill>
+                      <a:prstClr val="black"/>
+                    </a:solidFill>
+                    <a:latin typeface="맑은 고딕" pitchFamily="50" charset="-127"/>
+                    <a:ea typeface="맑은 고딕" pitchFamily="50" charset="-127"/>
+                  </a:rPr>
+                  <a:t>40</a:t>
+                </a:r>
+                <a:endParaRPr lang="ko-KR" altLang="en-US" sz="1200" b="1" dirty="0">
+                  <a:solidFill>
+                    <a:prstClr val="black"/>
+                  </a:solidFill>
+                  <a:latin typeface="맑은 고딕" pitchFamily="50" charset="-127"/>
+                  <a:ea typeface="맑은 고딕" pitchFamily="50" charset="-127"/>
+                </a:endParaRPr>
+              </a:p>
+            </p:txBody>
+          </p:sp>
+          <p:cxnSp>
+            <p:nvCxnSpPr>
+              <p:cNvPr id="22" name="직선 연결선 21"/>
+              <p:cNvCxnSpPr/>
+              <p:nvPr/>
+            </p:nvCxnSpPr>
+            <p:spPr>
+              <a:xfrm>
+                <a:off x="4499992" y="4797152"/>
+                <a:ext cx="0" cy="98927"/>
+              </a:xfrm>
+              <a:prstGeom prst="line">
+                <a:avLst/>
+              </a:prstGeom>
+              <a:ln w="19050">
+                <a:solidFill>
+                  <a:schemeClr val="tx1"/>
+                </a:solidFill>
+                <a:tailEnd type="none"/>
+              </a:ln>
+            </p:spPr>
+            <p:style>
+              <a:lnRef idx="1">
+                <a:schemeClr val="accent1"/>
+              </a:lnRef>
+              <a:fillRef idx="0">
+                <a:schemeClr val="accent1"/>
+              </a:fillRef>
+              <a:effectRef idx="0">
+                <a:schemeClr val="accent1"/>
+              </a:effectRef>
+              <a:fontRef idx="minor">
+                <a:schemeClr val="tx1"/>
+              </a:fontRef>
+            </p:style>
+          </p:cxnSp>
+          <p:sp>
+            <p:nvSpPr>
+              <p:cNvPr id="23" name="TextBox 22"/>
+              <p:cNvSpPr txBox="1"/>
+              <p:nvPr/>
+            </p:nvSpPr>
+            <p:spPr>
+              <a:xfrm>
+                <a:off x="4283968" y="4853752"/>
+                <a:ext cx="432048" cy="276999"/>
+              </a:xfrm>
+              <a:prstGeom prst="rect">
+                <a:avLst/>
+              </a:prstGeom>
+              <a:noFill/>
+            </p:spPr>
+            <p:txBody>
+              <a:bodyPr wrap="square" rtlCol="0">
+                <a:spAutoFit/>
+              </a:bodyPr>
+              <a:lstStyle/>
+              <a:p>
+                <a:pPr algn="ctr"/>
+                <a:r>
+                  <a:rPr lang="en-US" altLang="ko-KR" sz="1200" b="1" dirty="0">
+                    <a:solidFill>
+                      <a:prstClr val="black"/>
+                    </a:solidFill>
+                    <a:latin typeface="맑은 고딕" pitchFamily="50" charset="-127"/>
+                    <a:ea typeface="맑은 고딕" pitchFamily="50" charset="-127"/>
+                  </a:rPr>
+                  <a:t>60</a:t>
+                </a:r>
+                <a:endParaRPr lang="ko-KR" altLang="en-US" sz="1200" b="1" dirty="0">
+                  <a:solidFill>
+                    <a:prstClr val="black"/>
+                  </a:solidFill>
+                  <a:latin typeface="맑은 고딕" pitchFamily="50" charset="-127"/>
+                  <a:ea typeface="맑은 고딕" pitchFamily="50" charset="-127"/>
+                </a:endParaRPr>
+              </a:p>
+            </p:txBody>
+          </p:sp>
+          <p:cxnSp>
+            <p:nvCxnSpPr>
+              <p:cNvPr id="24" name="직선 연결선 23"/>
+              <p:cNvCxnSpPr/>
+              <p:nvPr/>
+            </p:nvCxnSpPr>
+            <p:spPr>
+              <a:xfrm>
+                <a:off x="5220072" y="4797152"/>
+                <a:ext cx="0" cy="98927"/>
+              </a:xfrm>
+              <a:prstGeom prst="line">
+                <a:avLst/>
+              </a:prstGeom>
+              <a:ln w="19050">
+                <a:solidFill>
+                  <a:schemeClr val="tx1"/>
+                </a:solidFill>
+                <a:tailEnd type="none"/>
+              </a:ln>
+            </p:spPr>
+            <p:style>
+              <a:lnRef idx="1">
+                <a:schemeClr val="accent1"/>
+              </a:lnRef>
+              <a:fillRef idx="0">
+                <a:schemeClr val="accent1"/>
+              </a:fillRef>
+              <a:effectRef idx="0">
+                <a:schemeClr val="accent1"/>
+              </a:effectRef>
+              <a:fontRef idx="minor">
+                <a:schemeClr val="tx1"/>
+              </a:fontRef>
+            </p:style>
+          </p:cxnSp>
+          <p:sp>
+            <p:nvSpPr>
+              <p:cNvPr id="25" name="TextBox 24"/>
+              <p:cNvSpPr txBox="1"/>
+              <p:nvPr/>
+            </p:nvSpPr>
+            <p:spPr>
+              <a:xfrm>
+                <a:off x="5004048" y="4853752"/>
+                <a:ext cx="432048" cy="276999"/>
+              </a:xfrm>
+              <a:prstGeom prst="rect">
+                <a:avLst/>
+              </a:prstGeom>
+              <a:noFill/>
+            </p:spPr>
+            <p:txBody>
+              <a:bodyPr wrap="square" rtlCol="0">
+                <a:spAutoFit/>
+              </a:bodyPr>
+              <a:lstStyle/>
+              <a:p>
+                <a:pPr algn="ctr"/>
+                <a:r>
+                  <a:rPr lang="en-US" altLang="ko-KR" sz="1200" b="1" dirty="0">
+                    <a:solidFill>
+                      <a:prstClr val="black"/>
+                    </a:solidFill>
+                    <a:latin typeface="맑은 고딕" pitchFamily="50" charset="-127"/>
+                    <a:ea typeface="맑은 고딕" pitchFamily="50" charset="-127"/>
+                  </a:rPr>
+                  <a:t>80</a:t>
+                </a:r>
+                <a:endParaRPr lang="ko-KR" altLang="en-US" sz="1200" b="1" dirty="0">
+                  <a:solidFill>
+                    <a:prstClr val="black"/>
+                  </a:solidFill>
+                  <a:latin typeface="맑은 고딕" pitchFamily="50" charset="-127"/>
+                  <a:ea typeface="맑은 고딕" pitchFamily="50" charset="-127"/>
+                </a:endParaRPr>
+              </a:p>
+            </p:txBody>
+          </p:sp>
+          <p:cxnSp>
+            <p:nvCxnSpPr>
+              <p:cNvPr id="26" name="직선 연결선 25"/>
+              <p:cNvCxnSpPr/>
+              <p:nvPr/>
+            </p:nvCxnSpPr>
+            <p:spPr>
+              <a:xfrm>
+                <a:off x="5940152" y="4797152"/>
+                <a:ext cx="0" cy="98927"/>
+              </a:xfrm>
+              <a:prstGeom prst="line">
+                <a:avLst/>
+              </a:prstGeom>
+              <a:ln w="19050">
+                <a:solidFill>
+                  <a:schemeClr val="tx1"/>
+                </a:solidFill>
+                <a:tailEnd type="none"/>
+              </a:ln>
+            </p:spPr>
+            <p:style>
+              <a:lnRef idx="1">
+                <a:schemeClr val="accent1"/>
+              </a:lnRef>
+              <a:fillRef idx="0">
+                <a:schemeClr val="accent1"/>
+              </a:fillRef>
+              <a:effectRef idx="0">
+                <a:schemeClr val="accent1"/>
+              </a:effectRef>
+              <a:fontRef idx="minor">
+                <a:schemeClr val="tx1"/>
+              </a:fontRef>
+            </p:style>
+          </p:cxnSp>
+          <p:sp>
+            <p:nvSpPr>
+              <p:cNvPr id="27" name="TextBox 26"/>
+              <p:cNvSpPr txBox="1"/>
+              <p:nvPr/>
+            </p:nvSpPr>
+            <p:spPr>
+              <a:xfrm>
+                <a:off x="5693648" y="4853752"/>
+                <a:ext cx="504056" cy="276999"/>
+              </a:xfrm>
+              <a:prstGeom prst="rect">
+                <a:avLst/>
+              </a:prstGeom>
+              <a:noFill/>
+            </p:spPr>
+            <p:txBody>
+              <a:bodyPr wrap="square" rtlCol="0">
+                <a:spAutoFit/>
+              </a:bodyPr>
+              <a:lstStyle/>
+              <a:p>
+                <a:pPr algn="ctr"/>
+                <a:r>
+                  <a:rPr lang="en-US" altLang="ko-KR" sz="1200" b="1" dirty="0">
+                    <a:solidFill>
+                      <a:prstClr val="black"/>
+                    </a:solidFill>
+                    <a:latin typeface="맑은 고딕" pitchFamily="50" charset="-127"/>
+                    <a:ea typeface="맑은 고딕" pitchFamily="50" charset="-127"/>
+                  </a:rPr>
+                  <a:t>100</a:t>
+                </a:r>
+                <a:endParaRPr lang="ko-KR" altLang="en-US" sz="1200" b="1" dirty="0">
+                  <a:solidFill>
+                    <a:prstClr val="black"/>
+                  </a:solidFill>
+                  <a:latin typeface="맑은 고딕" pitchFamily="50" charset="-127"/>
+                  <a:ea typeface="맑은 고딕" pitchFamily="50" charset="-127"/>
+                </a:endParaRPr>
+              </a:p>
+            </p:txBody>
+          </p:sp>
+          <p:cxnSp>
+            <p:nvCxnSpPr>
+              <p:cNvPr id="28" name="직선 연결선 27"/>
+              <p:cNvCxnSpPr/>
+              <p:nvPr/>
+            </p:nvCxnSpPr>
+            <p:spPr>
+              <a:xfrm>
+                <a:off x="6652612" y="4797152"/>
+                <a:ext cx="0" cy="98927"/>
+              </a:xfrm>
+              <a:prstGeom prst="line">
+                <a:avLst/>
+              </a:prstGeom>
+              <a:ln w="19050">
+                <a:solidFill>
+                  <a:schemeClr val="tx1"/>
+                </a:solidFill>
+                <a:tailEnd type="none"/>
+              </a:ln>
+            </p:spPr>
+            <p:style>
+              <a:lnRef idx="1">
+                <a:schemeClr val="accent1"/>
+              </a:lnRef>
+              <a:fillRef idx="0">
+                <a:schemeClr val="accent1"/>
+              </a:fillRef>
+              <a:effectRef idx="0">
+                <a:schemeClr val="accent1"/>
+              </a:effectRef>
+              <a:fontRef idx="minor">
+                <a:schemeClr val="tx1"/>
+              </a:fontRef>
+            </p:style>
+          </p:cxnSp>
+          <p:sp>
+            <p:nvSpPr>
+              <p:cNvPr id="29" name="TextBox 28"/>
+              <p:cNvSpPr txBox="1"/>
+              <p:nvPr/>
+            </p:nvSpPr>
+            <p:spPr>
+              <a:xfrm>
+                <a:off x="6406108" y="4853752"/>
+                <a:ext cx="504056" cy="276999"/>
+              </a:xfrm>
+              <a:prstGeom prst="rect">
+                <a:avLst/>
+              </a:prstGeom>
+              <a:noFill/>
+            </p:spPr>
+            <p:txBody>
+              <a:bodyPr wrap="square" rtlCol="0">
+                <a:spAutoFit/>
+              </a:bodyPr>
+              <a:lstStyle/>
+              <a:p>
+                <a:pPr algn="ctr"/>
+                <a:r>
+                  <a:rPr lang="en-US" altLang="ko-KR" sz="1200" b="1" dirty="0">
+                    <a:solidFill>
+                      <a:prstClr val="black"/>
+                    </a:solidFill>
+                    <a:latin typeface="맑은 고딕" pitchFamily="50" charset="-127"/>
+                    <a:ea typeface="맑은 고딕" pitchFamily="50" charset="-127"/>
+                  </a:rPr>
+                  <a:t>120</a:t>
+                </a:r>
+                <a:endParaRPr lang="ko-KR" altLang="en-US" sz="1200" b="1" dirty="0">
+                  <a:solidFill>
+                    <a:prstClr val="black"/>
+                  </a:solidFill>
+                  <a:latin typeface="맑은 고딕" pitchFamily="50" charset="-127"/>
+                  <a:ea typeface="맑은 고딕" pitchFamily="50" charset="-127"/>
+                </a:endParaRPr>
+              </a:p>
+            </p:txBody>
+          </p:sp>
+          <p:sp>
+            <p:nvSpPr>
+              <p:cNvPr id="30" name="TextBox 29"/>
+              <p:cNvSpPr txBox="1"/>
+              <p:nvPr/>
+            </p:nvSpPr>
+            <p:spPr>
+              <a:xfrm>
+                <a:off x="3757052" y="5221580"/>
+                <a:ext cx="1512168" cy="307777"/>
+              </a:xfrm>
+              <a:prstGeom prst="rect">
+                <a:avLst/>
+              </a:prstGeom>
+              <a:noFill/>
+            </p:spPr>
+            <p:txBody>
+              <a:bodyPr wrap="square" rtlCol="0">
+                <a:spAutoFit/>
+              </a:bodyPr>
+              <a:lstStyle/>
+              <a:p>
+                <a:pPr algn="ctr"/>
+                <a:r>
+                  <a:rPr lang="en-US" altLang="ko-KR" sz="1400" b="1" dirty="0">
+                    <a:solidFill>
+                      <a:prstClr val="black"/>
+                    </a:solidFill>
+                    <a:latin typeface="맑은 고딕" pitchFamily="50" charset="-127"/>
+                    <a:ea typeface="맑은 고딕" pitchFamily="50" charset="-127"/>
+                  </a:rPr>
+                  <a:t>Time (Second)</a:t>
+                </a:r>
+                <a:endParaRPr lang="ko-KR" altLang="en-US" sz="1400" b="1" dirty="0">
+                  <a:solidFill>
+                    <a:prstClr val="black"/>
+                  </a:solidFill>
+                  <a:latin typeface="맑은 고딕" pitchFamily="50" charset="-127"/>
+                  <a:ea typeface="맑은 고딕" pitchFamily="50" charset="-127"/>
+                </a:endParaRPr>
+              </a:p>
+            </p:txBody>
+          </p:sp>
+        </p:grpSp>
+        <p:sp>
+          <p:nvSpPr>
+            <p:cNvPr id="9" name="직사각형 8"/>
+            <p:cNvSpPr/>
+            <p:nvPr/>
+          </p:nvSpPr>
+          <p:spPr>
+            <a:xfrm>
+              <a:off x="2339278" y="3440669"/>
+              <a:ext cx="3606398" cy="718453"/>
+            </a:xfrm>
+            <a:prstGeom prst="rect">
+              <a:avLst/>
+            </a:prstGeom>
+            <a:solidFill>
+              <a:schemeClr val="tx1"/>
+            </a:solidFill>
+            <a:ln w="9525">
+              <a:solidFill>
+                <a:schemeClr val="tx1"/>
+              </a:solidFill>
+            </a:ln>
+            <a:effectLst/>
+          </p:spPr>
+          <p:style>
+            <a:lnRef idx="3">
+              <a:schemeClr val="lt1"/>
+            </a:lnRef>
+            <a:fillRef idx="1">
+              <a:schemeClr val="accent1"/>
+            </a:fillRef>
+            <a:effectRef idx="1">
+              <a:schemeClr val="accent1"/>
+            </a:effectRef>
+            <a:fontRef idx="minor">
+              <a:schemeClr val="lt1"/>
+            </a:fontRef>
+          </p:style>
+          <p:txBody>
+            <a:bodyPr lIns="252000" rtlCol="0" anchor="ctr"/>
+            <a:lstStyle/>
+            <a:p>
+              <a:pPr algn="ctr"/>
+              <a:endParaRPr lang="ko-KR" altLang="en-US" sz="1600" dirty="0">
+                <a:solidFill>
+                  <a:srgbClr val="00B050"/>
+                </a:solidFill>
+                <a:latin typeface="Courier New" pitchFamily="49" charset="0"/>
+                <a:ea typeface="맑은 고딕" pitchFamily="50" charset="-127"/>
+                <a:cs typeface="Courier New" pitchFamily="49" charset="0"/>
+              </a:endParaRPr>
+            </a:p>
+          </p:txBody>
+        </p:sp>
+        <p:sp>
+          <p:nvSpPr>
+            <p:cNvPr id="10" name="직사각형 9"/>
+            <p:cNvSpPr/>
+            <p:nvPr/>
+          </p:nvSpPr>
+          <p:spPr>
+            <a:xfrm>
+              <a:off x="5940192" y="3440119"/>
+              <a:ext cx="360000" cy="719003"/>
+            </a:xfrm>
+            <a:prstGeom prst="rect">
+              <a:avLst/>
+            </a:prstGeom>
+            <a:pattFill prst="wdDnDiag">
+              <a:fgClr>
+                <a:schemeClr val="tx1"/>
+              </a:fgClr>
+              <a:bgClr>
+                <a:schemeClr val="bg1"/>
+              </a:bgClr>
+            </a:pattFill>
+            <a:ln w="9525">
+              <a:solidFill>
+                <a:schemeClr val="tx1"/>
+              </a:solidFill>
+            </a:ln>
+            <a:effectLst/>
+          </p:spPr>
+          <p:style>
+            <a:lnRef idx="3">
+              <a:schemeClr val="lt1"/>
+            </a:lnRef>
+            <a:fillRef idx="1">
+              <a:schemeClr val="accent1"/>
+            </a:fillRef>
+            <a:effectRef idx="1">
+              <a:schemeClr val="accent1"/>
+            </a:effectRef>
+            <a:fontRef idx="minor">
+              <a:schemeClr val="lt1"/>
+            </a:fontRef>
+          </p:style>
+          <p:txBody>
+            <a:bodyPr lIns="252000" rtlCol="0" anchor="ctr"/>
+            <a:lstStyle/>
+            <a:p>
+              <a:pPr algn="ctr"/>
+              <a:endParaRPr lang="ko-KR" altLang="en-US" sz="1600" dirty="0">
+                <a:solidFill>
+                  <a:srgbClr val="00B050"/>
+                </a:solidFill>
+                <a:latin typeface="Courier New" pitchFamily="49" charset="0"/>
+                <a:ea typeface="맑은 고딕" pitchFamily="50" charset="-127"/>
+                <a:cs typeface="Courier New" pitchFamily="49" charset="0"/>
+              </a:endParaRPr>
+            </a:p>
+          </p:txBody>
+        </p:sp>
+        <p:sp>
+          <p:nvSpPr>
+            <p:cNvPr id="11" name="직사각형 10"/>
+            <p:cNvSpPr/>
+            <p:nvPr/>
+          </p:nvSpPr>
+          <p:spPr>
+            <a:xfrm>
+              <a:off x="6300192" y="3440119"/>
+              <a:ext cx="360000" cy="719003"/>
+            </a:xfrm>
+            <a:prstGeom prst="rect">
+              <a:avLst/>
+            </a:prstGeom>
+            <a:pattFill prst="ltHorz">
+              <a:fgClr>
+                <a:schemeClr val="tx1"/>
+              </a:fgClr>
+              <a:bgClr>
+                <a:schemeClr val="bg1"/>
+              </a:bgClr>
+            </a:pattFill>
+            <a:ln w="9525">
+              <a:solidFill>
+                <a:schemeClr val="tx1"/>
+              </a:solidFill>
+            </a:ln>
+            <a:effectLst/>
+          </p:spPr>
+          <p:style>
+            <a:lnRef idx="3">
+              <a:schemeClr val="lt1"/>
+            </a:lnRef>
+            <a:fillRef idx="1">
+              <a:schemeClr val="accent1"/>
+            </a:fillRef>
+            <a:effectRef idx="1">
+              <a:schemeClr val="accent1"/>
+            </a:effectRef>
+            <a:fontRef idx="minor">
+              <a:schemeClr val="lt1"/>
+            </a:fontRef>
+          </p:style>
+          <p:txBody>
+            <a:bodyPr lIns="252000" rtlCol="0" anchor="ctr"/>
+            <a:lstStyle/>
+            <a:p>
+              <a:pPr algn="ctr"/>
+              <a:endParaRPr lang="ko-KR" altLang="en-US" sz="1600" dirty="0">
+                <a:solidFill>
+                  <a:srgbClr val="00B050"/>
+                </a:solidFill>
+                <a:latin typeface="Courier New" pitchFamily="49" charset="0"/>
+                <a:ea typeface="맑은 고딕" pitchFamily="50" charset="-127"/>
+                <a:cs typeface="Courier New" pitchFamily="49" charset="0"/>
+              </a:endParaRPr>
+            </a:p>
+          </p:txBody>
+        </p:sp>
+        <p:sp>
+          <p:nvSpPr>
+            <p:cNvPr id="12" name="TextBox 11"/>
+            <p:cNvSpPr txBox="1"/>
+            <p:nvPr/>
+          </p:nvSpPr>
+          <p:spPr>
+            <a:xfrm>
+              <a:off x="3923968" y="3140968"/>
+              <a:ext cx="360000" cy="307777"/>
+            </a:xfrm>
+            <a:prstGeom prst="rect">
+              <a:avLst/>
+            </a:prstGeom>
+            <a:noFill/>
+          </p:spPr>
+          <p:txBody>
+            <a:bodyPr wrap="square" rtlCol="0">
+              <a:spAutoFit/>
+            </a:bodyPr>
+            <a:lstStyle/>
+            <a:p>
+              <a:pPr algn="ctr"/>
+              <a:r>
+                <a:rPr lang="en-US" altLang="ko-KR" sz="1400" dirty="0">
+                  <a:solidFill>
+                    <a:prstClr val="black"/>
+                  </a:solidFill>
+                  <a:latin typeface="맑은 고딕" pitchFamily="50" charset="-127"/>
+                  <a:ea typeface="맑은 고딕" pitchFamily="50" charset="-127"/>
+                </a:rPr>
+                <a:t>A</a:t>
+              </a:r>
+              <a:endParaRPr lang="ko-KR" altLang="en-US" sz="1400" dirty="0">
+                <a:solidFill>
+                  <a:prstClr val="black"/>
+                </a:solidFill>
+                <a:latin typeface="맑은 고딕" pitchFamily="50" charset="-127"/>
+                <a:ea typeface="맑은 고딕" pitchFamily="50" charset="-127"/>
+              </a:endParaRPr>
+            </a:p>
+          </p:txBody>
+        </p:sp>
+        <p:sp>
+          <p:nvSpPr>
+            <p:cNvPr id="13" name="TextBox 12"/>
+            <p:cNvSpPr txBox="1"/>
+            <p:nvPr/>
+          </p:nvSpPr>
+          <p:spPr>
+            <a:xfrm>
+              <a:off x="5940192" y="3140968"/>
+              <a:ext cx="360000" cy="307777"/>
+            </a:xfrm>
+            <a:prstGeom prst="rect">
+              <a:avLst/>
+            </a:prstGeom>
+            <a:noFill/>
+          </p:spPr>
+          <p:txBody>
+            <a:bodyPr wrap="square" rtlCol="0">
+              <a:spAutoFit/>
+            </a:bodyPr>
+            <a:lstStyle/>
+            <a:p>
+              <a:pPr algn="ctr"/>
+              <a:r>
+                <a:rPr lang="en-US" altLang="ko-KR" sz="1400" dirty="0">
+                  <a:solidFill>
+                    <a:prstClr val="black"/>
+                  </a:solidFill>
+                  <a:latin typeface="맑은 고딕" pitchFamily="50" charset="-127"/>
+                  <a:ea typeface="맑은 고딕" pitchFamily="50" charset="-127"/>
+                </a:rPr>
+                <a:t>B</a:t>
+              </a:r>
+              <a:endParaRPr lang="ko-KR" altLang="en-US" sz="1400" dirty="0">
+                <a:solidFill>
+                  <a:prstClr val="black"/>
+                </a:solidFill>
+                <a:latin typeface="맑은 고딕" pitchFamily="50" charset="-127"/>
+                <a:ea typeface="맑은 고딕" pitchFamily="50" charset="-127"/>
+              </a:endParaRPr>
+            </a:p>
+          </p:txBody>
+        </p:sp>
+        <p:sp>
+          <p:nvSpPr>
+            <p:cNvPr id="14" name="TextBox 13"/>
+            <p:cNvSpPr txBox="1"/>
+            <p:nvPr/>
+          </p:nvSpPr>
+          <p:spPr>
+            <a:xfrm>
+              <a:off x="6300232" y="3147511"/>
+              <a:ext cx="360000" cy="307777"/>
+            </a:xfrm>
+            <a:prstGeom prst="rect">
+              <a:avLst/>
+            </a:prstGeom>
+            <a:noFill/>
+          </p:spPr>
+          <p:txBody>
+            <a:bodyPr wrap="square" rtlCol="0">
+              <a:spAutoFit/>
+            </a:bodyPr>
+            <a:lstStyle/>
+            <a:p>
+              <a:pPr algn="ctr"/>
+              <a:r>
+                <a:rPr lang="en-US" altLang="ko-KR" sz="1400" dirty="0">
+                  <a:solidFill>
+                    <a:prstClr val="black"/>
+                  </a:solidFill>
+                  <a:latin typeface="맑은 고딕" pitchFamily="50" charset="-127"/>
+                  <a:ea typeface="맑은 고딕" pitchFamily="50" charset="-127"/>
+                </a:rPr>
+                <a:t>C</a:t>
+              </a:r>
+              <a:endParaRPr lang="ko-KR" altLang="en-US" sz="1400" dirty="0">
+                <a:solidFill>
+                  <a:prstClr val="black"/>
+                </a:solidFill>
+                <a:latin typeface="맑은 고딕" pitchFamily="50" charset="-127"/>
+                <a:ea typeface="맑은 고딕" pitchFamily="50" charset="-127"/>
+              </a:endParaRPr>
+            </a:p>
+          </p:txBody>
+        </p:sp>
+      </p:grpSp>
+      <mc:AlternateContent xmlns:mc="http://schemas.openxmlformats.org/markup-compatibility/2006" xmlns:a14="http://schemas.microsoft.com/office/drawing/2010/main">
+        <mc:Choice Requires="a14">
+          <p:sp>
+            <p:nvSpPr>
+              <p:cNvPr id="31" name="TextBox 30"/>
+              <p:cNvSpPr txBox="1"/>
+              <p:nvPr/>
+            </p:nvSpPr>
+            <p:spPr>
+              <a:xfrm>
+                <a:off x="3422103" y="5552572"/>
+                <a:ext cx="5759910" cy="554960"/>
+              </a:xfrm>
+              <a:prstGeom prst="rect">
+                <a:avLst/>
+              </a:prstGeom>
+              <a:noFill/>
+            </p:spPr>
+            <p:txBody>
+              <a:bodyPr wrap="none" rtlCol="0">
+                <a:spAutoFit/>
+              </a:bodyPr>
+              <a:lstStyle/>
+              <a:p>
+                <a:pPr/>
+                <a14:m>
+                  <m:oMathPara xmlns:m="http://schemas.openxmlformats.org/officeDocument/2006/math">
+                    <m:oMathParaPr>
+                      <m:jc m:val="centerGroup"/>
+                    </m:oMathParaPr>
+                    <m:oMath xmlns:m="http://schemas.openxmlformats.org/officeDocument/2006/math">
+                      <m:r>
+                        <a:rPr lang="en-US" altLang="ko-KR" sz="1600" b="1" i="1">
+                          <a:solidFill>
+                            <a:prstClr val="black"/>
+                          </a:solidFill>
+                          <a:latin typeface="Cambria Math"/>
+                        </a:rPr>
+                        <m:t>𝑨𝒗𝒆𝒓𝒂𝒈𝒆</m:t>
+                      </m:r>
+                      <m:r>
+                        <a:rPr lang="en-US" altLang="ko-KR" sz="1600" b="1" i="1">
+                          <a:solidFill>
+                            <a:prstClr val="black"/>
+                          </a:solidFill>
+                          <a:latin typeface="Cambria Math"/>
+                        </a:rPr>
+                        <m:t> </m:t>
+                      </m:r>
+                      <m:r>
+                        <a:rPr lang="en-US" altLang="ko-KR" sz="1600" b="1" i="1">
+                          <a:solidFill>
+                            <a:prstClr val="black"/>
+                          </a:solidFill>
+                          <a:latin typeface="Cambria Math"/>
+                        </a:rPr>
+                        <m:t>𝒕𝒖𝒓𝒏𝒂𝒓𝒐𝒖𝒏𝒅</m:t>
+                      </m:r>
+                      <m:r>
+                        <a:rPr lang="en-US" altLang="ko-KR" sz="1600" b="1" i="1">
+                          <a:solidFill>
+                            <a:prstClr val="black"/>
+                          </a:solidFill>
+                          <a:latin typeface="Cambria Math"/>
+                        </a:rPr>
+                        <m:t> </m:t>
+                      </m:r>
+                      <m:r>
+                        <a:rPr lang="en-US" altLang="ko-KR" sz="1600" b="1" i="1">
+                          <a:solidFill>
+                            <a:prstClr val="black"/>
+                          </a:solidFill>
+                          <a:latin typeface="Cambria Math"/>
+                        </a:rPr>
+                        <m:t>𝒕𝒊𝒎𝒆</m:t>
+                      </m:r>
+                      <m:r>
+                        <a:rPr lang="en-US" altLang="ko-KR" sz="1600" b="1" i="1">
+                          <a:solidFill>
+                            <a:prstClr val="black"/>
+                          </a:solidFill>
+                          <a:latin typeface="Cambria Math"/>
+                        </a:rPr>
+                        <m:t>=</m:t>
+                      </m:r>
+                      <m:f>
+                        <m:fPr>
+                          <m:ctrlPr>
+                            <a:rPr lang="en-US" altLang="ko-KR" sz="1600" b="1" i="1">
+                              <a:solidFill>
+                                <a:prstClr val="black"/>
+                              </a:solidFill>
+                              <a:latin typeface="Cambria Math" panose="02040503050406030204" pitchFamily="18" charset="0"/>
+                            </a:rPr>
+                          </m:ctrlPr>
+                        </m:fPr>
+                        <m:num>
+                          <m:r>
+                            <a:rPr lang="en-US" altLang="ko-KR" sz="1600" b="1" i="1">
+                              <a:solidFill>
+                                <a:prstClr val="black"/>
+                              </a:solidFill>
+                              <a:latin typeface="Cambria Math"/>
+                            </a:rPr>
+                            <m:t>𝟏𝟎𝟎</m:t>
+                          </m:r>
+                          <m:r>
+                            <a:rPr lang="en-US" altLang="ko-KR" sz="1600" b="1" i="1">
+                              <a:solidFill>
+                                <a:prstClr val="black"/>
+                              </a:solidFill>
+                              <a:latin typeface="Cambria Math"/>
+                            </a:rPr>
+                            <m:t>+</m:t>
+                          </m:r>
+                          <m:r>
+                            <a:rPr lang="en-US" altLang="ko-KR" sz="1600" b="1" i="1">
+                              <a:solidFill>
+                                <a:prstClr val="black"/>
+                              </a:solidFill>
+                              <a:latin typeface="Cambria Math"/>
+                            </a:rPr>
+                            <m:t>𝟏𝟏𝟎</m:t>
+                          </m:r>
+                          <m:r>
+                            <a:rPr lang="en-US" altLang="ko-KR" sz="1600" b="1" i="1">
+                              <a:solidFill>
+                                <a:prstClr val="black"/>
+                              </a:solidFill>
+                              <a:latin typeface="Cambria Math"/>
+                            </a:rPr>
+                            <m:t>+</m:t>
+                          </m:r>
+                          <m:r>
+                            <a:rPr lang="en-US" altLang="ko-KR" sz="1600" b="1" i="1">
+                              <a:solidFill>
+                                <a:prstClr val="black"/>
+                              </a:solidFill>
+                              <a:latin typeface="Cambria Math"/>
+                            </a:rPr>
+                            <m:t>𝟏𝟐𝟎</m:t>
+                          </m:r>
+                        </m:num>
+                        <m:den>
+                          <m:r>
+                            <a:rPr lang="en-US" altLang="ko-KR" sz="1600" b="1" i="1">
+                              <a:solidFill>
+                                <a:prstClr val="black"/>
+                              </a:solidFill>
+                              <a:latin typeface="Cambria Math"/>
+                            </a:rPr>
+                            <m:t>𝟑</m:t>
+                          </m:r>
+                        </m:den>
+                      </m:f>
+                      <m:r>
+                        <a:rPr lang="en-US" altLang="ko-KR" sz="1600" b="1" i="1">
+                          <a:solidFill>
+                            <a:prstClr val="black"/>
+                          </a:solidFill>
+                          <a:latin typeface="Cambria Math"/>
+                        </a:rPr>
+                        <m:t>=</m:t>
+                      </m:r>
+                      <m:r>
+                        <a:rPr lang="en-US" altLang="ko-KR" sz="1600" b="1" i="1">
+                          <a:solidFill>
+                            <a:srgbClr val="FF0000"/>
+                          </a:solidFill>
+                          <a:latin typeface="Cambria Math"/>
+                        </a:rPr>
+                        <m:t>𝟏𝟏𝟎</m:t>
+                      </m:r>
+                      <m:r>
+                        <a:rPr lang="en-US" altLang="ko-KR" sz="1600" b="1" i="1">
+                          <a:solidFill>
+                            <a:prstClr val="black"/>
+                          </a:solidFill>
+                          <a:latin typeface="Cambria Math"/>
+                        </a:rPr>
+                        <m:t> </m:t>
+                      </m:r>
+                      <m:r>
+                        <a:rPr lang="en-US" altLang="ko-KR" sz="1600" b="1" i="1">
+                          <a:solidFill>
+                            <a:prstClr val="black"/>
+                          </a:solidFill>
+                          <a:latin typeface="Cambria Math"/>
+                        </a:rPr>
+                        <m:t>𝒔𝒆𝒄</m:t>
+                      </m:r>
+                    </m:oMath>
+                  </m:oMathPara>
+                </a14:m>
+                <a:endParaRPr lang="ko-KR" altLang="en-US" sz="1600" b="1" dirty="0">
+                  <a:solidFill>
+                    <a:prstClr val="black"/>
+                  </a:solidFill>
+                </a:endParaRPr>
+              </a:p>
+            </p:txBody>
+          </p:sp>
+        </mc:Choice>
+        <mc:Fallback xmlns="">
+          <p:sp>
+            <p:nvSpPr>
+              <p:cNvPr id="31" name="TextBox 30"/>
+              <p:cNvSpPr txBox="1">
+                <a:spLocks noRot="1" noChangeAspect="1" noMove="1" noResize="1" noEditPoints="1" noAdjustHandles="1" noChangeArrowheads="1" noChangeShapeType="1" noTextEdit="1"/>
+              </p:cNvSpPr>
+              <p:nvPr/>
+            </p:nvSpPr>
+            <p:spPr>
+              <a:xfrm>
+                <a:off x="3422103" y="5552572"/>
+                <a:ext cx="5759910" cy="554960"/>
+              </a:xfrm>
+              <a:prstGeom prst="rect">
+                <a:avLst/>
+              </a:prstGeom>
+              <a:blipFill>
+                <a:blip r:embed="rId2"/>
+                <a:stretch>
+                  <a:fillRect/>
+                </a:stretch>
+              </a:blipFill>
+            </p:spPr>
+            <p:txBody>
+              <a:bodyPr/>
+              <a:lstStyle/>
+              <a:p>
+                <a:r>
+                  <a:rPr lang="en-PH">
+                    <a:noFill/>
+                  </a:rPr>
+                  <a:t> </a:t>
+                </a:r>
+              </a:p>
+            </p:txBody>
+          </p:sp>
+        </mc:Fallback>
+      </mc:AlternateContent>
+    </p:spTree>
+    <p:extLst>
+      <p:ext uri="{BB962C8B-B14F-4D97-AF65-F5344CB8AC3E}">
+        <p14:creationId xmlns:p14="http://schemas.microsoft.com/office/powerpoint/2010/main" val="2726399474"/>
+      </p:ext>
+    </p:extLst>
+  </p:cSld>
+  <p:clrMapOvr>
+    <a:masterClrMapping/>
+  </p:clrMapOvr>
+  <p:transition>
+    <p:zoom/>
+  </p:transition>
+</p:sld>
+</file>
+
+<file path=ppt/slides/slide11.xml><?xml version="1.0" encoding="utf-8"?>
+<p:sld xmlns:a="http://schemas.openxmlformats.org/drawingml/2006/main" xmlns:r="http://schemas.openxmlformats.org/officeDocument/2006/relationships" xmlns:p="http://schemas.openxmlformats.org/presentationml/2006/main">
+  <p:cSld>
+    <p:spTree>
+      <p:nvGrpSpPr>
+        <p:cNvPr id="1" name=""/>
+        <p:cNvGrpSpPr/>
+        <p:nvPr/>
+      </p:nvGrpSpPr>
+      <p:grpSpPr>
+        <a:xfrm>
+          <a:off x="0" y="0"/>
+          <a:ext cx="0" cy="0"/>
+          <a:chOff x="0" y="0"/>
+          <a:chExt cx="0" cy="0"/>
+        </a:xfrm>
+      </p:grpSpPr>
+      <p:sp>
+        <p:nvSpPr>
+          <p:cNvPr id="2" name="제목 1"/>
+          <p:cNvSpPr>
+            <a:spLocks noGrp="1"/>
+          </p:cNvSpPr>
+          <p:nvPr>
+            <p:ph type="title"/>
+          </p:nvPr>
+        </p:nvSpPr>
+        <p:spPr/>
+        <p:txBody>
+          <a:bodyPr/>
+          <a:lstStyle/>
+          <a:p>
+            <a:r>
+              <a:rPr lang="en-US" altLang="ko-KR" dirty="0"/>
+              <a:t>Shortest Job First (SJF)</a:t>
+            </a:r>
+            <a:endParaRPr lang="ko-KR" altLang="en-US" dirty="0"/>
+          </a:p>
+        </p:txBody>
+      </p:sp>
+      <p:sp>
+        <p:nvSpPr>
+          <p:cNvPr id="3" name="내용 개체 틀 2"/>
+          <p:cNvSpPr>
+            <a:spLocks noGrp="1"/>
+          </p:cNvSpPr>
+          <p:nvPr>
+            <p:ph idx="1"/>
+          </p:nvPr>
+        </p:nvSpPr>
+        <p:spPr/>
+        <p:txBody>
+          <a:bodyPr/>
+          <a:lstStyle/>
+          <a:p>
+            <a:r>
+              <a:rPr lang="en-US" altLang="ko-KR" dirty="0"/>
+              <a:t>Run the shortest process first, then the next shortest, and so on</a:t>
+            </a:r>
+          </a:p>
+          <a:p>
+            <a:pPr lvl="1"/>
+            <a:r>
+              <a:rPr lang="en-US" altLang="ko-KR" dirty="0"/>
+              <a:t>A</a:t>
+            </a:r>
+            <a:r>
+              <a:rPr lang="en-US" altLang="ko-KR" b="1" dirty="0"/>
+              <a:t> non-preemptive scheduling </a:t>
+            </a:r>
+            <a:r>
+              <a:rPr lang="en-US" altLang="ko-KR" dirty="0"/>
+              <a:t>approach </a:t>
+            </a:r>
+            <a:r>
+              <a:rPr lang="en-US" altLang="ko-KR" b="1" dirty="0"/>
+              <a:t>– </a:t>
+            </a:r>
+            <a:r>
+              <a:rPr lang="en-US" altLang="ko-KR" dirty="0"/>
+              <a:t>runs processes to completion without interruption (opposite is called </a:t>
+            </a:r>
+            <a:r>
+              <a:rPr lang="en-US" altLang="ko-KR" b="1" dirty="0"/>
+              <a:t>preemptive</a:t>
+            </a:r>
+            <a:r>
+              <a:rPr lang="en-US" altLang="ko-KR" dirty="0"/>
+              <a:t> which is used by modern systems)</a:t>
+            </a:r>
+            <a:endParaRPr lang="en-US" altLang="ko-KR" b="1" dirty="0"/>
+          </a:p>
+          <a:p>
+            <a:r>
+              <a:rPr lang="en-US" altLang="ko-KR" dirty="0"/>
+              <a:t>Example:</a:t>
+            </a:r>
+          </a:p>
+          <a:p>
+            <a:pPr lvl="1"/>
+            <a:r>
+              <a:rPr lang="en-US" altLang="ko-KR" dirty="0"/>
+              <a:t>A arrived just before B which arrived just before C.</a:t>
+            </a:r>
+          </a:p>
+          <a:p>
+            <a:pPr lvl="1"/>
+            <a:r>
+              <a:rPr lang="en-US" altLang="ko-KR" dirty="0"/>
+              <a:t>A runs for 100 seconds, B and C run for 10 each.</a:t>
+            </a:r>
+          </a:p>
+          <a:p>
+            <a:endParaRPr lang="ko-KR" altLang="en-US" dirty="0"/>
+          </a:p>
+        </p:txBody>
+      </p:sp>
+      <p:sp>
+        <p:nvSpPr>
+          <p:cNvPr id="6" name="모서리가 둥근 직사각형 5"/>
+          <p:cNvSpPr/>
+          <p:nvPr/>
+        </p:nvSpPr>
+        <p:spPr>
+          <a:xfrm>
+            <a:off x="3071664" y="5733256"/>
+            <a:ext cx="6192688" cy="792088"/>
+          </a:xfrm>
+          <a:prstGeom prst="roundRect">
+            <a:avLst>
+              <a:gd name="adj" fmla="val 12565"/>
+            </a:avLst>
+          </a:prstGeom>
+          <a:solidFill>
+            <a:srgbClr val="FFC000"/>
+          </a:solidFill>
+          <a:ln w="15875">
+            <a:solidFill>
+              <a:schemeClr val="accent6">
+                <a:lumMod val="50000"/>
+              </a:schemeClr>
+            </a:solidFill>
+          </a:ln>
+          <a:effectLst/>
+        </p:spPr>
+        <p:style>
+          <a:lnRef idx="3">
+            <a:schemeClr val="lt1"/>
+          </a:lnRef>
+          <a:fillRef idx="1">
+            <a:schemeClr val="accent1"/>
+          </a:fillRef>
+          <a:effectRef idx="1">
+            <a:schemeClr val="accent1"/>
+          </a:effectRef>
+          <a:fontRef idx="minor">
+            <a:schemeClr val="lt1"/>
+          </a:fontRef>
+        </p:style>
+        <p:txBody>
+          <a:bodyPr wrap="square" lIns="108000" rIns="108000" rtlCol="0" anchor="ctr">
+            <a:noAutofit/>
+          </a:bodyPr>
+          <a:lstStyle/>
+          <a:p>
+            <a:pPr algn="ctr"/>
+            <a:endParaRPr lang="en-US" altLang="ko-KR" sz="2000" b="1" dirty="0">
+              <a:solidFill>
+                <a:srgbClr val="FF0000"/>
+              </a:solidFill>
+              <a:latin typeface="맑은 고딕" panose="020B0503020000020004" pitchFamily="50" charset="-127"/>
+              <a:ea typeface="맑은 고딕" panose="020B0503020000020004" pitchFamily="50" charset="-127"/>
+            </a:endParaRPr>
+          </a:p>
+        </p:txBody>
+      </p:sp>
+      <p:grpSp>
+        <p:nvGrpSpPr>
+          <p:cNvPr id="8" name="그룹 7"/>
+          <p:cNvGrpSpPr/>
+          <p:nvPr/>
+        </p:nvGrpSpPr>
+        <p:grpSpPr>
+          <a:xfrm>
+            <a:off x="3770980" y="4785027"/>
+            <a:ext cx="4663184" cy="732205"/>
+            <a:chOff x="2246980" y="4797152"/>
+            <a:chExt cx="4663184" cy="732205"/>
+          </a:xfrm>
+        </p:grpSpPr>
+        <p:cxnSp>
+          <p:nvCxnSpPr>
+            <p:cNvPr id="15" name="직선 연결선 14"/>
+            <p:cNvCxnSpPr/>
+            <p:nvPr/>
+          </p:nvCxnSpPr>
+          <p:spPr>
+            <a:xfrm>
+              <a:off x="2339752" y="4797152"/>
+              <a:ext cx="4320480" cy="0"/>
+            </a:xfrm>
+            <a:prstGeom prst="line">
+              <a:avLst/>
+            </a:prstGeom>
+            <a:ln w="19050">
+              <a:solidFill>
+                <a:schemeClr val="tx1"/>
+              </a:solidFill>
+              <a:tailEnd type="none"/>
+            </a:ln>
+          </p:spPr>
+          <p:style>
+            <a:lnRef idx="1">
+              <a:schemeClr val="accent1"/>
+            </a:lnRef>
+            <a:fillRef idx="0">
+              <a:schemeClr val="accent1"/>
+            </a:fillRef>
+            <a:effectRef idx="0">
+              <a:schemeClr val="accent1"/>
+            </a:effectRef>
+            <a:fontRef idx="minor">
+              <a:schemeClr val="tx1"/>
+            </a:fontRef>
+          </p:style>
+        </p:cxnSp>
+        <p:cxnSp>
+          <p:nvCxnSpPr>
+            <p:cNvPr id="16" name="직선 연결선 15"/>
+            <p:cNvCxnSpPr/>
+            <p:nvPr/>
+          </p:nvCxnSpPr>
+          <p:spPr>
+            <a:xfrm>
+              <a:off x="2346898" y="4800733"/>
+              <a:ext cx="0" cy="98927"/>
+            </a:xfrm>
+            <a:prstGeom prst="line">
+              <a:avLst/>
+            </a:prstGeom>
+            <a:ln w="19050">
+              <a:solidFill>
+                <a:schemeClr val="tx1"/>
+              </a:solidFill>
+              <a:tailEnd type="none"/>
+            </a:ln>
+          </p:spPr>
+          <p:style>
+            <a:lnRef idx="1">
+              <a:schemeClr val="accent1"/>
+            </a:lnRef>
+            <a:fillRef idx="0">
+              <a:schemeClr val="accent1"/>
+            </a:fillRef>
+            <a:effectRef idx="0">
+              <a:schemeClr val="accent1"/>
+            </a:effectRef>
+            <a:fontRef idx="minor">
+              <a:schemeClr val="tx1"/>
+            </a:fontRef>
+          </p:style>
+        </p:cxnSp>
+        <p:sp>
+          <p:nvSpPr>
+            <p:cNvPr id="17" name="TextBox 16"/>
+            <p:cNvSpPr txBox="1"/>
+            <p:nvPr/>
+          </p:nvSpPr>
+          <p:spPr>
+            <a:xfrm>
+              <a:off x="2246980" y="4857333"/>
+              <a:ext cx="216024" cy="276999"/>
+            </a:xfrm>
+            <a:prstGeom prst="rect">
+              <a:avLst/>
+            </a:prstGeom>
+            <a:noFill/>
+          </p:spPr>
+          <p:txBody>
+            <a:bodyPr wrap="square" rtlCol="0">
+              <a:spAutoFit/>
+            </a:bodyPr>
+            <a:lstStyle/>
+            <a:p>
+              <a:pPr algn="ctr"/>
+              <a:r>
+                <a:rPr lang="en-US" altLang="ko-KR" sz="1200" b="1" dirty="0">
+                  <a:solidFill>
+                    <a:prstClr val="black"/>
+                  </a:solidFill>
+                  <a:latin typeface="맑은 고딕" pitchFamily="50" charset="-127"/>
+                  <a:ea typeface="맑은 고딕" pitchFamily="50" charset="-127"/>
+                </a:rPr>
+                <a:t>0</a:t>
+              </a:r>
+              <a:endParaRPr lang="ko-KR" altLang="en-US" sz="1200" b="1" dirty="0">
+                <a:solidFill>
+                  <a:prstClr val="black"/>
+                </a:solidFill>
+                <a:latin typeface="맑은 고딕" pitchFamily="50" charset="-127"/>
+                <a:ea typeface="맑은 고딕" pitchFamily="50" charset="-127"/>
+              </a:endParaRPr>
+            </a:p>
+          </p:txBody>
+        </p:sp>
+        <p:cxnSp>
+          <p:nvCxnSpPr>
+            <p:cNvPr id="18" name="직선 연결선 17"/>
+            <p:cNvCxnSpPr/>
+            <p:nvPr/>
+          </p:nvCxnSpPr>
+          <p:spPr>
+            <a:xfrm>
+              <a:off x="3059832" y="4797152"/>
+              <a:ext cx="0" cy="98927"/>
+            </a:xfrm>
+            <a:prstGeom prst="line">
+              <a:avLst/>
+            </a:prstGeom>
+            <a:ln w="19050">
+              <a:solidFill>
+                <a:schemeClr val="tx1"/>
+              </a:solidFill>
+              <a:tailEnd type="none"/>
+            </a:ln>
+          </p:spPr>
+          <p:style>
+            <a:lnRef idx="1">
+              <a:schemeClr val="accent1"/>
+            </a:lnRef>
+            <a:fillRef idx="0">
+              <a:schemeClr val="accent1"/>
+            </a:fillRef>
+            <a:effectRef idx="0">
+              <a:schemeClr val="accent1"/>
+            </a:effectRef>
+            <a:fontRef idx="minor">
+              <a:schemeClr val="tx1"/>
+            </a:fontRef>
+          </p:style>
+        </p:cxnSp>
+        <p:sp>
+          <p:nvSpPr>
+            <p:cNvPr id="19" name="TextBox 18"/>
+            <p:cNvSpPr txBox="1"/>
+            <p:nvPr/>
+          </p:nvSpPr>
+          <p:spPr>
+            <a:xfrm>
+              <a:off x="2843808" y="4853752"/>
+              <a:ext cx="432048" cy="276999"/>
+            </a:xfrm>
+            <a:prstGeom prst="rect">
+              <a:avLst/>
+            </a:prstGeom>
+            <a:noFill/>
+          </p:spPr>
+          <p:txBody>
+            <a:bodyPr wrap="square" rtlCol="0">
+              <a:spAutoFit/>
+            </a:bodyPr>
+            <a:lstStyle/>
+            <a:p>
+              <a:pPr algn="ctr"/>
+              <a:r>
+                <a:rPr lang="en-US" altLang="ko-KR" sz="1200" b="1" dirty="0">
+                  <a:solidFill>
+                    <a:prstClr val="black"/>
+                  </a:solidFill>
+                  <a:latin typeface="맑은 고딕" pitchFamily="50" charset="-127"/>
+                  <a:ea typeface="맑은 고딕" pitchFamily="50" charset="-127"/>
+                </a:rPr>
+                <a:t>20</a:t>
+              </a:r>
+              <a:endParaRPr lang="ko-KR" altLang="en-US" sz="1200" b="1" dirty="0">
+                <a:solidFill>
+                  <a:prstClr val="black"/>
+                </a:solidFill>
+                <a:latin typeface="맑은 고딕" pitchFamily="50" charset="-127"/>
+                <a:ea typeface="맑은 고딕" pitchFamily="50" charset="-127"/>
+              </a:endParaRPr>
+            </a:p>
+          </p:txBody>
+        </p:sp>
+        <p:cxnSp>
+          <p:nvCxnSpPr>
+            <p:cNvPr id="20" name="직선 연결선 19"/>
+            <p:cNvCxnSpPr/>
+            <p:nvPr/>
+          </p:nvCxnSpPr>
+          <p:spPr>
+            <a:xfrm>
+              <a:off x="3779912" y="4797152"/>
+              <a:ext cx="0" cy="98927"/>
+            </a:xfrm>
+            <a:prstGeom prst="line">
+              <a:avLst/>
+            </a:prstGeom>
+            <a:ln w="19050">
+              <a:solidFill>
+                <a:schemeClr val="tx1"/>
+              </a:solidFill>
+              <a:tailEnd type="none"/>
+            </a:ln>
+          </p:spPr>
+          <p:style>
+            <a:lnRef idx="1">
+              <a:schemeClr val="accent1"/>
+            </a:lnRef>
+            <a:fillRef idx="0">
+              <a:schemeClr val="accent1"/>
+            </a:fillRef>
+            <a:effectRef idx="0">
+              <a:schemeClr val="accent1"/>
+            </a:effectRef>
+            <a:fontRef idx="minor">
+              <a:schemeClr val="tx1"/>
+            </a:fontRef>
+          </p:style>
+        </p:cxnSp>
+        <p:sp>
+          <p:nvSpPr>
+            <p:cNvPr id="21" name="TextBox 20"/>
+            <p:cNvSpPr txBox="1"/>
+            <p:nvPr/>
+          </p:nvSpPr>
+          <p:spPr>
+            <a:xfrm>
+              <a:off x="3563888" y="4853752"/>
+              <a:ext cx="432048" cy="276999"/>
+            </a:xfrm>
+            <a:prstGeom prst="rect">
+              <a:avLst/>
+            </a:prstGeom>
+            <a:noFill/>
+          </p:spPr>
+          <p:txBody>
+            <a:bodyPr wrap="square" rtlCol="0">
+              <a:spAutoFit/>
+            </a:bodyPr>
+            <a:lstStyle/>
+            <a:p>
+              <a:pPr algn="ctr"/>
+              <a:r>
+                <a:rPr lang="en-US" altLang="ko-KR" sz="1200" b="1" dirty="0">
+                  <a:solidFill>
+                    <a:prstClr val="black"/>
+                  </a:solidFill>
+                  <a:latin typeface="맑은 고딕" pitchFamily="50" charset="-127"/>
+                  <a:ea typeface="맑은 고딕" pitchFamily="50" charset="-127"/>
+                </a:rPr>
+                <a:t>40</a:t>
+              </a:r>
+              <a:endParaRPr lang="ko-KR" altLang="en-US" sz="1200" b="1" dirty="0">
+                <a:solidFill>
+                  <a:prstClr val="black"/>
+                </a:solidFill>
+                <a:latin typeface="맑은 고딕" pitchFamily="50" charset="-127"/>
+                <a:ea typeface="맑은 고딕" pitchFamily="50" charset="-127"/>
+              </a:endParaRPr>
+            </a:p>
+          </p:txBody>
+        </p:sp>
+        <p:cxnSp>
+          <p:nvCxnSpPr>
+            <p:cNvPr id="22" name="직선 연결선 21"/>
+            <p:cNvCxnSpPr/>
+            <p:nvPr/>
+          </p:nvCxnSpPr>
+          <p:spPr>
+            <a:xfrm>
+              <a:off x="4499992" y="4797152"/>
+              <a:ext cx="0" cy="98927"/>
+            </a:xfrm>
+            <a:prstGeom prst="line">
+              <a:avLst/>
+            </a:prstGeom>
+            <a:ln w="19050">
+              <a:solidFill>
+                <a:schemeClr val="tx1"/>
+              </a:solidFill>
+              <a:tailEnd type="none"/>
+            </a:ln>
+          </p:spPr>
+          <p:style>
+            <a:lnRef idx="1">
+              <a:schemeClr val="accent1"/>
+            </a:lnRef>
+            <a:fillRef idx="0">
+              <a:schemeClr val="accent1"/>
+            </a:fillRef>
+            <a:effectRef idx="0">
+              <a:schemeClr val="accent1"/>
+            </a:effectRef>
+            <a:fontRef idx="minor">
+              <a:schemeClr val="tx1"/>
+            </a:fontRef>
+          </p:style>
+        </p:cxnSp>
+        <p:sp>
+          <p:nvSpPr>
+            <p:cNvPr id="23" name="TextBox 22"/>
+            <p:cNvSpPr txBox="1"/>
+            <p:nvPr/>
+          </p:nvSpPr>
+          <p:spPr>
+            <a:xfrm>
+              <a:off x="4283968" y="4853752"/>
+              <a:ext cx="432048" cy="276999"/>
+            </a:xfrm>
+            <a:prstGeom prst="rect">
+              <a:avLst/>
+            </a:prstGeom>
+            <a:noFill/>
+          </p:spPr>
+          <p:txBody>
+            <a:bodyPr wrap="square" rtlCol="0">
+              <a:spAutoFit/>
+            </a:bodyPr>
+            <a:lstStyle/>
+            <a:p>
+              <a:pPr algn="ctr"/>
+              <a:r>
+                <a:rPr lang="en-US" altLang="ko-KR" sz="1200" b="1" dirty="0">
+                  <a:solidFill>
+                    <a:prstClr val="black"/>
+                  </a:solidFill>
+                  <a:latin typeface="맑은 고딕" pitchFamily="50" charset="-127"/>
+                  <a:ea typeface="맑은 고딕" pitchFamily="50" charset="-127"/>
+                </a:rPr>
+                <a:t>60</a:t>
+              </a:r>
+              <a:endParaRPr lang="ko-KR" altLang="en-US" sz="1200" b="1" dirty="0">
+                <a:solidFill>
+                  <a:prstClr val="black"/>
+                </a:solidFill>
+                <a:latin typeface="맑은 고딕" pitchFamily="50" charset="-127"/>
+                <a:ea typeface="맑은 고딕" pitchFamily="50" charset="-127"/>
+              </a:endParaRPr>
+            </a:p>
+          </p:txBody>
+        </p:sp>
+        <p:cxnSp>
+          <p:nvCxnSpPr>
+            <p:cNvPr id="24" name="직선 연결선 23"/>
+            <p:cNvCxnSpPr/>
+            <p:nvPr/>
+          </p:nvCxnSpPr>
+          <p:spPr>
+            <a:xfrm>
+              <a:off x="5220072" y="4797152"/>
+              <a:ext cx="0" cy="98927"/>
+            </a:xfrm>
+            <a:prstGeom prst="line">
+              <a:avLst/>
+            </a:prstGeom>
+            <a:ln w="19050">
+              <a:solidFill>
+                <a:schemeClr val="tx1"/>
+              </a:solidFill>
+              <a:tailEnd type="none"/>
+            </a:ln>
+          </p:spPr>
+          <p:style>
+            <a:lnRef idx="1">
+              <a:schemeClr val="accent1"/>
+            </a:lnRef>
+            <a:fillRef idx="0">
+              <a:schemeClr val="accent1"/>
+            </a:fillRef>
+            <a:effectRef idx="0">
+              <a:schemeClr val="accent1"/>
+            </a:effectRef>
+            <a:fontRef idx="minor">
+              <a:schemeClr val="tx1"/>
+            </a:fontRef>
+          </p:style>
+        </p:cxnSp>
+        <p:sp>
+          <p:nvSpPr>
+            <p:cNvPr id="25" name="TextBox 24"/>
+            <p:cNvSpPr txBox="1"/>
+            <p:nvPr/>
+          </p:nvSpPr>
+          <p:spPr>
+            <a:xfrm>
+              <a:off x="5004048" y="4853752"/>
+              <a:ext cx="432048" cy="276999"/>
+            </a:xfrm>
+            <a:prstGeom prst="rect">
+              <a:avLst/>
+            </a:prstGeom>
+            <a:noFill/>
+          </p:spPr>
+          <p:txBody>
+            <a:bodyPr wrap="square" rtlCol="0">
+              <a:spAutoFit/>
+            </a:bodyPr>
+            <a:lstStyle/>
+            <a:p>
+              <a:pPr algn="ctr"/>
+              <a:r>
+                <a:rPr lang="en-US" altLang="ko-KR" sz="1200" b="1" dirty="0">
+                  <a:solidFill>
+                    <a:prstClr val="black"/>
+                  </a:solidFill>
+                  <a:latin typeface="맑은 고딕" pitchFamily="50" charset="-127"/>
+                  <a:ea typeface="맑은 고딕" pitchFamily="50" charset="-127"/>
+                </a:rPr>
+                <a:t>80</a:t>
+              </a:r>
+              <a:endParaRPr lang="ko-KR" altLang="en-US" sz="1200" b="1" dirty="0">
+                <a:solidFill>
+                  <a:prstClr val="black"/>
+                </a:solidFill>
+                <a:latin typeface="맑은 고딕" pitchFamily="50" charset="-127"/>
+                <a:ea typeface="맑은 고딕" pitchFamily="50" charset="-127"/>
+              </a:endParaRPr>
+            </a:p>
+          </p:txBody>
+        </p:sp>
+        <p:cxnSp>
+          <p:nvCxnSpPr>
+            <p:cNvPr id="26" name="직선 연결선 25"/>
+            <p:cNvCxnSpPr/>
+            <p:nvPr/>
+          </p:nvCxnSpPr>
+          <p:spPr>
+            <a:xfrm>
+              <a:off x="5940152" y="4797152"/>
+              <a:ext cx="0" cy="98927"/>
+            </a:xfrm>
+            <a:prstGeom prst="line">
+              <a:avLst/>
+            </a:prstGeom>
+            <a:ln w="19050">
+              <a:solidFill>
+                <a:schemeClr val="tx1"/>
+              </a:solidFill>
+              <a:tailEnd type="none"/>
+            </a:ln>
+          </p:spPr>
+          <p:style>
+            <a:lnRef idx="1">
+              <a:schemeClr val="accent1"/>
+            </a:lnRef>
+            <a:fillRef idx="0">
+              <a:schemeClr val="accent1"/>
+            </a:fillRef>
+            <a:effectRef idx="0">
+              <a:schemeClr val="accent1"/>
+            </a:effectRef>
+            <a:fontRef idx="minor">
+              <a:schemeClr val="tx1"/>
+            </a:fontRef>
+          </p:style>
+        </p:cxnSp>
+        <p:sp>
+          <p:nvSpPr>
+            <p:cNvPr id="27" name="TextBox 26"/>
+            <p:cNvSpPr txBox="1"/>
+            <p:nvPr/>
+          </p:nvSpPr>
+          <p:spPr>
+            <a:xfrm>
+              <a:off x="5693648" y="4853752"/>
+              <a:ext cx="504056" cy="276999"/>
+            </a:xfrm>
+            <a:prstGeom prst="rect">
+              <a:avLst/>
+            </a:prstGeom>
+            <a:noFill/>
+          </p:spPr>
+          <p:txBody>
+            <a:bodyPr wrap="square" rtlCol="0">
+              <a:spAutoFit/>
+            </a:bodyPr>
+            <a:lstStyle/>
+            <a:p>
+              <a:pPr algn="ctr"/>
+              <a:r>
+                <a:rPr lang="en-US" altLang="ko-KR" sz="1200" b="1" dirty="0">
+                  <a:solidFill>
+                    <a:prstClr val="black"/>
+                  </a:solidFill>
+                  <a:latin typeface="맑은 고딕" pitchFamily="50" charset="-127"/>
+                  <a:ea typeface="맑은 고딕" pitchFamily="50" charset="-127"/>
+                </a:rPr>
+                <a:t>100</a:t>
+              </a:r>
+              <a:endParaRPr lang="ko-KR" altLang="en-US" sz="1200" b="1" dirty="0">
+                <a:solidFill>
+                  <a:prstClr val="black"/>
+                </a:solidFill>
+                <a:latin typeface="맑은 고딕" pitchFamily="50" charset="-127"/>
+                <a:ea typeface="맑은 고딕" pitchFamily="50" charset="-127"/>
+              </a:endParaRPr>
+            </a:p>
+          </p:txBody>
+        </p:sp>
+        <p:cxnSp>
+          <p:nvCxnSpPr>
+            <p:cNvPr id="28" name="직선 연결선 27"/>
+            <p:cNvCxnSpPr/>
+            <p:nvPr/>
+          </p:nvCxnSpPr>
+          <p:spPr>
+            <a:xfrm>
+              <a:off x="6652612" y="4797152"/>
+              <a:ext cx="0" cy="98927"/>
+            </a:xfrm>
+            <a:prstGeom prst="line">
+              <a:avLst/>
+            </a:prstGeom>
+            <a:ln w="19050">
+              <a:solidFill>
+                <a:schemeClr val="tx1"/>
+              </a:solidFill>
+              <a:tailEnd type="none"/>
+            </a:ln>
+          </p:spPr>
+          <p:style>
+            <a:lnRef idx="1">
+              <a:schemeClr val="accent1"/>
+            </a:lnRef>
+            <a:fillRef idx="0">
+              <a:schemeClr val="accent1"/>
+            </a:fillRef>
+            <a:effectRef idx="0">
+              <a:schemeClr val="accent1"/>
+            </a:effectRef>
+            <a:fontRef idx="minor">
+              <a:schemeClr val="tx1"/>
+            </a:fontRef>
+          </p:style>
+        </p:cxnSp>
+        <p:sp>
+          <p:nvSpPr>
+            <p:cNvPr id="29" name="TextBox 28"/>
+            <p:cNvSpPr txBox="1"/>
+            <p:nvPr/>
+          </p:nvSpPr>
+          <p:spPr>
+            <a:xfrm>
+              <a:off x="6406108" y="4853752"/>
+              <a:ext cx="504056" cy="276999"/>
+            </a:xfrm>
+            <a:prstGeom prst="rect">
+              <a:avLst/>
+            </a:prstGeom>
+            <a:noFill/>
+          </p:spPr>
+          <p:txBody>
+            <a:bodyPr wrap="square" rtlCol="0">
+              <a:spAutoFit/>
+            </a:bodyPr>
+            <a:lstStyle/>
+            <a:p>
+              <a:pPr algn="ctr"/>
+              <a:r>
+                <a:rPr lang="en-US" altLang="ko-KR" sz="1200" b="1" dirty="0">
+                  <a:solidFill>
+                    <a:prstClr val="black"/>
+                  </a:solidFill>
+                  <a:latin typeface="맑은 고딕" pitchFamily="50" charset="-127"/>
+                  <a:ea typeface="맑은 고딕" pitchFamily="50" charset="-127"/>
+                </a:rPr>
+                <a:t>120</a:t>
+              </a:r>
+              <a:endParaRPr lang="ko-KR" altLang="en-US" sz="1200" b="1" dirty="0">
+                <a:solidFill>
+                  <a:prstClr val="black"/>
+                </a:solidFill>
+                <a:latin typeface="맑은 고딕" pitchFamily="50" charset="-127"/>
+                <a:ea typeface="맑은 고딕" pitchFamily="50" charset="-127"/>
+              </a:endParaRPr>
+            </a:p>
+          </p:txBody>
+        </p:sp>
+        <p:sp>
+          <p:nvSpPr>
+            <p:cNvPr id="30" name="TextBox 29"/>
+            <p:cNvSpPr txBox="1"/>
+            <p:nvPr/>
+          </p:nvSpPr>
+          <p:spPr>
+            <a:xfrm>
+              <a:off x="3757052" y="5221580"/>
+              <a:ext cx="1512168" cy="307777"/>
+            </a:xfrm>
+            <a:prstGeom prst="rect">
+              <a:avLst/>
+            </a:prstGeom>
+            <a:noFill/>
+          </p:spPr>
+          <p:txBody>
+            <a:bodyPr wrap="square" rtlCol="0">
+              <a:spAutoFit/>
+            </a:bodyPr>
+            <a:lstStyle/>
+            <a:p>
+              <a:pPr algn="ctr"/>
+              <a:r>
+                <a:rPr lang="en-US" altLang="ko-KR" sz="1400" b="1" dirty="0">
+                  <a:solidFill>
+                    <a:prstClr val="black"/>
+                  </a:solidFill>
+                  <a:latin typeface="맑은 고딕" pitchFamily="50" charset="-127"/>
+                  <a:ea typeface="맑은 고딕" pitchFamily="50" charset="-127"/>
+                </a:rPr>
+                <a:t>Time (Second)</a:t>
+              </a:r>
+              <a:endParaRPr lang="ko-KR" altLang="en-US" sz="1400" b="1" dirty="0">
+                <a:solidFill>
+                  <a:prstClr val="black"/>
+                </a:solidFill>
+                <a:latin typeface="맑은 고딕" pitchFamily="50" charset="-127"/>
+                <a:ea typeface="맑은 고딕" pitchFamily="50" charset="-127"/>
+              </a:endParaRPr>
+            </a:p>
+          </p:txBody>
+        </p:sp>
+      </p:grpSp>
+      <p:sp>
+        <p:nvSpPr>
+          <p:cNvPr id="9" name="직사각형 8"/>
+          <p:cNvSpPr/>
+          <p:nvPr/>
+        </p:nvSpPr>
+        <p:spPr>
+          <a:xfrm>
+            <a:off x="4583832" y="4031973"/>
+            <a:ext cx="3606398" cy="718453"/>
+          </a:xfrm>
+          <a:prstGeom prst="rect">
+            <a:avLst/>
+          </a:prstGeom>
+          <a:solidFill>
+            <a:schemeClr val="tx1"/>
+          </a:solidFill>
+          <a:ln w="9525">
+            <a:solidFill>
+              <a:schemeClr val="tx1"/>
+            </a:solidFill>
+          </a:ln>
+          <a:effectLst/>
+        </p:spPr>
+        <p:style>
+          <a:lnRef idx="3">
+            <a:schemeClr val="lt1"/>
+          </a:lnRef>
+          <a:fillRef idx="1">
+            <a:schemeClr val="accent1"/>
+          </a:fillRef>
+          <a:effectRef idx="1">
+            <a:schemeClr val="accent1"/>
+          </a:effectRef>
+          <a:fontRef idx="minor">
+            <a:schemeClr val="lt1"/>
+          </a:fontRef>
+        </p:style>
+        <p:txBody>
+          <a:bodyPr lIns="252000" rtlCol="0" anchor="ctr"/>
+          <a:lstStyle/>
+          <a:p>
+            <a:pPr algn="ctr"/>
+            <a:endParaRPr lang="ko-KR" altLang="en-US" sz="1600" dirty="0">
+              <a:solidFill>
+                <a:srgbClr val="00B050"/>
+              </a:solidFill>
+              <a:latin typeface="Courier New" pitchFamily="49" charset="0"/>
+              <a:ea typeface="맑은 고딕" pitchFamily="50" charset="-127"/>
+              <a:cs typeface="Courier New" pitchFamily="49" charset="0"/>
+            </a:endParaRPr>
+          </a:p>
+        </p:txBody>
+      </p:sp>
+      <p:sp>
+        <p:nvSpPr>
+          <p:cNvPr id="10" name="직사각형 9"/>
+          <p:cNvSpPr/>
+          <p:nvPr/>
+        </p:nvSpPr>
+        <p:spPr>
+          <a:xfrm>
+            <a:off x="3863752" y="4031423"/>
+            <a:ext cx="360000" cy="719003"/>
+          </a:xfrm>
+          <a:prstGeom prst="rect">
+            <a:avLst/>
+          </a:prstGeom>
+          <a:pattFill prst="wdDnDiag">
+            <a:fgClr>
+              <a:schemeClr val="tx1"/>
+            </a:fgClr>
+            <a:bgClr>
+              <a:schemeClr val="bg1"/>
+            </a:bgClr>
+          </a:pattFill>
+          <a:ln w="9525">
+            <a:solidFill>
+              <a:schemeClr val="tx1"/>
+            </a:solidFill>
+          </a:ln>
+          <a:effectLst/>
+        </p:spPr>
+        <p:style>
+          <a:lnRef idx="3">
+            <a:schemeClr val="lt1"/>
+          </a:lnRef>
+          <a:fillRef idx="1">
+            <a:schemeClr val="accent1"/>
+          </a:fillRef>
+          <a:effectRef idx="1">
+            <a:schemeClr val="accent1"/>
+          </a:effectRef>
+          <a:fontRef idx="minor">
+            <a:schemeClr val="lt1"/>
+          </a:fontRef>
+        </p:style>
+        <p:txBody>
+          <a:bodyPr lIns="252000" rtlCol="0" anchor="ctr"/>
+          <a:lstStyle/>
+          <a:p>
+            <a:pPr algn="ctr"/>
+            <a:endParaRPr lang="ko-KR" altLang="en-US" sz="1600" dirty="0">
+              <a:solidFill>
+                <a:srgbClr val="00B050"/>
+              </a:solidFill>
+              <a:latin typeface="Courier New" pitchFamily="49" charset="0"/>
+              <a:ea typeface="맑은 고딕" pitchFamily="50" charset="-127"/>
+              <a:cs typeface="Courier New" pitchFamily="49" charset="0"/>
+            </a:endParaRPr>
+          </a:p>
+        </p:txBody>
+      </p:sp>
+      <p:sp>
+        <p:nvSpPr>
+          <p:cNvPr id="11" name="직사각형 10"/>
+          <p:cNvSpPr/>
+          <p:nvPr/>
+        </p:nvSpPr>
+        <p:spPr>
+          <a:xfrm>
+            <a:off x="4223752" y="4031423"/>
+            <a:ext cx="360000" cy="719003"/>
+          </a:xfrm>
+          <a:prstGeom prst="rect">
+            <a:avLst/>
+          </a:prstGeom>
+          <a:pattFill prst="ltHorz">
+            <a:fgClr>
+              <a:schemeClr val="tx1"/>
+            </a:fgClr>
+            <a:bgClr>
+              <a:schemeClr val="bg1"/>
+            </a:bgClr>
+          </a:pattFill>
+          <a:ln w="9525">
+            <a:solidFill>
+              <a:schemeClr val="tx1"/>
+            </a:solidFill>
+          </a:ln>
+          <a:effectLst/>
+        </p:spPr>
+        <p:style>
+          <a:lnRef idx="3">
+            <a:schemeClr val="lt1"/>
+          </a:lnRef>
+          <a:fillRef idx="1">
+            <a:schemeClr val="accent1"/>
+          </a:fillRef>
+          <a:effectRef idx="1">
+            <a:schemeClr val="accent1"/>
+          </a:effectRef>
+          <a:fontRef idx="minor">
+            <a:schemeClr val="lt1"/>
+          </a:fontRef>
+        </p:style>
+        <p:txBody>
+          <a:bodyPr lIns="252000" rtlCol="0" anchor="ctr"/>
+          <a:lstStyle/>
+          <a:p>
+            <a:pPr algn="ctr"/>
+            <a:endParaRPr lang="ko-KR" altLang="en-US" sz="1600" dirty="0">
+              <a:solidFill>
+                <a:srgbClr val="00B050"/>
+              </a:solidFill>
+              <a:latin typeface="Courier New" pitchFamily="49" charset="0"/>
+              <a:ea typeface="맑은 고딕" pitchFamily="50" charset="-127"/>
+              <a:cs typeface="Courier New" pitchFamily="49" charset="0"/>
+            </a:endParaRPr>
+          </a:p>
+        </p:txBody>
+      </p:sp>
+      <p:sp>
+        <p:nvSpPr>
+          <p:cNvPr id="12" name="TextBox 11"/>
+          <p:cNvSpPr txBox="1"/>
+          <p:nvPr/>
+        </p:nvSpPr>
+        <p:spPr>
+          <a:xfrm>
+            <a:off x="6168522" y="3732272"/>
+            <a:ext cx="360000" cy="307777"/>
+          </a:xfrm>
+          <a:prstGeom prst="rect">
+            <a:avLst/>
+          </a:prstGeom>
+          <a:noFill/>
+        </p:spPr>
+        <p:txBody>
+          <a:bodyPr wrap="square" rtlCol="0">
+            <a:spAutoFit/>
+          </a:bodyPr>
+          <a:lstStyle/>
+          <a:p>
+            <a:pPr algn="ctr"/>
+            <a:r>
+              <a:rPr lang="en-US" altLang="ko-KR" sz="1400" dirty="0">
+                <a:solidFill>
+                  <a:prstClr val="black"/>
+                </a:solidFill>
+                <a:latin typeface="맑은 고딕" pitchFamily="50" charset="-127"/>
+                <a:ea typeface="맑은 고딕" pitchFamily="50" charset="-127"/>
+              </a:rPr>
+              <a:t>A</a:t>
+            </a:r>
+            <a:endParaRPr lang="ko-KR" altLang="en-US" sz="1400" dirty="0">
+              <a:solidFill>
+                <a:prstClr val="black"/>
+              </a:solidFill>
+              <a:latin typeface="맑은 고딕" pitchFamily="50" charset="-127"/>
+              <a:ea typeface="맑은 고딕" pitchFamily="50" charset="-127"/>
+            </a:endParaRPr>
+          </a:p>
+        </p:txBody>
+      </p:sp>
+      <p:sp>
+        <p:nvSpPr>
+          <p:cNvPr id="13" name="TextBox 12"/>
+          <p:cNvSpPr txBox="1"/>
+          <p:nvPr/>
+        </p:nvSpPr>
+        <p:spPr>
+          <a:xfrm>
+            <a:off x="3863752" y="3732272"/>
+            <a:ext cx="360000" cy="307777"/>
+          </a:xfrm>
+          <a:prstGeom prst="rect">
+            <a:avLst/>
+          </a:prstGeom>
+          <a:noFill/>
+        </p:spPr>
+        <p:txBody>
+          <a:bodyPr wrap="square" rtlCol="0">
+            <a:spAutoFit/>
+          </a:bodyPr>
+          <a:lstStyle/>
+          <a:p>
+            <a:pPr algn="ctr"/>
+            <a:r>
+              <a:rPr lang="en-US" altLang="ko-KR" sz="1400" dirty="0">
+                <a:solidFill>
+                  <a:prstClr val="black"/>
+                </a:solidFill>
+                <a:latin typeface="맑은 고딕" pitchFamily="50" charset="-127"/>
+                <a:ea typeface="맑은 고딕" pitchFamily="50" charset="-127"/>
+              </a:rPr>
+              <a:t>B</a:t>
+            </a:r>
+            <a:endParaRPr lang="ko-KR" altLang="en-US" sz="1400" dirty="0">
+              <a:solidFill>
+                <a:prstClr val="black"/>
+              </a:solidFill>
+              <a:latin typeface="맑은 고딕" pitchFamily="50" charset="-127"/>
+              <a:ea typeface="맑은 고딕" pitchFamily="50" charset="-127"/>
+            </a:endParaRPr>
+          </a:p>
+        </p:txBody>
+      </p:sp>
+      <p:sp>
+        <p:nvSpPr>
+          <p:cNvPr id="14" name="TextBox 13"/>
+          <p:cNvSpPr txBox="1"/>
+          <p:nvPr/>
+        </p:nvSpPr>
+        <p:spPr>
+          <a:xfrm>
+            <a:off x="4223792" y="3738815"/>
+            <a:ext cx="360000" cy="307777"/>
+          </a:xfrm>
+          <a:prstGeom prst="rect">
+            <a:avLst/>
+          </a:prstGeom>
+          <a:noFill/>
+        </p:spPr>
+        <p:txBody>
+          <a:bodyPr wrap="square" rtlCol="0">
+            <a:spAutoFit/>
+          </a:bodyPr>
+          <a:lstStyle/>
+          <a:p>
+            <a:pPr algn="ctr"/>
+            <a:r>
+              <a:rPr lang="en-US" altLang="ko-KR" sz="1400" dirty="0">
+                <a:solidFill>
+                  <a:prstClr val="black"/>
+                </a:solidFill>
+                <a:latin typeface="맑은 고딕" pitchFamily="50" charset="-127"/>
+                <a:ea typeface="맑은 고딕" pitchFamily="50" charset="-127"/>
+              </a:rPr>
+              <a:t>C</a:t>
+            </a:r>
+            <a:endParaRPr lang="ko-KR" altLang="en-US" sz="1400" dirty="0">
+              <a:solidFill>
+                <a:prstClr val="black"/>
+              </a:solidFill>
+              <a:latin typeface="맑은 고딕" pitchFamily="50" charset="-127"/>
+              <a:ea typeface="맑은 고딕" pitchFamily="50" charset="-127"/>
+            </a:endParaRPr>
+          </a:p>
+        </p:txBody>
+      </p:sp>
+      <mc:AlternateContent xmlns:mc="http://schemas.openxmlformats.org/markup-compatibility/2006" xmlns:a14="http://schemas.microsoft.com/office/drawing/2010/main">
+        <mc:Choice Requires="a14">
+          <p:sp>
+            <p:nvSpPr>
+              <p:cNvPr id="31" name="TextBox 30"/>
+              <p:cNvSpPr txBox="1"/>
+              <p:nvPr/>
+            </p:nvSpPr>
+            <p:spPr>
+              <a:xfrm>
+                <a:off x="3422104" y="5840604"/>
+                <a:ext cx="5389617" cy="554960"/>
+              </a:xfrm>
+              <a:prstGeom prst="rect">
+                <a:avLst/>
+              </a:prstGeom>
+              <a:noFill/>
+            </p:spPr>
+            <p:txBody>
+              <a:bodyPr wrap="none" rtlCol="0">
+                <a:spAutoFit/>
+              </a:bodyPr>
+              <a:lstStyle/>
+              <a:p>
+                <a:pPr/>
+                <a14:m>
+                  <m:oMathPara xmlns:m="http://schemas.openxmlformats.org/officeDocument/2006/math">
+                    <m:oMathParaPr>
+                      <m:jc m:val="centerGroup"/>
+                    </m:oMathParaPr>
+                    <m:oMath xmlns:m="http://schemas.openxmlformats.org/officeDocument/2006/math">
+                      <m:r>
+                        <a:rPr lang="en-US" altLang="ko-KR" sz="1600" b="1" i="1">
+                          <a:solidFill>
+                            <a:prstClr val="black"/>
+                          </a:solidFill>
+                          <a:latin typeface="Cambria Math"/>
+                        </a:rPr>
+                        <m:t>𝑨𝒗𝒆𝒓𝒂𝒈𝒆</m:t>
+                      </m:r>
+                      <m:r>
+                        <a:rPr lang="en-US" altLang="ko-KR" sz="1600" b="1" i="1">
+                          <a:solidFill>
+                            <a:prstClr val="black"/>
+                          </a:solidFill>
+                          <a:latin typeface="Cambria Math"/>
+                        </a:rPr>
+                        <m:t> </m:t>
+                      </m:r>
+                      <m:r>
+                        <a:rPr lang="en-US" altLang="ko-KR" sz="1600" b="1" i="1">
+                          <a:solidFill>
+                            <a:prstClr val="black"/>
+                          </a:solidFill>
+                          <a:latin typeface="Cambria Math"/>
+                        </a:rPr>
+                        <m:t>𝒕𝒖𝒓𝒏𝒂𝒓𝒐𝒖𝒏𝒅</m:t>
+                      </m:r>
+                      <m:r>
+                        <a:rPr lang="en-US" altLang="ko-KR" sz="1600" b="1" i="1">
+                          <a:solidFill>
+                            <a:prstClr val="black"/>
+                          </a:solidFill>
+                          <a:latin typeface="Cambria Math"/>
+                        </a:rPr>
+                        <m:t> </m:t>
+                      </m:r>
+                      <m:r>
+                        <a:rPr lang="en-US" altLang="ko-KR" sz="1600" b="1" i="1">
+                          <a:solidFill>
+                            <a:prstClr val="black"/>
+                          </a:solidFill>
+                          <a:latin typeface="Cambria Math"/>
+                        </a:rPr>
+                        <m:t>𝒕𝒊𝒎𝒆</m:t>
+                      </m:r>
+                      <m:r>
+                        <a:rPr lang="en-US" altLang="ko-KR" sz="1600" b="1" i="1">
+                          <a:solidFill>
+                            <a:prstClr val="black"/>
+                          </a:solidFill>
+                          <a:latin typeface="Cambria Math"/>
+                        </a:rPr>
+                        <m:t>=</m:t>
+                      </m:r>
+                      <m:f>
+                        <m:fPr>
+                          <m:ctrlPr>
+                            <a:rPr lang="en-US" altLang="ko-KR" sz="1600" b="1" i="1">
+                              <a:solidFill>
+                                <a:prstClr val="black"/>
+                              </a:solidFill>
+                              <a:latin typeface="Cambria Math" panose="02040503050406030204" pitchFamily="18" charset="0"/>
+                            </a:rPr>
+                          </m:ctrlPr>
+                        </m:fPr>
+                        <m:num>
+                          <m:r>
+                            <a:rPr lang="en-US" altLang="ko-KR" sz="1600" b="1" i="1">
+                              <a:solidFill>
+                                <a:prstClr val="black"/>
+                              </a:solidFill>
+                              <a:latin typeface="Cambria Math"/>
+                            </a:rPr>
+                            <m:t>𝟏𝟎</m:t>
+                          </m:r>
+                          <m:r>
+                            <a:rPr lang="en-US" altLang="ko-KR" sz="1600" b="1" i="1">
+                              <a:solidFill>
+                                <a:prstClr val="black"/>
+                              </a:solidFill>
+                              <a:latin typeface="Cambria Math"/>
+                            </a:rPr>
+                            <m:t>+</m:t>
+                          </m:r>
+                          <m:r>
+                            <a:rPr lang="en-US" altLang="ko-KR" sz="1600" b="1" i="1">
+                              <a:solidFill>
+                                <a:prstClr val="black"/>
+                              </a:solidFill>
+                              <a:latin typeface="Cambria Math"/>
+                            </a:rPr>
+                            <m:t>𝟐𝟎</m:t>
+                          </m:r>
+                          <m:r>
+                            <a:rPr lang="en-US" altLang="ko-KR" sz="1600" b="1" i="1">
+                              <a:solidFill>
+                                <a:prstClr val="black"/>
+                              </a:solidFill>
+                              <a:latin typeface="Cambria Math"/>
+                            </a:rPr>
+                            <m:t>+</m:t>
+                          </m:r>
+                          <m:r>
+                            <a:rPr lang="en-US" altLang="ko-KR" sz="1600" b="1" i="1">
+                              <a:solidFill>
+                                <a:prstClr val="black"/>
+                              </a:solidFill>
+                              <a:latin typeface="Cambria Math"/>
+                            </a:rPr>
+                            <m:t>𝟏𝟐𝟎</m:t>
+                          </m:r>
+                        </m:num>
+                        <m:den>
+                          <m:r>
+                            <a:rPr lang="en-US" altLang="ko-KR" sz="1600" b="1" i="1">
+                              <a:solidFill>
+                                <a:prstClr val="black"/>
+                              </a:solidFill>
+                              <a:latin typeface="Cambria Math"/>
+                            </a:rPr>
+                            <m:t>𝟑</m:t>
+                          </m:r>
+                        </m:den>
+                      </m:f>
+                      <m:r>
+                        <a:rPr lang="en-US" altLang="ko-KR" sz="1600" b="1" i="1">
+                          <a:solidFill>
+                            <a:prstClr val="black"/>
+                          </a:solidFill>
+                          <a:latin typeface="Cambria Math"/>
+                        </a:rPr>
+                        <m:t>=</m:t>
+                      </m:r>
+                      <m:r>
+                        <a:rPr lang="en-US" altLang="ko-KR" sz="1600" b="1" i="1">
+                          <a:solidFill>
+                            <a:prstClr val="black"/>
+                          </a:solidFill>
+                          <a:latin typeface="Cambria Math"/>
+                        </a:rPr>
+                        <m:t>𝟓𝟎</m:t>
+                      </m:r>
+                      <m:r>
+                        <a:rPr lang="en-US" altLang="ko-KR" sz="1600" b="1" i="1">
+                          <a:solidFill>
+                            <a:prstClr val="black"/>
+                          </a:solidFill>
+                          <a:latin typeface="Cambria Math"/>
+                        </a:rPr>
+                        <m:t> </m:t>
+                      </m:r>
+                      <m:r>
+                        <a:rPr lang="en-US" altLang="ko-KR" sz="1600" b="1" i="1">
+                          <a:solidFill>
+                            <a:prstClr val="black"/>
+                          </a:solidFill>
+                          <a:latin typeface="Cambria Math"/>
+                        </a:rPr>
+                        <m:t>𝒔𝒆𝒄</m:t>
+                      </m:r>
+                    </m:oMath>
+                  </m:oMathPara>
+                </a14:m>
+                <a:endParaRPr lang="ko-KR" altLang="en-US" sz="1600" b="1" dirty="0">
+                  <a:solidFill>
+                    <a:prstClr val="black"/>
+                  </a:solidFill>
+                </a:endParaRPr>
+              </a:p>
+            </p:txBody>
+          </p:sp>
+        </mc:Choice>
+        <mc:Fallback xmlns="">
+          <p:sp>
+            <p:nvSpPr>
+              <p:cNvPr id="31" name="TextBox 30"/>
+              <p:cNvSpPr txBox="1">
+                <a:spLocks noRot="1" noChangeAspect="1" noMove="1" noResize="1" noEditPoints="1" noAdjustHandles="1" noChangeArrowheads="1" noChangeShapeType="1" noTextEdit="1"/>
+              </p:cNvSpPr>
+              <p:nvPr/>
+            </p:nvSpPr>
+            <p:spPr>
+              <a:xfrm>
+                <a:off x="3422104" y="5840604"/>
+                <a:ext cx="5389617" cy="554960"/>
+              </a:xfrm>
+              <a:prstGeom prst="rect">
+                <a:avLst/>
+              </a:prstGeom>
+              <a:blipFill>
+                <a:blip r:embed="rId2"/>
+                <a:stretch>
+                  <a:fillRect/>
+                </a:stretch>
+              </a:blipFill>
+            </p:spPr>
+            <p:txBody>
+              <a:bodyPr/>
+              <a:lstStyle/>
+              <a:p>
+                <a:r>
+                  <a:rPr lang="en-PH">
+                    <a:noFill/>
+                  </a:rPr>
+                  <a:t> </a:t>
+                </a:r>
+              </a:p>
+            </p:txBody>
+          </p:sp>
+        </mc:Fallback>
+      </mc:AlternateContent>
+    </p:spTree>
+    <p:extLst>
+      <p:ext uri="{BB962C8B-B14F-4D97-AF65-F5344CB8AC3E}">
+        <p14:creationId xmlns:p14="http://schemas.microsoft.com/office/powerpoint/2010/main" val="2104840897"/>
+      </p:ext>
+    </p:extLst>
+  </p:cSld>
+  <p:clrMapOvr>
+    <a:masterClrMapping/>
+  </p:clrMapOvr>
+  <p:transition>
+    <p:zoom/>
+  </p:transition>
+</p:sld>
+</file>
+
+<file path=ppt/slides/slide12.xml><?xml version="1.0" encoding="utf-8"?>
+<p:sld xmlns:a="http://schemas.openxmlformats.org/drawingml/2006/main" xmlns:r="http://schemas.openxmlformats.org/officeDocument/2006/relationships" xmlns:p="http://schemas.openxmlformats.org/presentationml/2006/main">
+  <p:cSld>
+    <p:spTree>
+      <p:nvGrpSpPr>
+        <p:cNvPr id="1" name=""/>
+        <p:cNvGrpSpPr/>
+        <p:nvPr/>
+      </p:nvGrpSpPr>
+      <p:grpSpPr>
+        <a:xfrm>
+          <a:off x="0" y="0"/>
+          <a:ext cx="0" cy="0"/>
+          <a:chOff x="0" y="0"/>
+          <a:chExt cx="0" cy="0"/>
+        </a:xfrm>
+      </p:grpSpPr>
+      <p:sp>
+        <p:nvSpPr>
+          <p:cNvPr id="2" name="제목 1"/>
+          <p:cNvSpPr>
+            <a:spLocks noGrp="1"/>
+          </p:cNvSpPr>
+          <p:nvPr>
+            <p:ph type="title"/>
+          </p:nvPr>
+        </p:nvSpPr>
+        <p:spPr/>
+        <p:txBody>
+          <a:bodyPr/>
+          <a:lstStyle/>
+          <a:p>
+            <a:r>
+              <a:rPr lang="en-US" altLang="ko-KR" dirty="0"/>
+              <a:t>SJF with Late Arrivals from B and C</a:t>
+            </a:r>
+            <a:endParaRPr lang="ko-KR" altLang="en-US" dirty="0"/>
+          </a:p>
+        </p:txBody>
+      </p:sp>
+      <p:sp>
+        <p:nvSpPr>
+          <p:cNvPr id="3" name="내용 개체 틀 2"/>
+          <p:cNvSpPr>
+            <a:spLocks noGrp="1"/>
+          </p:cNvSpPr>
+          <p:nvPr>
+            <p:ph idx="1"/>
+          </p:nvPr>
+        </p:nvSpPr>
+        <p:spPr/>
+        <p:txBody>
+          <a:bodyPr/>
+          <a:lstStyle/>
+          <a:p>
+            <a:r>
+              <a:rPr lang="en-US" altLang="ko-KR" dirty="0"/>
+              <a:t>Let’s relax assumption 2: Processes can now arrive </a:t>
+            </a:r>
+            <a:r>
+              <a:rPr lang="en-US" altLang="ko-KR" b="1" dirty="0"/>
+              <a:t>at any time</a:t>
+            </a:r>
+            <a:r>
+              <a:rPr lang="en-US" altLang="ko-KR" dirty="0"/>
+              <a:t>.</a:t>
+            </a:r>
+          </a:p>
+          <a:p>
+            <a:r>
+              <a:rPr lang="en-US" altLang="ko-KR" dirty="0"/>
+              <a:t>There is Convoy Effect due to non-preemption</a:t>
+            </a:r>
+          </a:p>
+          <a:p>
+            <a:r>
+              <a:rPr lang="en-US" altLang="ko-KR" dirty="0"/>
+              <a:t>Example:</a:t>
+            </a:r>
+          </a:p>
+          <a:p>
+            <a:pPr lvl="1"/>
+            <a:r>
+              <a:rPr lang="en-US" altLang="ko-KR" dirty="0"/>
+              <a:t>A arrives at t=0 and needs to run for 100 seconds.</a:t>
+            </a:r>
+          </a:p>
+          <a:p>
+            <a:pPr lvl="1"/>
+            <a:r>
+              <a:rPr lang="en-US" altLang="ko-KR" dirty="0"/>
+              <a:t>B and C arrive at t=10 and each need to run for 10 seconds</a:t>
+            </a:r>
+          </a:p>
+          <a:p>
+            <a:endParaRPr lang="ko-KR" altLang="en-US" dirty="0"/>
+          </a:p>
+        </p:txBody>
+      </p:sp>
+      <p:sp>
+        <p:nvSpPr>
+          <p:cNvPr id="6" name="모서리가 둥근 직사각형 5"/>
+          <p:cNvSpPr/>
+          <p:nvPr/>
+        </p:nvSpPr>
+        <p:spPr>
+          <a:xfrm>
+            <a:off x="2289692" y="5733256"/>
             <a:ext cx="7478716" cy="792088"/>
           </a:xfrm>
           <a:prstGeom prst="roundRect">
@@ -1776,8 +4564,8 @@
           </a:p>
         </p:txBody>
       </p:sp>
-      <mc:AlternateContent xmlns:mc="http://schemas.openxmlformats.org/markup-compatibility/2006" xmlns:a14="http://schemas.microsoft.com/office/drawing/2010/main">
-        <mc:Choice Requires="a14">
+      <mc:AlternateContent xmlns:mc="http://schemas.openxmlformats.org/markup-compatibility/2006">
+        <mc:Choice xmlns:a14="http://schemas.microsoft.com/office/drawing/2010/main" Requires="a14">
           <p:sp>
             <p:nvSpPr>
               <p:cNvPr id="31" name="TextBox 30"/>
@@ -1786,7 +4574,7 @@
             </p:nvSpPr>
             <p:spPr>
               <a:xfrm>
-                <a:off x="2361700" y="5552573"/>
+                <a:off x="2361700" y="5840605"/>
                 <a:ext cx="7406708" cy="570221"/>
               </a:xfrm>
               <a:prstGeom prst="rect">
@@ -2056,7 +4844,7 @@
             </p:txBody>
           </p:sp>
         </mc:Choice>
-        <mc:Fallback xmlns="">
+        <mc:Fallback>
           <p:sp>
             <p:nvSpPr>
               <p:cNvPr id="31" name="TextBox 30"/>
@@ -2067,7 +4855,7 @@
             </p:nvSpPr>
             <p:spPr>
               <a:xfrm>
-                <a:off x="2361700" y="5552573"/>
+                <a:off x="2361700" y="5840605"/>
                 <a:ext cx="7406708" cy="570221"/>
               </a:xfrm>
               <a:prstGeom prst="rect">
@@ -2103,7 +4891,7 @@
         </p:nvGrpSpPr>
         <p:grpSpPr>
           <a:xfrm>
-            <a:off x="3521016" y="3140969"/>
+            <a:off x="3521016" y="3424885"/>
             <a:ext cx="4913149" cy="2092347"/>
             <a:chOff x="1997015" y="3136853"/>
             <a:chExt cx="4913149" cy="2092347"/>
@@ -3153,7 +5941,7 @@
 </p:sld>
 </file>
 
-<file path=ppt/slides/slide11.xml><?xml version="1.0" encoding="utf-8"?>
+<file path=ppt/slides/slide13.xml><?xml version="1.0" encoding="utf-8"?>
 <p:sld xmlns:a="http://schemas.openxmlformats.org/drawingml/2006/main" xmlns:r="http://schemas.openxmlformats.org/officeDocument/2006/relationships" xmlns:p="http://schemas.openxmlformats.org/presentationml/2006/main">
   <p:cSld>
     <p:spTree>
@@ -3210,7 +5998,18 @@
           <a:p>
             <a:r>
               <a:rPr lang="en-US" altLang="ko-KR" dirty="0"/>
-              <a:t>Add </a:t>
+              <a:t>Let’s relax assumption 3: Processes now </a:t>
+            </a:r>
+            <a:r>
+              <a:rPr lang="en-US" altLang="ko-KR" b="1" dirty="0"/>
+              <a:t>need not run to completion</a:t>
+            </a:r>
+          </a:p>
+          <a:p>
+            <a:pPr lvl="1"/>
+            <a:r>
+              <a:rPr lang="en-US" altLang="ko-KR" dirty="0"/>
+              <a:t>Adds </a:t>
             </a:r>
             <a:r>
               <a:rPr lang="en-US" altLang="ko-KR" dirty="0">
@@ -3231,27 +6030,65 @@
             <a:pPr lvl="1"/>
             <a:r>
               <a:rPr lang="en-US" altLang="ko-KR" dirty="0"/>
-              <a:t>Also knows as Preemptive Shortest Job First (PSJF)</a:t>
+              <a:t>Also knows as </a:t>
+            </a:r>
+            <a:r>
+              <a:rPr lang="en-US" altLang="ko-KR" b="1" dirty="0"/>
+              <a:t>Preemptive Shortest Job First (PSJF)</a:t>
             </a:r>
           </a:p>
           <a:p>
             <a:r>
               <a:rPr lang="en-US" altLang="ko-KR" dirty="0"/>
-              <a:t>A new job enters the system:</a:t>
+              <a:t>A new process </a:t>
+            </a:r>
+            <a:r>
+              <a:rPr lang="en-US" altLang="ko-KR" i="1" dirty="0"/>
+              <a:t>arrives</a:t>
+            </a:r>
+            <a:r>
+              <a:rPr lang="en-US" altLang="ko-KR" dirty="0"/>
+              <a:t> to the system:</a:t>
             </a:r>
           </a:p>
           <a:p>
             <a:pPr lvl="1"/>
             <a:r>
               <a:rPr lang="en-US" altLang="ko-KR" dirty="0"/>
-              <a:t>Determine of the remaining jobs and new job</a:t>
+              <a:t>Determine of the </a:t>
+            </a:r>
+            <a:r>
+              <a:rPr lang="en-US" altLang="ko-KR" i="1" dirty="0"/>
+              <a:t>remaining times</a:t>
+            </a:r>
+            <a:r>
+              <a:rPr lang="en-US" altLang="ko-KR" dirty="0"/>
+              <a:t> of existing processes and the new process</a:t>
             </a:r>
           </a:p>
           <a:p>
             <a:pPr lvl="1"/>
             <a:r>
               <a:rPr lang="en-US" altLang="ko-KR" dirty="0"/>
-              <a:t>Schedule the job which has the lest time left</a:t>
+              <a:t>Schedule the process which has the least time left</a:t>
+            </a:r>
+          </a:p>
+          <a:p>
+            <a:r>
+              <a:rPr lang="en-US" altLang="ko-KR" dirty="0"/>
+              <a:t>Note that the decision point happens upon a </a:t>
+            </a:r>
+            <a:r>
+              <a:rPr lang="en-US" altLang="ko-KR" u="sng" dirty="0"/>
+              <a:t>new process arrival</a:t>
+            </a:r>
+            <a:r>
+              <a:rPr lang="en-US" altLang="ko-KR" dirty="0"/>
+              <a:t> or </a:t>
+            </a:r>
+            <a:r>
+              <a:rPr lang="en-US" altLang="ko-KR" u="sng" dirty="0"/>
+              <a:t>the timer interrupts</a:t>
             </a:r>
           </a:p>
           <a:p>
@@ -3276,7 +6113,7 @@
 </p:sld>
 </file>
 
-<file path=ppt/slides/slide12.xml><?xml version="1.0" encoding="utf-8"?>
+<file path=ppt/slides/slide14.xml><?xml version="1.0" encoding="utf-8"?>
 <p:sld xmlns:a="http://schemas.openxmlformats.org/drawingml/2006/main" xmlns:r="http://schemas.openxmlformats.org/officeDocument/2006/relationships" xmlns:p="http://schemas.openxmlformats.org/presentationml/2006/main">
   <p:cSld>
     <p:spTree>
@@ -4897,7 +7734,7 @@
 </p:sld>
 </file>
 
-<file path=ppt/slides/slide13.xml><?xml version="1.0" encoding="utf-8"?>
+<file path=ppt/slides/slide15.xml><?xml version="1.0" encoding="utf-8"?>
 <p:sld xmlns:a="http://schemas.openxmlformats.org/drawingml/2006/main" xmlns:r="http://schemas.openxmlformats.org/officeDocument/2006/relationships" xmlns:p="http://schemas.openxmlformats.org/presentationml/2006/main">
   <p:cSld>
     <p:spTree>
@@ -4931,7 +7768,7 @@
           <a:p>
             <a:r>
               <a:rPr lang="en-US" altLang="ko-KR" dirty="0"/>
-              <a:t>New scheduling metric: Response time</a:t>
+              <a:t>New scheduling metric: Response Time</a:t>
             </a:r>
             <a:endParaRPr lang="ko-KR" altLang="en-US" dirty="0"/>
           </a:p>
@@ -4954,11 +7791,53 @@
           <a:p>
             <a:r>
               <a:rPr lang="en-US" altLang="ko-KR" dirty="0"/>
+              <a:t>Policies described earlier mostly apply to </a:t>
+            </a:r>
+            <a:r>
+              <a:rPr lang="en-US" altLang="ko-KR" b="1" dirty="0"/>
+              <a:t>batch processing </a:t>
+            </a:r>
+            <a:r>
+              <a:rPr lang="en-US" altLang="ko-KR" dirty="0"/>
+              <a:t>systems</a:t>
+            </a:r>
+          </a:p>
+          <a:p>
+            <a:r>
+              <a:rPr lang="en-US" altLang="ko-KR" b="1" dirty="0"/>
+              <a:t>Timesharing</a:t>
+            </a:r>
+            <a:r>
+              <a:rPr lang="en-US" altLang="ko-KR" dirty="0"/>
+              <a:t> and </a:t>
+            </a:r>
+            <a:r>
+              <a:rPr lang="en-US" altLang="ko-KR" b="1" dirty="0"/>
+              <a:t>interactive</a:t>
+            </a:r>
+            <a:r>
+              <a:rPr lang="en-US" altLang="ko-KR" dirty="0"/>
+              <a:t> systems introduce a new metric: </a:t>
+            </a:r>
+            <a:r>
+              <a:rPr lang="en-US" altLang="ko-KR" dirty="0">
+                <a:solidFill>
+                  <a:schemeClr val="accent6">
+                    <a:lumMod val="75000"/>
+                  </a:schemeClr>
+                </a:solidFill>
+              </a:rPr>
+              <a:t>Response Time</a:t>
+            </a:r>
+          </a:p>
+          <a:p>
+            <a:r>
+              <a:rPr lang="en-US" altLang="ko-KR" dirty="0"/>
               <a:t>The time from </a:t>
             </a:r>
             <a:r>
               <a:rPr lang="en-US" altLang="ko-KR" b="1" dirty="0"/>
-              <a:t>when the job arrives </a:t>
+              <a:t>when the process arrives </a:t>
             </a:r>
             <a:r>
               <a:rPr lang="en-US" altLang="ko-KR" dirty="0"/>
@@ -4966,11 +7845,11 @@
             </a:r>
             <a:r>
               <a:rPr lang="en-US" altLang="ko-KR" b="1" dirty="0"/>
-              <a:t>first time it is scheduled</a:t>
+              <a:t>first time it is scheduled </a:t>
             </a:r>
             <a:r>
               <a:rPr lang="en-US" altLang="ko-KR" dirty="0"/>
-              <a:t>.</a:t>
+              <a:t>(or produce the first output).</a:t>
             </a:r>
           </a:p>
           <a:p>
@@ -4983,7 +7862,22 @@
             <a:pPr lvl="1"/>
             <a:r>
               <a:rPr lang="en-US" altLang="ko-KR" dirty="0"/>
-              <a:t>STCF and related disciplines are not particularly good for response time.</a:t>
+              <a:t>STCF and related policies are not particularly good for response time.</a:t>
+            </a:r>
+          </a:p>
+          <a:p>
+            <a:pPr lvl="1"/>
+            <a:r>
+              <a:rPr lang="en-US" altLang="ko-KR" dirty="0"/>
+              <a:t>We are again interested in the </a:t>
+            </a:r>
+            <a:r>
+              <a:rPr lang="en-US" altLang="ko-KR" i="1" dirty="0"/>
+              <a:t>average response time</a:t>
+            </a:r>
+            <a:r>
+              <a:rPr lang="en-US" altLang="ko-KR" dirty="0"/>
+              <a:t> given a set of processes</a:t>
             </a:r>
           </a:p>
           <a:p>
@@ -4992,8 +7886,8 @@
           </a:p>
         </p:txBody>
       </p:sp>
-      <mc:AlternateContent xmlns:mc="http://schemas.openxmlformats.org/markup-compatibility/2006" xmlns:a14="http://schemas.microsoft.com/office/drawing/2010/main">
-        <mc:Choice Requires="a14">
+      <mc:AlternateContent xmlns:mc="http://schemas.openxmlformats.org/markup-compatibility/2006">
+        <mc:Choice xmlns:a14="http://schemas.microsoft.com/office/drawing/2010/main" Requires="a14">
           <p:sp>
             <p:nvSpPr>
               <p:cNvPr id="6" name="TextBox 5"/>
@@ -5002,7 +7896,7 @@
             </p:nvSpPr>
             <p:spPr>
               <a:xfrm>
-                <a:off x="4012186" y="1673339"/>
+                <a:off x="4012186" y="2753459"/>
                 <a:ext cx="3739998" cy="429220"/>
               </a:xfrm>
               <a:prstGeom prst="rect">
@@ -5155,7 +8049,7 @@
             </p:txBody>
           </p:sp>
         </mc:Choice>
-        <mc:Fallback xmlns="">
+        <mc:Fallback>
           <p:sp>
             <p:nvSpPr>
               <p:cNvPr id="6" name="TextBox 5"/>
@@ -5166,7 +8060,7 @@
             </p:nvSpPr>
             <p:spPr>
               <a:xfrm>
-                <a:off x="4012186" y="1673339"/>
+                <a:off x="4012186" y="2753459"/>
                 <a:ext cx="3739998" cy="429220"/>
               </a:xfrm>
               <a:prstGeom prst="rect">
@@ -5175,7 +8069,7 @@
               <a:blipFill>
                 <a:blip r:embed="rId2"/>
                 <a:stretch>
-                  <a:fillRect b="-11268"/>
+                  <a:fillRect b="-11429"/>
                 </a:stretch>
               </a:blipFill>
             </p:spPr>
@@ -5202,7 +8096,7 @@
         </p:nvSpPr>
         <p:spPr>
           <a:xfrm>
-            <a:off x="3680066" y="1556792"/>
+            <a:off x="3680066" y="2636912"/>
             <a:ext cx="4648183" cy="720080"/>
           </a:xfrm>
           <a:prstGeom prst="roundRect">
@@ -5254,7 +8148,7 @@
         </p:nvSpPr>
         <p:spPr>
           <a:xfrm>
-            <a:off x="2711624" y="3501008"/>
+            <a:off x="2711624" y="4869160"/>
             <a:ext cx="6624736" cy="792088"/>
           </a:xfrm>
           <a:prstGeom prst="roundRect">
@@ -5347,7 +8241,7 @@
 </p:sld>
 </file>
 
-<file path=ppt/slides/slide14.xml><?xml version="1.0" encoding="utf-8"?>
+<file path=ppt/slides/slide16.xml><?xml version="1.0" encoding="utf-8"?>
 <p:sld xmlns:a="http://schemas.openxmlformats.org/drawingml/2006/main" xmlns:r="http://schemas.openxmlformats.org/officeDocument/2006/relationships" xmlns:p="http://schemas.openxmlformats.org/presentationml/2006/main">
   <p:cSld>
     <p:spTree>
@@ -5404,14 +8298,22 @@
           <a:p>
             <a:r>
               <a:rPr lang="en-US" altLang="ko-KR" dirty="0"/>
-              <a:t>Time slicing Scheduling</a:t>
+              <a:t>Aka </a:t>
+            </a:r>
+            <a:r>
+              <a:rPr lang="en-US" altLang="ko-KR" b="1" dirty="0"/>
+              <a:t>Time-slicing</a:t>
+            </a:r>
+            <a:r>
+              <a:rPr lang="en-US" altLang="ko-KR" dirty="0"/>
+              <a:t> Scheduling</a:t>
             </a:r>
           </a:p>
           <a:p>
             <a:pPr lvl="1"/>
             <a:r>
               <a:rPr lang="en-US" altLang="ko-KR" dirty="0"/>
-              <a:t>Run a job for a </a:t>
+              <a:t>Run a process for a </a:t>
             </a:r>
             <a:r>
               <a:rPr lang="en-US" altLang="ko-KR" dirty="0">
@@ -5425,7 +8327,7 @@
             </a:r>
             <a:r>
               <a:rPr lang="en-US" altLang="ko-KR" dirty="0"/>
-              <a:t>and then switch to the next job in the </a:t>
+              <a:t>and then switch to the next process in the </a:t>
             </a:r>
             <a:r>
               <a:rPr lang="en-US" altLang="ko-KR" b="1" dirty="0"/>
@@ -5444,7 +8346,19 @@
             </a:r>
             <a:r>
               <a:rPr lang="en-US" altLang="ko-KR" u="sng" dirty="0"/>
-              <a:t>scheduling quantum</a:t>
+              <a:t>scheduling quantum (</a:t>
+            </a:r>
+            <a:r>
+              <a:rPr lang="en-US" altLang="ko-KR" dirty="0"/>
+              <a:t>denoted by </a:t>
+            </a:r>
+            <a:r>
+              <a:rPr lang="en-US" altLang="ko-KR" b="1" dirty="0"/>
+              <a:t>q</a:t>
+            </a:r>
+            <a:r>
+              <a:rPr lang="en-US" altLang="ko-KR" u="sng" dirty="0"/>
+              <a:t>)</a:t>
             </a:r>
             <a:r>
               <a:rPr lang="en-US" altLang="ko-KR" dirty="0"/>
@@ -5462,19 +8376,39 @@
             <a:pPr lvl="1"/>
             <a:r>
               <a:rPr lang="en-US" altLang="ko-KR" dirty="0"/>
-              <a:t>The length of a time slice must be</a:t>
+              <a:t>The </a:t>
+            </a:r>
+            <a:r>
+              <a:rPr lang="en-US" altLang="ko-KR" u="sng" dirty="0"/>
+              <a:t>length of a time slice</a:t>
+            </a:r>
+            <a:r>
+              <a:rPr lang="en-US" altLang="ko-KR" dirty="0"/>
+              <a:t> must be</a:t>
             </a:r>
             <a:r>
               <a:rPr lang="en-US" altLang="ko-KR" i="1" dirty="0"/>
-              <a:t> a multiple of</a:t>
+              <a:t> </a:t>
+            </a:r>
+            <a:r>
+              <a:rPr lang="en-US" altLang="ko-KR" i="1" u="sng" dirty="0"/>
+              <a:t>a multiple of</a:t>
+            </a:r>
+            <a:r>
+              <a:rPr lang="en-US" altLang="ko-KR" u="sng" dirty="0"/>
+              <a:t>  the timer-interrupt period</a:t>
             </a:r>
             <a:r>
               <a:rPr lang="en-US" altLang="ko-KR" dirty="0"/>
-              <a:t> the timer-interrupt period.</a:t>
-            </a:r>
-          </a:p>
-          <a:p>
-            <a:pPr lvl="1"/>
+              <a:t>.</a:t>
+            </a:r>
+          </a:p>
+          <a:p>
+            <a:pPr lvl="2"/>
+            <a:r>
+              <a:rPr lang="en-US" altLang="ko-KR" dirty="0"/>
+              <a:t>Example: If timer interrupts every 10ms, q must be 10ms, 20ms, etc. </a:t>
+            </a:r>
             <a:endParaRPr lang="ko-KR" altLang="en-US" dirty="0"/>
           </a:p>
         </p:txBody>
@@ -5536,7 +8470,27 @@
                 <a:latin typeface="맑은 고딕" panose="020B0503020000020004" pitchFamily="50" charset="-127"/>
                 <a:ea typeface="맑은 고딕" panose="020B0503020000020004" pitchFamily="50" charset="-127"/>
               </a:rPr>
-              <a:t>RR is fair, but performs poorly on metrics</a:t>
+              <a:t>RR is </a:t>
+            </a:r>
+            <a:r>
+              <a:rPr lang="en-US" altLang="ko-KR" sz="2000" b="1" dirty="0">
+                <a:solidFill>
+                  <a:srgbClr val="FF0000"/>
+                </a:solidFill>
+                <a:latin typeface="맑은 고딕" panose="020B0503020000020004" pitchFamily="50" charset="-127"/>
+                <a:ea typeface="맑은 고딕" panose="020B0503020000020004" pitchFamily="50" charset="-127"/>
+              </a:rPr>
+              <a:t>fair</a:t>
+            </a:r>
+            <a:r>
+              <a:rPr lang="en-US" altLang="ko-KR" sz="2000" b="1" dirty="0">
+                <a:solidFill>
+                  <a:prstClr val="black"/>
+                </a:solidFill>
+                <a:latin typeface="맑은 고딕" panose="020B0503020000020004" pitchFamily="50" charset="-127"/>
+                <a:ea typeface="맑은 고딕" panose="020B0503020000020004" pitchFamily="50" charset="-127"/>
+              </a:rPr>
+              <a:t>, but performs poorly on metrics</a:t>
             </a:r>
           </a:p>
           <a:p>
@@ -5570,7 +8524,7 @@
 </p:sld>
 </file>
 
-<file path=ppt/slides/slide15.xml><?xml version="1.0" encoding="utf-8"?>
+<file path=ppt/slides/slide17.xml><?xml version="1.0" encoding="utf-8"?>
 <p:sld xmlns:a="http://schemas.openxmlformats.org/drawingml/2006/main" xmlns:r="http://schemas.openxmlformats.org/officeDocument/2006/relationships" xmlns:p="http://schemas.openxmlformats.org/presentationml/2006/main">
   <p:cSld>
     <p:spTree>
@@ -5627,13 +8581,13 @@
           <a:p>
             <a:r>
               <a:rPr lang="en-US" altLang="ko-KR" dirty="0"/>
-              <a:t>A, B and C arrive at the same time.</a:t>
+              <a:t>A, B and C arrive at the same time</a:t>
             </a:r>
           </a:p>
           <a:p>
             <a:r>
               <a:rPr lang="en-US" altLang="ko-KR" dirty="0"/>
-              <a:t>They each wish to run for 5 seconds.</a:t>
+              <a:t>They each wish to run for 5 seconds</a:t>
             </a:r>
           </a:p>
         </p:txBody>
@@ -9344,7 +12298,7 @@
 </p:sld>
 </file>
 
-<file path=ppt/slides/slide16.xml><?xml version="1.0" encoding="utf-8"?>
+<file path=ppt/slides/slide18.xml><?xml version="1.0" encoding="utf-8"?>
 <p:sld xmlns:a="http://schemas.openxmlformats.org/drawingml/2006/main" xmlns:r="http://schemas.openxmlformats.org/officeDocument/2006/relationships" xmlns:p="http://schemas.openxmlformats.org/presentationml/2006/main">
   <p:cSld>
     <p:spTree>
@@ -9378,7 +12332,7 @@
           <a:p>
             <a:r>
               <a:rPr lang="en-US" altLang="ko-KR" dirty="0"/>
-              <a:t>The length of the time slice is critical.</a:t>
+              <a:t>The length of the time slice is critical</a:t>
             </a:r>
             <a:endParaRPr lang="ko-KR" altLang="en-US" dirty="0"/>
           </a:p>
@@ -9401,7 +12355,7 @@
           <a:p>
             <a:r>
               <a:rPr lang="en-US" altLang="ko-KR" dirty="0"/>
-              <a:t>The shorter time slice</a:t>
+              <a:t>Shorter time slice</a:t>
             </a:r>
           </a:p>
           <a:p>
@@ -9415,32 +12369,52 @@
             <a:pPr lvl="1"/>
             <a:r>
               <a:rPr lang="en-US" altLang="ko-KR" dirty="0"/>
-              <a:t>The cost of context switching will dominate overall performance.</a:t>
+              <a:t>Cost of context switching will dominate overall performance</a:t>
+            </a:r>
+          </a:p>
+          <a:p>
+            <a:r>
+              <a:rPr lang="en-US" altLang="ko-KR" dirty="0"/>
+              <a:t>Longer time slice</a:t>
             </a:r>
           </a:p>
           <a:p>
             <a:pPr lvl="1"/>
+            <a:r>
+              <a:rPr lang="en-US" altLang="ko-KR" dirty="0"/>
+              <a:t>Worsens response time</a:t>
+            </a:r>
+            <a:endParaRPr lang="en-US" altLang="ko-KR" b="1" dirty="0"/>
+          </a:p>
+          <a:p>
+            <a:pPr lvl="1"/>
+            <a:r>
+              <a:rPr lang="en-US" altLang="ko-KR" b="1" dirty="0"/>
+              <a:t>Amortizes</a:t>
+            </a:r>
+            <a:r>
+              <a:rPr lang="en-US" altLang="ko-KR" dirty="0"/>
+              <a:t> the cost of context switching – less context switching </a:t>
+            </a:r>
+          </a:p>
+          <a:p>
+            <a:r>
+              <a:rPr lang="en-US" altLang="ko-KR" dirty="0"/>
+              <a:t>Note: Cost of context switching, as discussed in the previous chapter, is not just due to the </a:t>
+            </a:r>
+            <a:r>
+              <a:rPr lang="en-US" altLang="ko-KR" u="sng" dirty="0"/>
+              <a:t>copying of registers</a:t>
+            </a:r>
+            <a:r>
+              <a:rPr lang="en-US" altLang="ko-KR" dirty="0"/>
+              <a:t> but also to </a:t>
+            </a:r>
+            <a:r>
+              <a:rPr lang="en-US" altLang="ko-KR" u="sng" dirty="0"/>
+              <a:t>other architectural aspects like caches, TLBs, etc. </a:t>
+            </a:r>
             <a:endParaRPr lang="en-US" altLang="ko-KR" dirty="0"/>
-          </a:p>
-          <a:p>
-            <a:r>
-              <a:rPr lang="en-US" altLang="ko-KR" dirty="0"/>
-              <a:t>The longer time slice</a:t>
-            </a:r>
-          </a:p>
-          <a:p>
-            <a:pPr lvl="1"/>
-            <a:r>
-              <a:rPr lang="en-US" altLang="ko-KR" dirty="0"/>
-              <a:t>Amortize the cost of switching</a:t>
-            </a:r>
-          </a:p>
-          <a:p>
-            <a:pPr lvl="1"/>
-            <a:r>
-              <a:rPr lang="en-US" altLang="ko-KR" dirty="0"/>
-              <a:t>Worse response time</a:t>
-            </a:r>
           </a:p>
         </p:txBody>
       </p:sp>
@@ -9452,8 +12426,8 @@
         </p:nvSpPr>
         <p:spPr>
           <a:xfrm>
-            <a:off x="2289692" y="4797152"/>
-            <a:ext cx="7478716" cy="1080120"/>
+            <a:off x="2289692" y="5013176"/>
+            <a:ext cx="7478716" cy="1368152"/>
           </a:xfrm>
           <a:prstGeom prst="roundRect">
             <a:avLst>
@@ -9534,7 +12508,30 @@
                 <a:latin typeface="맑은 고딕" panose="020B0503020000020004" pitchFamily="50" charset="-127"/>
                 <a:ea typeface="맑은 고딕" panose="020B0503020000020004" pitchFamily="50" charset="-127"/>
               </a:rPr>
-              <a:t>to a system designer</a:t>
+              <a:t>to a system designer.</a:t>
+            </a:r>
+          </a:p>
+          <a:p>
+            <a:pPr algn="ctr"/>
+            <a:endParaRPr lang="en-US" altLang="ko-KR" sz="2000" b="1" dirty="0">
+              <a:solidFill>
+                <a:prstClr val="black"/>
+              </a:solidFill>
+              <a:latin typeface="맑은 고딕" panose="020B0503020000020004" pitchFamily="50" charset="-127"/>
+              <a:ea typeface="맑은 고딕" panose="020B0503020000020004" pitchFamily="50" charset="-127"/>
+            </a:endParaRPr>
+          </a:p>
+          <a:p>
+            <a:pPr algn="ctr"/>
+            <a:r>
+              <a:rPr lang="en-US" altLang="ko-KR" sz="2000" b="1" dirty="0">
+                <a:solidFill>
+                  <a:prstClr val="black"/>
+                </a:solidFill>
+                <a:latin typeface="맑은 고딕" panose="020B0503020000020004" pitchFamily="50" charset="-127"/>
+                <a:ea typeface="맑은 고딕" panose="020B0503020000020004" pitchFamily="50" charset="-127"/>
+              </a:rPr>
+              <a:t>How about the ATT in RR?</a:t>
             </a:r>
           </a:p>
         </p:txBody>
@@ -9555,7 +12552,7 @@
 </p:sld>
 </file>
 
-<file path=ppt/slides/slide17.xml><?xml version="1.0" encoding="utf-8"?>
+<file path=ppt/slides/slide19.xml><?xml version="1.0" encoding="utf-8"?>
 <p:sld xmlns:a="http://schemas.openxmlformats.org/drawingml/2006/main" xmlns:r="http://schemas.openxmlformats.org/officeDocument/2006/relationships" xmlns:p="http://schemas.openxmlformats.org/presentationml/2006/main">
   <p:cSld>
     <p:spTree>
@@ -9612,9 +12609,336 @@
           <a:p>
             <a:r>
               <a:rPr lang="en-US" altLang="ko-KR" dirty="0"/>
-              <a:t>Let’s relax assumption 3: All programs perform I/O</a:t>
-            </a:r>
-          </a:p>
+              <a:t>Let’s relax assumption 4: All processes can now </a:t>
+            </a:r>
+            <a:r>
+              <a:rPr lang="en-US" altLang="ko-KR" b="1" dirty="0"/>
+              <a:t>perform I/O</a:t>
+            </a:r>
+          </a:p>
+          <a:p>
+            <a:r>
+              <a:rPr lang="en-US" altLang="ko-KR" dirty="0"/>
+              <a:t>When a process initiates an I/O request</a:t>
+            </a:r>
+          </a:p>
+          <a:p>
+            <a:pPr lvl="1"/>
+            <a:r>
+              <a:rPr lang="en-US" altLang="ko-KR" dirty="0"/>
+              <a:t>The process state is set to </a:t>
+            </a:r>
+            <a:r>
+              <a:rPr lang="en-US" altLang="ko-KR" b="1" dirty="0"/>
+              <a:t>blocked/waiting</a:t>
+            </a:r>
+            <a:r>
+              <a:rPr lang="en-US" altLang="ko-KR" dirty="0"/>
+              <a:t> (process waiting for I/O  completion)</a:t>
+            </a:r>
+          </a:p>
+          <a:p>
+            <a:pPr lvl="1"/>
+            <a:r>
+              <a:rPr lang="en-US" altLang="ko-KR" dirty="0"/>
+              <a:t>The scheduler should schedule another process on the CPU, otherwise the CPU will be idle</a:t>
+            </a:r>
+          </a:p>
+          <a:p>
+            <a:pPr lvl="1"/>
+            <a:endParaRPr lang="en-US" altLang="ko-KR" dirty="0"/>
+          </a:p>
+          <a:p>
+            <a:r>
+              <a:rPr lang="en-US" altLang="ko-KR" dirty="0"/>
+              <a:t>When the I/O completes</a:t>
+            </a:r>
+          </a:p>
+          <a:p>
+            <a:pPr lvl="1"/>
+            <a:r>
+              <a:rPr lang="en-US" altLang="ko-KR" dirty="0"/>
+              <a:t>An interrupt is raised and control is transferred to the kernel </a:t>
+            </a:r>
+          </a:p>
+          <a:p>
+            <a:pPr lvl="1"/>
+            <a:r>
+              <a:rPr lang="en-US" altLang="ko-KR" dirty="0"/>
+              <a:t>The kernel changes the state of the process that requested the I/O back to </a:t>
+            </a:r>
+            <a:r>
+              <a:rPr lang="en-US" altLang="ko-KR" b="1" dirty="0"/>
+              <a:t>ready</a:t>
+            </a:r>
+            <a:r>
+              <a:rPr lang="en-US" altLang="ko-KR" dirty="0"/>
+              <a:t> state </a:t>
+            </a:r>
+          </a:p>
+          <a:p>
+            <a:pPr lvl="1"/>
+            <a:r>
+              <a:rPr lang="en-US" altLang="ko-KR" dirty="0"/>
+              <a:t>The scheduler </a:t>
+            </a:r>
+            <a:r>
+              <a:rPr lang="en-US" altLang="ko-KR" i="1" dirty="0"/>
+              <a:t>may</a:t>
+            </a:r>
+            <a:r>
+              <a:rPr lang="en-US" altLang="ko-KR" dirty="0"/>
+              <a:t>  even schedule this process on the CPU now</a:t>
+            </a:r>
+            <a:endParaRPr lang="ko-KR" altLang="en-US" dirty="0"/>
+          </a:p>
+        </p:txBody>
+      </p:sp>
+    </p:spTree>
+    <p:extLst>
+      <p:ext uri="{BB962C8B-B14F-4D97-AF65-F5344CB8AC3E}">
+        <p14:creationId xmlns:p14="http://schemas.microsoft.com/office/powerpoint/2010/main" val="3788633795"/>
+      </p:ext>
+    </p:extLst>
+  </p:cSld>
+  <p:clrMapOvr>
+    <a:masterClrMapping/>
+  </p:clrMapOvr>
+  <p:transition>
+    <p:zoom/>
+  </p:transition>
+</p:sld>
+</file>
+
+<file path=ppt/slides/slide2.xml><?xml version="1.0" encoding="utf-8"?>
+<p:sld xmlns:a="http://schemas.openxmlformats.org/drawingml/2006/main" xmlns:r="http://schemas.openxmlformats.org/officeDocument/2006/relationships" xmlns:p="http://schemas.openxmlformats.org/presentationml/2006/main">
+  <p:cSld>
+    <p:spTree>
+      <p:nvGrpSpPr>
+        <p:cNvPr id="1" name=""/>
+        <p:cNvGrpSpPr/>
+        <p:nvPr/>
+      </p:nvGrpSpPr>
+      <p:grpSpPr>
+        <a:xfrm>
+          <a:off x="0" y="0"/>
+          <a:ext cx="0" cy="0"/>
+          <a:chOff x="0" y="0"/>
+          <a:chExt cx="0" cy="0"/>
+        </a:xfrm>
+      </p:grpSpPr>
+      <p:sp>
+        <p:nvSpPr>
+          <p:cNvPr id="2" name="Title 1">
+            <a:extLst>
+              <a:ext uri="{FF2B5EF4-FFF2-40B4-BE49-F238E27FC236}">
+                <a16:creationId xmlns:a16="http://schemas.microsoft.com/office/drawing/2014/main" id="{3827F3D9-6ADE-4AFF-A511-57621CDAEAE6}"/>
+              </a:ext>
+            </a:extLst>
+          </p:cNvPr>
+          <p:cNvSpPr>
+            <a:spLocks noGrp="1"/>
+          </p:cNvSpPr>
+          <p:nvPr>
+            <p:ph type="title"/>
+          </p:nvPr>
+        </p:nvSpPr>
+        <p:spPr/>
+        <p:txBody>
+          <a:bodyPr/>
+          <a:lstStyle/>
+          <a:p>
+            <a:r>
+              <a:rPr lang="en-US" dirty="0"/>
+              <a:t>Resources</a:t>
+            </a:r>
+            <a:endParaRPr lang="en-PH" dirty="0"/>
+          </a:p>
+        </p:txBody>
+      </p:sp>
+      <p:pic>
+        <p:nvPicPr>
+          <p:cNvPr id="5" name="Content Placeholder 4">
+            <a:extLst>
+              <a:ext uri="{FF2B5EF4-FFF2-40B4-BE49-F238E27FC236}">
+                <a16:creationId xmlns:a16="http://schemas.microsoft.com/office/drawing/2014/main" id="{04579F75-8F26-4C11-A534-9A1255EBE71A}"/>
+              </a:ext>
+            </a:extLst>
+          </p:cNvPr>
+          <p:cNvPicPr>
+            <a:picLocks noGrp="1" noChangeAspect="1"/>
+          </p:cNvPicPr>
+          <p:nvPr>
+            <p:ph idx="1"/>
+          </p:nvPr>
+        </p:nvPicPr>
+        <p:blipFill>
+          <a:blip r:embed="rId2">
+            <a:extLst>
+              <a:ext uri="{28A0092B-C50C-407E-A947-70E740481C1C}">
+                <a14:useLocalDpi xmlns:a14="http://schemas.microsoft.com/office/drawing/2010/main" val="0"/>
+              </a:ext>
+            </a:extLst>
+          </a:blip>
+          <a:stretch>
+            <a:fillRect/>
+          </a:stretch>
+        </p:blipFill>
+        <p:spPr>
+          <a:xfrm>
+            <a:off x="8976320" y="1648922"/>
+            <a:ext cx="2523744" cy="3950208"/>
+          </a:xfrm>
+        </p:spPr>
+      </p:pic>
+      <p:sp>
+        <p:nvSpPr>
+          <p:cNvPr id="8" name="TextBox 7">
+            <a:extLst>
+              <a:ext uri="{FF2B5EF4-FFF2-40B4-BE49-F238E27FC236}">
+                <a16:creationId xmlns:a16="http://schemas.microsoft.com/office/drawing/2014/main" id="{AF67945D-1D61-49F3-AC44-2F69D0840525}"/>
+              </a:ext>
+            </a:extLst>
+          </p:cNvPr>
+          <p:cNvSpPr txBox="1"/>
+          <p:nvPr/>
+        </p:nvSpPr>
+        <p:spPr>
+          <a:xfrm>
+            <a:off x="190501" y="2708920"/>
+            <a:ext cx="8569796" cy="1569660"/>
+          </a:xfrm>
+          <a:prstGeom prst="rect">
+            <a:avLst/>
+          </a:prstGeom>
+          <a:noFill/>
+        </p:spPr>
+        <p:txBody>
+          <a:bodyPr wrap="square">
+            <a:spAutoFit/>
+          </a:bodyPr>
+          <a:lstStyle/>
+          <a:p>
+            <a:r>
+              <a:rPr lang="en-PH" sz="2400" dirty="0">
+                <a:latin typeface="Oswald" pitchFamily="2" charset="0"/>
+              </a:rPr>
+              <a:t>Book: </a:t>
+            </a:r>
+            <a:r>
+              <a:rPr lang="en-PH" sz="2400" dirty="0">
+                <a:latin typeface="Oswald" pitchFamily="2" charset="0"/>
+                <a:hlinkClick r:id="rId3"/>
+              </a:rPr>
+              <a:t>https://pages.cs.wisc.edu/~remzi/OSTEP/</a:t>
+            </a:r>
+            <a:endParaRPr lang="en-PH" sz="2400" dirty="0">
+              <a:latin typeface="Oswald" pitchFamily="2" charset="0"/>
+            </a:endParaRPr>
+          </a:p>
+          <a:p>
+            <a:endParaRPr lang="en-PH" sz="2400" dirty="0">
+              <a:latin typeface="Oswald" pitchFamily="2" charset="0"/>
+            </a:endParaRPr>
+          </a:p>
+          <a:p>
+            <a:r>
+              <a:rPr lang="en-PH" sz="2400" dirty="0">
+                <a:latin typeface="Oswald" pitchFamily="2" charset="0"/>
+              </a:rPr>
+              <a:t>Slides Template: </a:t>
+            </a:r>
+          </a:p>
+          <a:p>
+            <a:r>
+              <a:rPr lang="en-PH" sz="2400" dirty="0">
+                <a:latin typeface="Oswald" pitchFamily="2" charset="0"/>
+                <a:hlinkClick r:id="rId4"/>
+              </a:rPr>
+              <a:t>https://pages.cs.wisc.edu/~remzi/OSTEP/Educators-Slides/Youjip/</a:t>
+            </a:r>
+            <a:r>
+              <a:rPr lang="en-PH" sz="2400" b="1" dirty="0">
+                <a:latin typeface="Oswald" pitchFamily="2" charset="0"/>
+              </a:rPr>
+              <a:t> </a:t>
+            </a:r>
+            <a:endParaRPr lang="en-PH" sz="2400" dirty="0">
+              <a:latin typeface="Oswald" pitchFamily="2" charset="0"/>
+            </a:endParaRPr>
+          </a:p>
+        </p:txBody>
+      </p:sp>
+    </p:spTree>
+    <p:extLst>
+      <p:ext uri="{BB962C8B-B14F-4D97-AF65-F5344CB8AC3E}">
+        <p14:creationId xmlns:p14="http://schemas.microsoft.com/office/powerpoint/2010/main" val="3111938434"/>
+      </p:ext>
+    </p:extLst>
+  </p:cSld>
+  <p:clrMapOvr>
+    <a:masterClrMapping/>
+  </p:clrMapOvr>
+  <p:transition>
+    <p:zoom/>
+  </p:transition>
+</p:sld>
+</file>
+
+<file path=ppt/slides/slide20.xml><?xml version="1.0" encoding="utf-8"?>
+<p:sld xmlns:a="http://schemas.openxmlformats.org/drawingml/2006/main" xmlns:r="http://schemas.openxmlformats.org/officeDocument/2006/relationships" xmlns:p="http://schemas.openxmlformats.org/presentationml/2006/main">
+  <p:cSld>
+    <p:spTree>
+      <p:nvGrpSpPr>
+        <p:cNvPr id="1" name=""/>
+        <p:cNvGrpSpPr/>
+        <p:nvPr/>
+      </p:nvGrpSpPr>
+      <p:grpSpPr>
+        <a:xfrm>
+          <a:off x="0" y="0"/>
+          <a:ext cx="0" cy="0"/>
+          <a:chOff x="0" y="0"/>
+          <a:chExt cx="0" cy="0"/>
+        </a:xfrm>
+      </p:grpSpPr>
+      <p:sp>
+        <p:nvSpPr>
+          <p:cNvPr id="2" name="제목 1"/>
+          <p:cNvSpPr>
+            <a:spLocks noGrp="1"/>
+          </p:cNvSpPr>
+          <p:nvPr>
+            <p:ph type="title"/>
+          </p:nvPr>
+        </p:nvSpPr>
+        <p:spPr/>
+        <p:txBody>
+          <a:bodyPr/>
+          <a:lstStyle/>
+          <a:p>
+            <a:r>
+              <a:rPr lang="en-US" altLang="ko-KR" dirty="0"/>
+              <a:t>Incorporating I/O (Cont.)</a:t>
+            </a:r>
+            <a:endParaRPr lang="ko-KR" altLang="en-US" dirty="0"/>
+          </a:p>
+        </p:txBody>
+      </p:sp>
+      <p:sp>
+        <p:nvSpPr>
+          <p:cNvPr id="3" name="내용 개체 틀 2"/>
+          <p:cNvSpPr>
+            <a:spLocks noGrp="1"/>
+          </p:cNvSpPr>
+          <p:nvPr>
+            <p:ph idx="1"/>
+          </p:nvPr>
+        </p:nvSpPr>
+        <p:spPr/>
+        <p:txBody>
+          <a:bodyPr/>
+          <a:lstStyle/>
           <a:p>
             <a:r>
               <a:rPr lang="en-US" altLang="ko-KR" dirty="0"/>
@@ -9625,7 +12949,7 @@
             <a:pPr lvl="1"/>
             <a:r>
               <a:rPr lang="en-US" altLang="ko-KR" dirty="0"/>
-              <a:t>A and B need 50ms of CPU time each.</a:t>
+              <a:t>A and B need 50ms of CPU time each</a:t>
             </a:r>
           </a:p>
           <a:p>
@@ -9685,7 +13009,7 @@
 </p:sld>
 </file>
 
-<file path=ppt/slides/slide18.xml><?xml version="1.0" encoding="utf-8"?>
+<file path=ppt/slides/slide21.xml><?xml version="1.0" encoding="utf-8"?>
 <p:sld xmlns:a="http://schemas.openxmlformats.org/drawingml/2006/main" xmlns:r="http://schemas.openxmlformats.org/officeDocument/2006/relationships" xmlns:p="http://schemas.openxmlformats.org/presentationml/2006/main">
   <p:cSld>
     <p:spTree>
@@ -13531,7 +16855,7 @@
                 <a:latin typeface="맑은 고딕" panose="020B0503020000020004" pitchFamily="50" charset="-127"/>
                 <a:ea typeface="맑은 고딕" panose="020B0503020000020004" pitchFamily="50" charset="-127"/>
               </a:rPr>
-              <a:t>Maximize the </a:t>
+              <a:t>Maximizes the </a:t>
             </a:r>
           </a:p>
           <a:p>
@@ -13546,6 +16870,166 @@
               </a:rPr>
               <a:t>CPU utilization</a:t>
             </a:r>
+          </a:p>
+        </p:txBody>
+      </p:sp>
+      <p:sp>
+        <p:nvSpPr>
+          <p:cNvPr id="3" name="TextBox 2">
+            <a:extLst>
+              <a:ext uri="{FF2B5EF4-FFF2-40B4-BE49-F238E27FC236}">
+                <a16:creationId xmlns:a16="http://schemas.microsoft.com/office/drawing/2014/main" id="{ECB896BD-0B11-4A31-B64E-9F43762A400D}"/>
+              </a:ext>
+            </a:extLst>
+          </p:cNvPr>
+          <p:cNvSpPr txBox="1"/>
+          <p:nvPr/>
+        </p:nvSpPr>
+        <p:spPr>
+          <a:xfrm>
+            <a:off x="2582631" y="1331065"/>
+            <a:ext cx="1028876" cy="369332"/>
+          </a:xfrm>
+          <a:prstGeom prst="rect">
+            <a:avLst/>
+          </a:prstGeom>
+          <a:noFill/>
+        </p:spPr>
+        <p:txBody>
+          <a:bodyPr wrap="square" rtlCol="0">
+            <a:spAutoFit/>
+          </a:bodyPr>
+          <a:lstStyle/>
+          <a:p>
+            <a:r>
+              <a:rPr lang="en-US" dirty="0">
+                <a:latin typeface="Oswald" pitchFamily="2" charset="0"/>
+              </a:rPr>
+              <a:t>CPU</a:t>
+            </a:r>
+            <a:endParaRPr lang="en-PH" dirty="0">
+              <a:latin typeface="Oswald" pitchFamily="2" charset="0"/>
+            </a:endParaRPr>
+          </a:p>
+        </p:txBody>
+      </p:sp>
+      <p:sp>
+        <p:nvSpPr>
+          <p:cNvPr id="88" name="TextBox 87">
+            <a:extLst>
+              <a:ext uri="{FF2B5EF4-FFF2-40B4-BE49-F238E27FC236}">
+                <a16:creationId xmlns:a16="http://schemas.microsoft.com/office/drawing/2014/main" id="{383AAAE1-188D-4359-AEE3-7470CDE2A28A}"/>
+              </a:ext>
+            </a:extLst>
+          </p:cNvPr>
+          <p:cNvSpPr txBox="1"/>
+          <p:nvPr/>
+        </p:nvSpPr>
+        <p:spPr>
+          <a:xfrm>
+            <a:off x="2583900" y="1920240"/>
+            <a:ext cx="1028876" cy="369332"/>
+          </a:xfrm>
+          <a:prstGeom prst="rect">
+            <a:avLst/>
+          </a:prstGeom>
+          <a:noFill/>
+        </p:spPr>
+        <p:txBody>
+          <a:bodyPr wrap="square" rtlCol="0">
+            <a:spAutoFit/>
+          </a:bodyPr>
+          <a:lstStyle/>
+          <a:p>
+            <a:r>
+              <a:rPr lang="en-US" dirty="0">
+                <a:latin typeface="Oswald" pitchFamily="2" charset="0"/>
+              </a:rPr>
+              <a:t>Disk</a:t>
+            </a:r>
+            <a:endParaRPr lang="en-PH" dirty="0">
+              <a:latin typeface="Oswald" pitchFamily="2" charset="0"/>
+            </a:endParaRPr>
+          </a:p>
+        </p:txBody>
+      </p:sp>
+      <p:sp>
+        <p:nvSpPr>
+          <p:cNvPr id="89" name="TextBox 88">
+            <a:extLst>
+              <a:ext uri="{FF2B5EF4-FFF2-40B4-BE49-F238E27FC236}">
+                <a16:creationId xmlns:a16="http://schemas.microsoft.com/office/drawing/2014/main" id="{7D8EE4BA-B671-4BB3-B7AB-A37CAC57397F}"/>
+              </a:ext>
+            </a:extLst>
+          </p:cNvPr>
+          <p:cNvSpPr txBox="1"/>
+          <p:nvPr/>
+        </p:nvSpPr>
+        <p:spPr>
+          <a:xfrm>
+            <a:off x="2557146" y="4194259"/>
+            <a:ext cx="1028876" cy="369332"/>
+          </a:xfrm>
+          <a:prstGeom prst="rect">
+            <a:avLst/>
+          </a:prstGeom>
+          <a:noFill/>
+        </p:spPr>
+        <p:txBody>
+          <a:bodyPr wrap="square" rtlCol="0">
+            <a:spAutoFit/>
+          </a:bodyPr>
+          <a:lstStyle/>
+          <a:p>
+            <a:r>
+              <a:rPr lang="en-US" dirty="0">
+                <a:latin typeface="Oswald" pitchFamily="2" charset="0"/>
+              </a:rPr>
+              <a:t>CPU</a:t>
+            </a:r>
+            <a:endParaRPr lang="en-PH" dirty="0">
+              <a:latin typeface="Oswald" pitchFamily="2" charset="0"/>
+            </a:endParaRPr>
+          </a:p>
+        </p:txBody>
+      </p:sp>
+      <p:sp>
+        <p:nvSpPr>
+          <p:cNvPr id="90" name="TextBox 89">
+            <a:extLst>
+              <a:ext uri="{FF2B5EF4-FFF2-40B4-BE49-F238E27FC236}">
+                <a16:creationId xmlns:a16="http://schemas.microsoft.com/office/drawing/2014/main" id="{9CB6DAC2-D889-4465-8A16-BC6E7F16A8BE}"/>
+              </a:ext>
+            </a:extLst>
+          </p:cNvPr>
+          <p:cNvSpPr txBox="1"/>
+          <p:nvPr/>
+        </p:nvSpPr>
+        <p:spPr>
+          <a:xfrm>
+            <a:off x="2558415" y="4783434"/>
+            <a:ext cx="1028876" cy="369332"/>
+          </a:xfrm>
+          <a:prstGeom prst="rect">
+            <a:avLst/>
+          </a:prstGeom>
+          <a:noFill/>
+        </p:spPr>
+        <p:txBody>
+          <a:bodyPr wrap="square" rtlCol="0">
+            <a:spAutoFit/>
+          </a:bodyPr>
+          <a:lstStyle/>
+          <a:p>
+            <a:r>
+              <a:rPr lang="en-US" dirty="0">
+                <a:latin typeface="Oswald" pitchFamily="2" charset="0"/>
+              </a:rPr>
+              <a:t>Disk</a:t>
+            </a:r>
+            <a:endParaRPr lang="en-PH" dirty="0">
+              <a:latin typeface="Oswald" pitchFamily="2" charset="0"/>
+            </a:endParaRPr>
           </a:p>
         </p:txBody>
       </p:sp>
@@ -13565,7 +17049,7 @@
 </p:sld>
 </file>
 
-<file path=ppt/slides/slide19.xml><?xml version="1.0" encoding="utf-8"?>
+<file path=ppt/slides/slide22.xml><?xml version="1.0" encoding="utf-8"?>
 <p:sld xmlns:a="http://schemas.openxmlformats.org/drawingml/2006/main" xmlns:r="http://schemas.openxmlformats.org/officeDocument/2006/relationships" xmlns:p="http://schemas.openxmlformats.org/presentationml/2006/main">
   <p:cSld>
     <p:spTree>
@@ -13584,127 +17068,10 @@
       </p:grpSpPr>
       <p:sp>
         <p:nvSpPr>
-          <p:cNvPr id="2" name="제목 1"/>
-          <p:cNvSpPr>
-            <a:spLocks noGrp="1"/>
-          </p:cNvSpPr>
-          <p:nvPr>
-            <p:ph type="title"/>
-          </p:nvPr>
-        </p:nvSpPr>
-        <p:spPr/>
-        <p:txBody>
-          <a:bodyPr/>
-          <a:lstStyle/>
-          <a:p>
-            <a:r>
-              <a:rPr lang="en-US" altLang="ko-KR" dirty="0"/>
-              <a:t>Incorporating I/O (Cont.)</a:t>
-            </a:r>
-            <a:endParaRPr lang="ko-KR" altLang="en-US" dirty="0"/>
-          </a:p>
-        </p:txBody>
-      </p:sp>
-      <p:sp>
-        <p:nvSpPr>
-          <p:cNvPr id="3" name="내용 개체 틀 2"/>
-          <p:cNvSpPr>
-            <a:spLocks noGrp="1"/>
-          </p:cNvSpPr>
-          <p:nvPr>
-            <p:ph idx="1"/>
-          </p:nvPr>
-        </p:nvSpPr>
-        <p:spPr/>
-        <p:txBody>
-          <a:bodyPr/>
-          <a:lstStyle/>
-          <a:p>
-            <a:r>
-              <a:rPr lang="en-US" altLang="ko-KR" dirty="0"/>
-              <a:t>When a job initiates an I/O request.</a:t>
-            </a:r>
-          </a:p>
-          <a:p>
-            <a:pPr lvl="1"/>
-            <a:r>
-              <a:rPr lang="en-US" altLang="ko-KR" dirty="0"/>
-              <a:t>The job is blocked waiting for I/O  completion.</a:t>
-            </a:r>
-          </a:p>
-          <a:p>
-            <a:pPr lvl="1"/>
-            <a:r>
-              <a:rPr lang="en-US" altLang="ko-KR" dirty="0"/>
-              <a:t>The scheduler should schedule another job on the CPU.</a:t>
-            </a:r>
-          </a:p>
-          <a:p>
-            <a:pPr lvl="1"/>
-            <a:endParaRPr lang="en-US" altLang="ko-KR" dirty="0"/>
-          </a:p>
-          <a:p>
-            <a:r>
-              <a:rPr lang="en-US" altLang="ko-KR" dirty="0"/>
-              <a:t>When the I/O completes</a:t>
-            </a:r>
-          </a:p>
-          <a:p>
-            <a:pPr lvl="1"/>
-            <a:r>
-              <a:rPr lang="en-US" altLang="ko-KR" dirty="0"/>
-              <a:t>An interrupt is raised.</a:t>
-            </a:r>
-          </a:p>
-          <a:p>
-            <a:pPr lvl="1"/>
-            <a:r>
-              <a:rPr lang="en-US" altLang="ko-KR" dirty="0"/>
-              <a:t>The OS moves the process from blocked back to the ready state.</a:t>
-            </a:r>
-            <a:endParaRPr lang="ko-KR" altLang="en-US" dirty="0"/>
-          </a:p>
-        </p:txBody>
-      </p:sp>
-    </p:spTree>
-    <p:extLst>
-      <p:ext uri="{BB962C8B-B14F-4D97-AF65-F5344CB8AC3E}">
-        <p14:creationId xmlns:p14="http://schemas.microsoft.com/office/powerpoint/2010/main" val="3788633795"/>
-      </p:ext>
-    </p:extLst>
-  </p:cSld>
-  <p:clrMapOvr>
-    <a:masterClrMapping/>
-  </p:clrMapOvr>
-  <p:transition>
-    <p:zoom/>
-  </p:transition>
-</p:sld>
-</file>
-
-<file path=ppt/slides/slide2.xml><?xml version="1.0" encoding="utf-8"?>
-<p:sld xmlns:a="http://schemas.openxmlformats.org/drawingml/2006/main" xmlns:r="http://schemas.openxmlformats.org/officeDocument/2006/relationships" xmlns:p="http://schemas.openxmlformats.org/presentationml/2006/main">
-  <p:cSld>
-    <p:spTree>
-      <p:nvGrpSpPr>
-        <p:cNvPr id="1" name=""/>
-        <p:cNvGrpSpPr/>
-        <p:nvPr/>
-      </p:nvGrpSpPr>
-      <p:grpSpPr>
-        <a:xfrm>
-          <a:off x="0" y="0"/>
-          <a:ext cx="0" cy="0"/>
-          <a:chOff x="0" y="0"/>
-          <a:chExt cx="0" cy="0"/>
-        </a:xfrm>
-      </p:grpSpPr>
-      <p:sp>
-        <p:nvSpPr>
-          <p:cNvPr id="2" name="Title 1">
+          <p:cNvPr id="3" name="Title 2">
             <a:extLst>
               <a:ext uri="{FF2B5EF4-FFF2-40B4-BE49-F238E27FC236}">
-                <a16:creationId xmlns:a16="http://schemas.microsoft.com/office/drawing/2014/main" id="{3827F3D9-6ADE-4AFF-A511-57621CDAEAE6}"/>
+                <a16:creationId xmlns:a16="http://schemas.microsoft.com/office/drawing/2014/main" id="{40364420-A7C5-4D63-BC1A-12A17EEC2A1E}"/>
               </a:ext>
             </a:extLst>
           </p:cNvPr>
@@ -13722,129 +17089,61 @@
           <a:p>
             <a:r>
               <a:rPr lang="en-US" dirty="0"/>
-              <a:t>Resources</a:t>
+              <a:t>No More Oracle</a:t>
             </a:r>
             <a:endParaRPr lang="en-PH" dirty="0"/>
           </a:p>
         </p:txBody>
       </p:sp>
-      <p:pic>
-        <p:nvPicPr>
-          <p:cNvPr id="5" name="Content Placeholder 4">
+      <p:sp>
+        <p:nvSpPr>
+          <p:cNvPr id="4" name="Content Placeholder 3">
             <a:extLst>
               <a:ext uri="{FF2B5EF4-FFF2-40B4-BE49-F238E27FC236}">
-                <a16:creationId xmlns:a16="http://schemas.microsoft.com/office/drawing/2014/main" id="{04579F75-8F26-4C11-A534-9A1255EBE71A}"/>
+                <a16:creationId xmlns:a16="http://schemas.microsoft.com/office/drawing/2014/main" id="{C2B908EF-BD87-45E1-BBBB-512BF3788844}"/>
               </a:ext>
             </a:extLst>
           </p:cNvPr>
-          <p:cNvPicPr>
-            <a:picLocks noGrp="1" noChangeAspect="1"/>
-          </p:cNvPicPr>
+          <p:cNvSpPr>
+            <a:spLocks noGrp="1"/>
+          </p:cNvSpPr>
           <p:nvPr>
             <p:ph idx="1"/>
           </p:nvPr>
-        </p:nvPicPr>
-        <p:blipFill>
-          <a:blip r:embed="rId2">
-            <a:extLst>
-              <a:ext uri="{28A0092B-C50C-407E-A947-70E740481C1C}">
-                <a14:useLocalDpi xmlns:a14="http://schemas.microsoft.com/office/drawing/2010/main" val="0"/>
-              </a:ext>
-            </a:extLst>
-          </a:blip>
-          <a:stretch>
-            <a:fillRect/>
-          </a:stretch>
-        </p:blipFill>
-        <p:spPr>
-          <a:xfrm>
-            <a:off x="8976320" y="1648922"/>
-            <a:ext cx="2523744" cy="3950208"/>
-          </a:xfrm>
-        </p:spPr>
-      </p:pic>
-      <p:sp>
-        <p:nvSpPr>
-          <p:cNvPr id="8" name="TextBox 7">
-            <a:extLst>
-              <a:ext uri="{FF2B5EF4-FFF2-40B4-BE49-F238E27FC236}">
-                <a16:creationId xmlns:a16="http://schemas.microsoft.com/office/drawing/2014/main" id="{AF67945D-1D61-49F3-AC44-2F69D0840525}"/>
-              </a:ext>
-            </a:extLst>
-          </p:cNvPr>
-          <p:cNvSpPr txBox="1"/>
-          <p:nvPr/>
         </p:nvSpPr>
-        <p:spPr>
-          <a:xfrm>
-            <a:off x="190501" y="2708920"/>
-            <a:ext cx="8569796" cy="1569660"/>
-          </a:xfrm>
-          <a:prstGeom prst="rect">
-            <a:avLst/>
-          </a:prstGeom>
-          <a:noFill/>
-        </p:spPr>
+        <p:spPr/>
         <p:txBody>
-          <a:bodyPr wrap="square">
-            <a:spAutoFit/>
-          </a:bodyPr>
+          <a:bodyPr/>
           <a:lstStyle/>
           <a:p>
             <a:r>
-              <a:rPr lang="en-PH" sz="2400" dirty="0">
-                <a:latin typeface="Oswald" pitchFamily="2" charset="0"/>
-              </a:rPr>
-              <a:t>Book: </a:t>
-            </a:r>
-            <a:r>
-              <a:rPr lang="en-PH" sz="2400" dirty="0">
-                <a:latin typeface="Oswald" pitchFamily="2" charset="0"/>
-                <a:hlinkClick r:id="rId3"/>
-              </a:rPr>
-              <a:t>https://pages.cs.wisc.edu/~remzi/OSTEP/</a:t>
-            </a:r>
-            <a:endParaRPr lang="en-PH" sz="2400" dirty="0">
-              <a:latin typeface="Oswald" pitchFamily="2" charset="0"/>
-            </a:endParaRPr>
-          </a:p>
-          <a:p>
-            <a:endParaRPr lang="en-PH" sz="2400" dirty="0">
-              <a:latin typeface="Oswald" pitchFamily="2" charset="0"/>
-            </a:endParaRPr>
-          </a:p>
-          <a:p>
-            <a:r>
-              <a:rPr lang="en-PH" sz="2400" dirty="0">
-                <a:latin typeface="Oswald" pitchFamily="2" charset="0"/>
-              </a:rPr>
-              <a:t>Slides Template: </a:t>
-            </a:r>
-          </a:p>
-          <a:p>
-            <a:r>
-              <a:rPr lang="en-PH" sz="2400" dirty="0">
-                <a:latin typeface="Oswald" pitchFamily="2" charset="0"/>
-                <a:hlinkClick r:id="rId4"/>
-              </a:rPr>
-              <a:t>https://pages.cs.wisc.edu/~remzi/OSTEP/Educators-Slides/Youjip/</a:t>
-            </a:r>
-            <a:r>
-              <a:rPr lang="en-PH" sz="2400" b="1" dirty="0">
-                <a:latin typeface="Oswald" pitchFamily="2" charset="0"/>
-              </a:rPr>
-              <a:t> </a:t>
-            </a:r>
-            <a:endParaRPr lang="en-PH" sz="2400" dirty="0">
-              <a:latin typeface="Oswald" pitchFamily="2" charset="0"/>
-            </a:endParaRPr>
+              <a:rPr lang="en-US" altLang="ko-KR" dirty="0"/>
+              <a:t>Let’s relax assumption 5: The scheduler now </a:t>
+            </a:r>
+            <a:r>
+              <a:rPr lang="en-US" altLang="ko-KR" b="1" dirty="0"/>
+              <a:t>does not know the run-time</a:t>
+            </a:r>
+            <a:r>
+              <a:rPr lang="en-US" altLang="ko-KR" dirty="0"/>
+              <a:t> of the processes</a:t>
+            </a:r>
+          </a:p>
+          <a:p>
+            <a:r>
+              <a:rPr lang="en-US" altLang="ko-KR" dirty="0"/>
+              <a:t>More realistic but how can this be achieved?</a:t>
+            </a:r>
+          </a:p>
+          <a:p>
+            <a:endParaRPr lang="en-PH" dirty="0"/>
           </a:p>
         </p:txBody>
       </p:sp>
     </p:spTree>
     <p:extLst>
       <p:ext uri="{BB962C8B-B14F-4D97-AF65-F5344CB8AC3E}">
-        <p14:creationId xmlns:p14="http://schemas.microsoft.com/office/powerpoint/2010/main" val="3111938434"/>
+        <p14:creationId xmlns:p14="http://schemas.microsoft.com/office/powerpoint/2010/main" val="527072672"/>
       </p:ext>
     </p:extLst>
   </p:cSld>
@@ -14051,7 +17350,13 @@
       </p:grpSpPr>
       <p:sp>
         <p:nvSpPr>
-          <p:cNvPr id="2" name="제목 1"/>
+          <p:cNvPr id="3" name="Title 2">
+            <a:extLst>
+              <a:ext uri="{FF2B5EF4-FFF2-40B4-BE49-F238E27FC236}">
+                <a16:creationId xmlns:a16="http://schemas.microsoft.com/office/drawing/2014/main" id="{9D802AE2-814F-4D9A-B5AB-5D6EC153B50C}"/>
+              </a:ext>
+            </a:extLst>
+          </p:cNvPr>
           <p:cNvSpPr>
             <a:spLocks noGrp="1"/>
           </p:cNvSpPr>
@@ -14065,16 +17370,22 @@
           <a:lstStyle/>
           <a:p>
             <a:r>
-              <a:rPr lang="en-US" altLang="ko-KR" dirty="0"/>
-              <a:t>Scheduling: Introduction</a:t>
-            </a:r>
-            <a:endParaRPr lang="ko-KR" altLang="en-US" dirty="0"/>
+              <a:rPr lang="en-US" dirty="0"/>
+              <a:t>What constitutes an OS? Kernel + other components</a:t>
+            </a:r>
+            <a:endParaRPr lang="en-PH" dirty="0"/>
           </a:p>
         </p:txBody>
       </p:sp>
       <p:sp>
         <p:nvSpPr>
-          <p:cNvPr id="3" name="내용 개체 틀 2"/>
+          <p:cNvPr id="4" name="Content Placeholder 3">
+            <a:extLst>
+              <a:ext uri="{FF2B5EF4-FFF2-40B4-BE49-F238E27FC236}">
+                <a16:creationId xmlns:a16="http://schemas.microsoft.com/office/drawing/2014/main" id="{DDA13C58-F409-4531-9CF7-C95CA19744C5}"/>
+              </a:ext>
+            </a:extLst>
+          </p:cNvPr>
           <p:cNvSpPr>
             <a:spLocks noGrp="1"/>
           </p:cNvSpPr>
@@ -14088,84 +17399,193 @@
           <a:lstStyle/>
           <a:p>
             <a:r>
-              <a:rPr lang="en-US" altLang="ko-KR" dirty="0"/>
-              <a:t>Workload assumptions:</a:t>
-            </a:r>
-          </a:p>
-          <a:p>
-            <a:pPr marL="800100" lvl="1" indent="-342900">
-              <a:buFont typeface="+mj-lt"/>
-              <a:buAutoNum type="arabicPeriod"/>
-            </a:pPr>
-            <a:r>
-              <a:rPr lang="en-US" altLang="ko-KR" dirty="0"/>
-              <a:t>Each job runs for the </a:t>
-            </a:r>
-            <a:r>
-              <a:rPr lang="en-US" altLang="ko-KR" b="1" dirty="0"/>
-              <a:t>same amount of time.</a:t>
-            </a:r>
-          </a:p>
-          <a:p>
-            <a:pPr marL="800100" lvl="1" indent="-342900">
-              <a:buFont typeface="+mj-lt"/>
-              <a:buAutoNum type="arabicPeriod"/>
-            </a:pPr>
-            <a:r>
-              <a:rPr lang="en-US" altLang="ko-KR" dirty="0"/>
-              <a:t>All jobs </a:t>
-            </a:r>
-            <a:r>
-              <a:rPr lang="en-US" altLang="ko-KR" b="1" dirty="0"/>
-              <a:t>arrive </a:t>
-            </a:r>
-            <a:r>
-              <a:rPr lang="en-US" altLang="ko-KR" dirty="0"/>
-              <a:t>at the same time.</a:t>
-            </a:r>
-          </a:p>
-          <a:p>
-            <a:pPr marL="800100" lvl="1" indent="-342900">
-              <a:buFont typeface="+mj-lt"/>
-              <a:buAutoNum type="arabicPeriod"/>
-            </a:pPr>
-            <a:r>
-              <a:rPr lang="en-US" altLang="ko-KR" dirty="0"/>
-              <a:t>All jobs only use the </a:t>
-            </a:r>
-            <a:r>
-              <a:rPr lang="en-US" altLang="ko-KR" b="1" dirty="0"/>
-              <a:t>CPU </a:t>
-            </a:r>
-            <a:r>
-              <a:rPr lang="en-US" altLang="ko-KR" dirty="0"/>
-              <a:t>(i.e., they perform no I/O).</a:t>
-            </a:r>
-          </a:p>
-          <a:p>
-            <a:pPr marL="800100" lvl="1" indent="-342900">
-              <a:buFont typeface="+mj-lt"/>
-              <a:buAutoNum type="arabicPeriod"/>
-            </a:pPr>
-            <a:r>
-              <a:rPr lang="en-US" altLang="ko-KR" dirty="0"/>
-              <a:t>The </a:t>
-            </a:r>
-            <a:r>
-              <a:rPr lang="en-US" altLang="ko-KR" b="1" dirty="0"/>
-              <a:t>run-time</a:t>
-            </a:r>
-            <a:r>
-              <a:rPr lang="en-US" altLang="ko-KR" dirty="0"/>
-              <a:t> of each job is known.</a:t>
-            </a:r>
+              <a:rPr lang="en-US" dirty="0"/>
+              <a:t>A </a:t>
+            </a:r>
+            <a:r>
+              <a:rPr lang="en-US" b="1" dirty="0"/>
+              <a:t>privileged/kernel process</a:t>
+            </a:r>
+            <a:r>
+              <a:rPr lang="en-US" dirty="0"/>
+              <a:t> running in kernel mode(as controlled by the hardware)</a:t>
+            </a:r>
+          </a:p>
+          <a:p>
+            <a:r>
+              <a:rPr lang="en-US" dirty="0"/>
+              <a:t>Loaded by bootloader(GRUB or custom) at boot time</a:t>
+            </a:r>
+          </a:p>
+          <a:p>
+            <a:r>
+              <a:rPr lang="en-US" dirty="0"/>
+              <a:t>Will run until the device is turned off</a:t>
+            </a:r>
+          </a:p>
+          <a:p>
+            <a:r>
+              <a:rPr lang="en-US" dirty="0"/>
+              <a:t>Enables a </a:t>
+            </a:r>
+            <a:r>
+              <a:rPr lang="en-US" b="1" dirty="0"/>
+              <a:t>user process</a:t>
+            </a:r>
+            <a:r>
+              <a:rPr lang="en-US" dirty="0"/>
+              <a:t> to run on the CPU in a </a:t>
+            </a:r>
+            <a:r>
+              <a:rPr lang="en-US" b="1" dirty="0"/>
+              <a:t>limited direct execution</a:t>
+            </a:r>
+            <a:r>
+              <a:rPr lang="en-US" dirty="0"/>
+              <a:t> fashion via a </a:t>
+            </a:r>
+            <a:r>
+              <a:rPr lang="en-US" b="1" dirty="0"/>
+              <a:t>context switch</a:t>
+            </a:r>
+          </a:p>
+          <a:p>
+            <a:r>
+              <a:rPr lang="en-US" dirty="0"/>
+              <a:t>Performs privileged operations on behalf of user processes through </a:t>
+            </a:r>
+            <a:r>
+              <a:rPr lang="en-US" b="1" dirty="0"/>
+              <a:t>system calls</a:t>
+            </a:r>
+            <a:r>
+              <a:rPr lang="en-US" dirty="0"/>
+              <a:t> invoked via a </a:t>
+            </a:r>
+            <a:r>
+              <a:rPr lang="en-US" b="1" dirty="0"/>
+              <a:t>trap</a:t>
+            </a:r>
+            <a:r>
+              <a:rPr lang="en-US" dirty="0"/>
+              <a:t> instruction</a:t>
+            </a:r>
+          </a:p>
+          <a:p>
+            <a:endParaRPr lang="en-PH" dirty="0"/>
           </a:p>
         </p:txBody>
       </p:sp>
+      <p:pic>
+        <p:nvPicPr>
+          <p:cNvPr id="6" name="Picture 5" descr="Logo, company name&#10;&#10;Description automatically generated">
+            <a:extLst>
+              <a:ext uri="{FF2B5EF4-FFF2-40B4-BE49-F238E27FC236}">
+                <a16:creationId xmlns:a16="http://schemas.microsoft.com/office/drawing/2014/main" id="{73AB2C41-855A-4CB4-9AE5-C69AEBCD33E2}"/>
+              </a:ext>
+            </a:extLst>
+          </p:cNvPr>
+          <p:cNvPicPr>
+            <a:picLocks noChangeAspect="1"/>
+          </p:cNvPicPr>
+          <p:nvPr/>
+        </p:nvPicPr>
+        <p:blipFill>
+          <a:blip r:embed="rId2">
+            <a:extLst>
+              <a:ext uri="{28A0092B-C50C-407E-A947-70E740481C1C}">
+                <a14:useLocalDpi xmlns:a14="http://schemas.microsoft.com/office/drawing/2010/main" val="0"/>
+              </a:ext>
+            </a:extLst>
+          </a:blip>
+          <a:stretch>
+            <a:fillRect/>
+          </a:stretch>
+        </p:blipFill>
+        <p:spPr>
+          <a:xfrm>
+            <a:off x="1199456" y="3543046"/>
+            <a:ext cx="3864263" cy="2900707"/>
+          </a:xfrm>
+          <a:prstGeom prst="rect">
+            <a:avLst/>
+          </a:prstGeom>
+        </p:spPr>
+      </p:pic>
+      <p:sp>
+        <p:nvSpPr>
+          <p:cNvPr id="8" name="TextBox 7">
+            <a:extLst>
+              <a:ext uri="{FF2B5EF4-FFF2-40B4-BE49-F238E27FC236}">
+                <a16:creationId xmlns:a16="http://schemas.microsoft.com/office/drawing/2014/main" id="{019D6B79-B248-4CBD-AC66-452F50C27F84}"/>
+              </a:ext>
+            </a:extLst>
+          </p:cNvPr>
+          <p:cNvSpPr txBox="1"/>
+          <p:nvPr/>
+        </p:nvSpPr>
+        <p:spPr>
+          <a:xfrm>
+            <a:off x="2183399" y="6512204"/>
+            <a:ext cx="2592288" cy="276999"/>
+          </a:xfrm>
+          <a:prstGeom prst="rect">
+            <a:avLst/>
+          </a:prstGeom>
+          <a:noFill/>
+        </p:spPr>
+        <p:txBody>
+          <a:bodyPr wrap="square">
+            <a:spAutoFit/>
+          </a:bodyPr>
+          <a:lstStyle/>
+          <a:p>
+            <a:r>
+              <a:rPr lang="en-PH" sz="1200" dirty="0"/>
+              <a:t>https://www.techrepublic.com</a:t>
+            </a:r>
+          </a:p>
+        </p:txBody>
+      </p:sp>
+      <p:pic>
+        <p:nvPicPr>
+          <p:cNvPr id="10" name="Picture 9">
+            <a:extLst>
+              <a:ext uri="{FF2B5EF4-FFF2-40B4-BE49-F238E27FC236}">
+                <a16:creationId xmlns:a16="http://schemas.microsoft.com/office/drawing/2014/main" id="{046E0E70-C1B7-4ED7-AD27-77708E2965B4}"/>
+              </a:ext>
+            </a:extLst>
+          </p:cNvPr>
+          <p:cNvPicPr>
+            <a:picLocks noChangeAspect="1"/>
+          </p:cNvPicPr>
+          <p:nvPr/>
+        </p:nvPicPr>
+        <p:blipFill rotWithShape="1">
+          <a:blip r:embed="rId3">
+            <a:extLst>
+              <a:ext uri="{28A0092B-C50C-407E-A947-70E740481C1C}">
+                <a14:useLocalDpi xmlns:a14="http://schemas.microsoft.com/office/drawing/2010/main" val="0"/>
+              </a:ext>
+            </a:extLst>
+          </a:blip>
+          <a:srcRect t="3338" r="45831"/>
+          <a:stretch/>
+        </p:blipFill>
+        <p:spPr>
+          <a:xfrm>
+            <a:off x="6724069" y="3500097"/>
+            <a:ext cx="3764419" cy="3200674"/>
+          </a:xfrm>
+          <a:prstGeom prst="rect">
+            <a:avLst/>
+          </a:prstGeom>
+        </p:spPr>
+      </p:pic>
     </p:spTree>
     <p:extLst>
       <p:ext uri="{BB962C8B-B14F-4D97-AF65-F5344CB8AC3E}">
-        <p14:creationId xmlns:p14="http://schemas.microsoft.com/office/powerpoint/2010/main" val="3684781222"/>
+        <p14:creationId xmlns:p14="http://schemas.microsoft.com/office/powerpoint/2010/main" val="1669863415"/>
       </p:ext>
     </p:extLst>
   </p:cSld>
@@ -14197,6 +17617,185 @@
       </p:grpSpPr>
       <p:sp>
         <p:nvSpPr>
+          <p:cNvPr id="3" name="Title 2">
+            <a:extLst>
+              <a:ext uri="{FF2B5EF4-FFF2-40B4-BE49-F238E27FC236}">
+                <a16:creationId xmlns:a16="http://schemas.microsoft.com/office/drawing/2014/main" id="{C10C6A43-7254-41EB-8701-A3BF897A14E0}"/>
+              </a:ext>
+            </a:extLst>
+          </p:cNvPr>
+          <p:cNvSpPr>
+            <a:spLocks noGrp="1"/>
+          </p:cNvSpPr>
+          <p:nvPr>
+            <p:ph type="title"/>
+          </p:nvPr>
+        </p:nvSpPr>
+        <p:spPr/>
+        <p:txBody>
+          <a:bodyPr/>
+          <a:lstStyle/>
+          <a:p>
+            <a:r>
+              <a:rPr lang="en-PH" dirty="0"/>
+              <a:t>Developing a Scheduling Policy</a:t>
+            </a:r>
+          </a:p>
+        </p:txBody>
+      </p:sp>
+      <p:sp>
+        <p:nvSpPr>
+          <p:cNvPr id="4" name="Content Placeholder 3">
+            <a:extLst>
+              <a:ext uri="{FF2B5EF4-FFF2-40B4-BE49-F238E27FC236}">
+                <a16:creationId xmlns:a16="http://schemas.microsoft.com/office/drawing/2014/main" id="{39716443-D12F-41F8-A59D-6D8C600059AD}"/>
+              </a:ext>
+            </a:extLst>
+          </p:cNvPr>
+          <p:cNvSpPr>
+            <a:spLocks noGrp="1"/>
+          </p:cNvSpPr>
+          <p:nvPr>
+            <p:ph idx="1"/>
+          </p:nvPr>
+        </p:nvSpPr>
+        <p:spPr/>
+        <p:txBody>
+          <a:bodyPr/>
+          <a:lstStyle/>
+          <a:p>
+            <a:r>
+              <a:rPr lang="en-PH"/>
+              <a:t>How do we select which user process to run on the CPU?</a:t>
+            </a:r>
+          </a:p>
+          <a:p>
+            <a:r>
+              <a:rPr lang="en-PH"/>
+              <a:t>What are key assumptions? – about the workload, etc.</a:t>
+            </a:r>
+          </a:p>
+          <a:p>
+            <a:r>
+              <a:rPr lang="en-PH"/>
+              <a:t>What metrics are important?</a:t>
+            </a:r>
+          </a:p>
+          <a:p>
+            <a:r>
+              <a:rPr lang="en-PH"/>
+              <a:t>What are some historical approaches?</a:t>
+            </a:r>
+            <a:endParaRPr lang="en-PH" dirty="0"/>
+          </a:p>
+        </p:txBody>
+      </p:sp>
+      <p:pic>
+        <p:nvPicPr>
+          <p:cNvPr id="6" name="Picture 5">
+            <a:extLst>
+              <a:ext uri="{FF2B5EF4-FFF2-40B4-BE49-F238E27FC236}">
+                <a16:creationId xmlns:a16="http://schemas.microsoft.com/office/drawing/2014/main" id="{58AD17E1-0AC6-41FD-BC02-55EFDE63FD53}"/>
+              </a:ext>
+            </a:extLst>
+          </p:cNvPr>
+          <p:cNvPicPr>
+            <a:picLocks noChangeAspect="1"/>
+          </p:cNvPicPr>
+          <p:nvPr/>
+        </p:nvPicPr>
+        <p:blipFill>
+          <a:blip r:embed="rId2" cstate="print">
+            <a:extLst>
+              <a:ext uri="{28A0092B-C50C-407E-A947-70E740481C1C}">
+                <a14:useLocalDpi xmlns:a14="http://schemas.microsoft.com/office/drawing/2010/main" val="0"/>
+              </a:ext>
+            </a:extLst>
+          </a:blip>
+          <a:stretch>
+            <a:fillRect/>
+          </a:stretch>
+        </p:blipFill>
+        <p:spPr>
+          <a:xfrm>
+            <a:off x="6384032" y="2179861"/>
+            <a:ext cx="5040560" cy="3355704"/>
+          </a:xfrm>
+          <a:prstGeom prst="rect">
+            <a:avLst/>
+          </a:prstGeom>
+        </p:spPr>
+      </p:pic>
+      <p:sp>
+        <p:nvSpPr>
+          <p:cNvPr id="8" name="TextBox 7">
+            <a:extLst>
+              <a:ext uri="{FF2B5EF4-FFF2-40B4-BE49-F238E27FC236}">
+                <a16:creationId xmlns:a16="http://schemas.microsoft.com/office/drawing/2014/main" id="{E30103E1-5716-4FE9-A959-540393CF1416}"/>
+              </a:ext>
+            </a:extLst>
+          </p:cNvPr>
+          <p:cNvSpPr txBox="1"/>
+          <p:nvPr/>
+        </p:nvSpPr>
+        <p:spPr>
+          <a:xfrm>
+            <a:off x="7248128" y="5589240"/>
+            <a:ext cx="3528392" cy="246221"/>
+          </a:xfrm>
+          <a:prstGeom prst="rect">
+            <a:avLst/>
+          </a:prstGeom>
+          <a:noFill/>
+        </p:spPr>
+        <p:txBody>
+          <a:bodyPr wrap="square">
+            <a:spAutoFit/>
+          </a:bodyPr>
+          <a:lstStyle/>
+          <a:p>
+            <a:r>
+              <a:rPr lang="en-PH" sz="1000" dirty="0"/>
+              <a:t>https://www.jollibee.com.ph/</a:t>
+            </a:r>
+          </a:p>
+        </p:txBody>
+      </p:sp>
+    </p:spTree>
+    <p:extLst>
+      <p:ext uri="{BB962C8B-B14F-4D97-AF65-F5344CB8AC3E}">
+        <p14:creationId xmlns:p14="http://schemas.microsoft.com/office/powerpoint/2010/main" val="3655742051"/>
+      </p:ext>
+    </p:extLst>
+  </p:cSld>
+  <p:clrMapOvr>
+    <a:masterClrMapping/>
+  </p:clrMapOvr>
+  <p:transition>
+    <p:zoom/>
+  </p:transition>
+</p:sld>
+</file>
+
+<file path=ppt/slides/slide7.xml><?xml version="1.0" encoding="utf-8"?>
+<p:sld xmlns:a="http://schemas.openxmlformats.org/drawingml/2006/main" xmlns:r="http://schemas.openxmlformats.org/officeDocument/2006/relationships" xmlns:p="http://schemas.openxmlformats.org/presentationml/2006/main">
+  <p:cSld>
+    <p:spTree>
+      <p:nvGrpSpPr>
+        <p:cNvPr id="1" name=""/>
+        <p:cNvGrpSpPr/>
+        <p:nvPr/>
+      </p:nvGrpSpPr>
+      <p:grpSpPr>
+        <a:xfrm>
+          <a:off x="0" y="0"/>
+          <a:ext cx="0" cy="0"/>
+          <a:chOff x="0" y="0"/>
+          <a:chExt cx="0" cy="0"/>
+        </a:xfrm>
+      </p:grpSpPr>
+      <p:sp>
+        <p:nvSpPr>
           <p:cNvPr id="2" name="제목 1"/>
           <p:cNvSpPr>
             <a:spLocks noGrp="1"/>
@@ -14212,8 +17811,9 @@
           <a:p>
             <a:r>
               <a:rPr lang="en-US" altLang="ko-KR" dirty="0"/>
-              <a:t>Scheduling Metrics</a:t>
-            </a:r>
+              <a:t>Workload assumptions for now (simplified, unrealistic)</a:t>
+            </a:r>
+            <a:endParaRPr lang="ko-KR" altLang="en-US" dirty="0"/>
           </a:p>
         </p:txBody>
       </p:sp>
@@ -14232,6 +17832,227 @@
           <a:bodyPr/>
           <a:lstStyle/>
           <a:p>
+            <a:pPr marL="400050">
+              <a:buFont typeface="+mj-lt"/>
+              <a:buAutoNum type="arabicPeriod"/>
+            </a:pPr>
+            <a:r>
+              <a:rPr lang="en-US" altLang="ko-KR" dirty="0"/>
+              <a:t>Each process runs for the </a:t>
+            </a:r>
+            <a:r>
+              <a:rPr lang="en-US" altLang="ko-KR" b="1" dirty="0"/>
+              <a:t>same amount of time</a:t>
+            </a:r>
+          </a:p>
+          <a:p>
+            <a:pPr marL="400050">
+              <a:buFont typeface="+mj-lt"/>
+              <a:buAutoNum type="arabicPeriod"/>
+            </a:pPr>
+            <a:r>
+              <a:rPr lang="en-US" altLang="ko-KR" dirty="0"/>
+              <a:t>All processes </a:t>
+            </a:r>
+            <a:r>
+              <a:rPr lang="en-US" altLang="ko-KR" b="1" dirty="0"/>
+              <a:t>arrive </a:t>
+            </a:r>
+            <a:r>
+              <a:rPr lang="en-US" altLang="ko-KR" dirty="0"/>
+              <a:t>at the same time</a:t>
+            </a:r>
+          </a:p>
+          <a:p>
+            <a:pPr marL="400050">
+              <a:buFont typeface="+mj-lt"/>
+              <a:buAutoNum type="arabicPeriod"/>
+            </a:pPr>
+            <a:r>
+              <a:rPr lang="en-US" altLang="ko-KR" dirty="0"/>
+              <a:t>Once started, each process </a:t>
+            </a:r>
+            <a:r>
+              <a:rPr lang="en-US" altLang="ko-KR" b="1" dirty="0"/>
+              <a:t>runs to completion</a:t>
+            </a:r>
+          </a:p>
+          <a:p>
+            <a:pPr marL="400050">
+              <a:buFont typeface="+mj-lt"/>
+              <a:buAutoNum type="arabicPeriod"/>
+            </a:pPr>
+            <a:r>
+              <a:rPr lang="en-US" altLang="ko-KR" dirty="0"/>
+              <a:t>All processes only use the </a:t>
+            </a:r>
+            <a:r>
+              <a:rPr lang="en-US" altLang="ko-KR" b="1" dirty="0"/>
+              <a:t>CPU </a:t>
+            </a:r>
+            <a:r>
+              <a:rPr lang="en-US" altLang="ko-KR" dirty="0"/>
+              <a:t>(i.e., they perform no I/O)</a:t>
+            </a:r>
+          </a:p>
+          <a:p>
+            <a:pPr marL="400050">
+              <a:buFont typeface="+mj-lt"/>
+              <a:buAutoNum type="arabicPeriod"/>
+            </a:pPr>
+            <a:r>
+              <a:rPr lang="en-US" altLang="ko-KR" dirty="0"/>
+              <a:t>The </a:t>
+            </a:r>
+            <a:r>
+              <a:rPr lang="en-US" altLang="ko-KR" b="1" dirty="0"/>
+              <a:t>run-time</a:t>
+            </a:r>
+            <a:r>
+              <a:rPr lang="en-US" altLang="ko-KR" dirty="0"/>
+              <a:t> of each process is known</a:t>
+            </a:r>
+          </a:p>
+        </p:txBody>
+      </p:sp>
+      <p:sp>
+        <p:nvSpPr>
+          <p:cNvPr id="4" name="모서리가 둥근 직사각형 37">
+            <a:extLst>
+              <a:ext uri="{FF2B5EF4-FFF2-40B4-BE49-F238E27FC236}">
+                <a16:creationId xmlns:a16="http://schemas.microsoft.com/office/drawing/2014/main" id="{6360A9E7-F2F2-4547-A84E-E00FA748A9D8}"/>
+              </a:ext>
+            </a:extLst>
+          </p:cNvPr>
+          <p:cNvSpPr/>
+          <p:nvPr/>
+        </p:nvSpPr>
+        <p:spPr>
+          <a:xfrm>
+            <a:off x="3071664" y="4293096"/>
+            <a:ext cx="6192688" cy="792088"/>
+          </a:xfrm>
+          <a:prstGeom prst="roundRect">
+            <a:avLst>
+              <a:gd name="adj" fmla="val 12565"/>
+            </a:avLst>
+          </a:prstGeom>
+          <a:solidFill>
+            <a:srgbClr val="FFC000"/>
+          </a:solidFill>
+          <a:ln w="15875">
+            <a:solidFill>
+              <a:schemeClr val="accent6">
+                <a:lumMod val="50000"/>
+              </a:schemeClr>
+            </a:solidFill>
+          </a:ln>
+          <a:effectLst/>
+        </p:spPr>
+        <p:style>
+          <a:lnRef idx="3">
+            <a:schemeClr val="lt1"/>
+          </a:lnRef>
+          <a:fillRef idx="1">
+            <a:schemeClr val="accent1"/>
+          </a:fillRef>
+          <a:effectRef idx="1">
+            <a:schemeClr val="accent1"/>
+          </a:effectRef>
+          <a:fontRef idx="minor">
+            <a:schemeClr val="lt1"/>
+          </a:fontRef>
+        </p:style>
+        <p:txBody>
+          <a:bodyPr wrap="square" lIns="108000" rIns="108000" rtlCol="0" anchor="ctr">
+            <a:noAutofit/>
+          </a:bodyPr>
+          <a:lstStyle/>
+          <a:p>
+            <a:pPr algn="ctr"/>
+            <a:r>
+              <a:rPr lang="en-US" altLang="ko-KR" sz="2000" b="1" dirty="0">
+                <a:solidFill>
+                  <a:srgbClr val="C00000"/>
+                </a:solidFill>
+                <a:latin typeface="맑은 고딕" panose="020B0503020000020004" pitchFamily="50" charset="-127"/>
+                <a:ea typeface="맑은 고딕" panose="020B0503020000020004" pitchFamily="50" charset="-127"/>
+              </a:rPr>
+              <a:t>We will relax these assumptions as we go along.</a:t>
+            </a:r>
+          </a:p>
+        </p:txBody>
+      </p:sp>
+    </p:spTree>
+    <p:extLst>
+      <p:ext uri="{BB962C8B-B14F-4D97-AF65-F5344CB8AC3E}">
+        <p14:creationId xmlns:p14="http://schemas.microsoft.com/office/powerpoint/2010/main" val="3684781222"/>
+      </p:ext>
+    </p:extLst>
+  </p:cSld>
+  <p:clrMapOvr>
+    <a:masterClrMapping/>
+  </p:clrMapOvr>
+  <p:transition>
+    <p:zoom/>
+  </p:transition>
+</p:sld>
+</file>
+
+<file path=ppt/slides/slide8.xml><?xml version="1.0" encoding="utf-8"?>
+<p:sld xmlns:a="http://schemas.openxmlformats.org/drawingml/2006/main" xmlns:r="http://schemas.openxmlformats.org/officeDocument/2006/relationships" xmlns:p="http://schemas.openxmlformats.org/presentationml/2006/main">
+  <p:cSld>
+    <p:spTree>
+      <p:nvGrpSpPr>
+        <p:cNvPr id="1" name=""/>
+        <p:cNvGrpSpPr/>
+        <p:nvPr/>
+      </p:nvGrpSpPr>
+      <p:grpSpPr>
+        <a:xfrm>
+          <a:off x="0" y="0"/>
+          <a:ext cx="0" cy="0"/>
+          <a:chOff x="0" y="0"/>
+          <a:chExt cx="0" cy="0"/>
+        </a:xfrm>
+      </p:grpSpPr>
+      <p:sp>
+        <p:nvSpPr>
+          <p:cNvPr id="2" name="제목 1"/>
+          <p:cNvSpPr>
+            <a:spLocks noGrp="1"/>
+          </p:cNvSpPr>
+          <p:nvPr>
+            <p:ph type="title"/>
+          </p:nvPr>
+        </p:nvSpPr>
+        <p:spPr/>
+        <p:txBody>
+          <a:bodyPr/>
+          <a:lstStyle/>
+          <a:p>
+            <a:r>
+              <a:rPr lang="en-US" altLang="ko-KR" dirty="0"/>
+              <a:t>Scheduling Metrics (for Comparing Policies)</a:t>
+            </a:r>
+          </a:p>
+        </p:txBody>
+      </p:sp>
+      <p:sp>
+        <p:nvSpPr>
+          <p:cNvPr id="3" name="내용 개체 틀 2"/>
+          <p:cNvSpPr>
+            <a:spLocks noGrp="1"/>
+          </p:cNvSpPr>
+          <p:nvPr>
+            <p:ph idx="1"/>
+          </p:nvPr>
+        </p:nvSpPr>
+        <p:spPr/>
+        <p:txBody>
+          <a:bodyPr/>
+          <a:lstStyle/>
+          <a:p>
             <a:r>
               <a:rPr lang="en-US" altLang="ko-KR" dirty="0"/>
               <a:t>Performance metric: </a:t>
@@ -14244,7 +18065,7 @@
                   </a:schemeClr>
                 </a:solidFill>
               </a:rPr>
-              <a:t>Turnaround time</a:t>
+              <a:t>Turnaround Time</a:t>
             </a:r>
           </a:p>
           <a:p>
@@ -14255,7 +18076,7 @@
             </a:r>
             <a:r>
               <a:rPr lang="en-US" altLang="ko-KR" b="1" dirty="0"/>
-              <a:t>the job completes </a:t>
+              <a:t>the process completes </a:t>
             </a:r>
             <a:r>
               <a:rPr lang="en-US" altLang="ko-KR" dirty="0"/>
@@ -14263,11 +18084,34 @@
             </a:r>
             <a:r>
               <a:rPr lang="en-US" altLang="ko-KR" b="1" dirty="0"/>
-              <a:t>the job arrived</a:t>
+              <a:t>the process arrived</a:t>
             </a:r>
             <a:r>
               <a:rPr lang="en-US" altLang="ko-KR" dirty="0"/>
-              <a:t> in the system.</a:t>
+              <a:t> in the system</a:t>
+            </a:r>
+          </a:p>
+          <a:p>
+            <a:pPr lvl="2"/>
+            <a:r>
+              <a:rPr lang="en-US" altLang="ko-KR" u="sng" dirty="0"/>
+              <a:t>For now</a:t>
+            </a:r>
+            <a:r>
+              <a:rPr lang="en-US" altLang="ko-KR" dirty="0"/>
+              <a:t> </a:t>
+            </a:r>
+            <a:r>
+              <a:rPr lang="en-US" altLang="ko-KR" i="1" dirty="0"/>
+              <a:t>T</a:t>
+            </a:r>
+            <a:r>
+              <a:rPr lang="en-US" altLang="ko-KR" i="1" baseline="-25000" dirty="0"/>
+              <a:t>arrival</a:t>
+            </a:r>
+            <a:r>
+              <a:rPr lang="en-US" altLang="ko-KR" dirty="0"/>
+              <a:t> = 0, since we assumed that all  processes arrived at the same time</a:t>
             </a:r>
           </a:p>
           <a:p>
@@ -14280,12 +18124,24 @@
           </a:p>
           <a:p>
             <a:pPr lvl="1"/>
-            <a:endParaRPr lang="en-US" altLang="ko-KR" dirty="0"/>
-          </a:p>
-          <a:p>
             <a:r>
               <a:rPr lang="en-US" altLang="ko-KR" dirty="0"/>
-              <a:t>Another metric is </a:t>
+              <a:t>We are usually interested in the </a:t>
+            </a:r>
+            <a:r>
+              <a:rPr lang="en-US" altLang="ko-KR" i="1" u="sng" dirty="0"/>
+              <a:t>Average Turnaround Time(ATT)  </a:t>
+            </a:r>
+            <a:r>
+              <a:rPr lang="en-US" altLang="ko-KR" dirty="0"/>
+              <a:t>for a given set of processes</a:t>
+            </a:r>
+            <a:endParaRPr lang="en-US" altLang="ko-KR" i="1" dirty="0"/>
+          </a:p>
+          <a:p>
+            <a:r>
+              <a:rPr lang="en-US" altLang="ko-KR" dirty="0"/>
+              <a:t>Another metric: </a:t>
             </a:r>
             <a:r>
               <a:rPr lang="en-US" altLang="ko-KR" dirty="0">
@@ -14295,18 +18151,15 @@
                   </a:schemeClr>
                 </a:solidFill>
               </a:rPr>
-              <a:t>fairness</a:t>
-            </a:r>
+              <a:t>Fairness</a:t>
+            </a:r>
+            <a:endParaRPr lang="en-US" altLang="ko-KR" dirty="0"/>
+          </a:p>
+          <a:p>
+            <a:pPr lvl="1"/>
             <a:r>
               <a:rPr lang="en-US" altLang="ko-KR" dirty="0"/>
-              <a:t>.</a:t>
-            </a:r>
-          </a:p>
-          <a:p>
-            <a:pPr lvl="1"/>
-            <a:r>
-              <a:rPr lang="en-US" altLang="ko-KR" dirty="0"/>
-              <a:t>Performance and fairness are often at odds in scheduling.</a:t>
+              <a:t>Performance and fairness are often at odds in scheduling</a:t>
             </a:r>
           </a:p>
           <a:p>
@@ -14601,7 +18454,7 @@
 </p:sld>
 </file>
 
-<file path=ppt/slides/slide7.xml><?xml version="1.0" encoding="utf-8"?>
+<file path=ppt/slides/slide9.xml><?xml version="1.0" encoding="utf-8"?>
 <p:sld xmlns:a="http://schemas.openxmlformats.org/drawingml/2006/main" xmlns:r="http://schemas.openxmlformats.org/officeDocument/2006/relationships" xmlns:p="http://schemas.openxmlformats.org/presentationml/2006/main">
   <p:cSld>
     <p:spTree>
@@ -15971,2738 +19824,6 @@
 </p:sld>
 </file>
 
-<file path=ppt/slides/slide8.xml><?xml version="1.0" encoding="utf-8"?>
-<p:sld xmlns:a="http://schemas.openxmlformats.org/drawingml/2006/main" xmlns:r="http://schemas.openxmlformats.org/officeDocument/2006/relationships" xmlns:p="http://schemas.openxmlformats.org/presentationml/2006/main">
-  <p:cSld>
-    <p:spTree>
-      <p:nvGrpSpPr>
-        <p:cNvPr id="1" name=""/>
-        <p:cNvGrpSpPr/>
-        <p:nvPr/>
-      </p:nvGrpSpPr>
-      <p:grpSpPr>
-        <a:xfrm>
-          <a:off x="0" y="0"/>
-          <a:ext cx="0" cy="0"/>
-          <a:chOff x="0" y="0"/>
-          <a:chExt cx="0" cy="0"/>
-        </a:xfrm>
-      </p:grpSpPr>
-      <p:sp>
-        <p:nvSpPr>
-          <p:cNvPr id="2" name="제목 1"/>
-          <p:cNvSpPr>
-            <a:spLocks noGrp="1"/>
-          </p:cNvSpPr>
-          <p:nvPr>
-            <p:ph type="title"/>
-          </p:nvPr>
-        </p:nvSpPr>
-        <p:spPr/>
-        <p:txBody>
-          <a:bodyPr/>
-          <a:lstStyle/>
-          <a:p>
-            <a:r>
-              <a:rPr lang="en-US" altLang="ko-KR" dirty="0"/>
-              <a:t>Why FIFO is not that great? – Convoy effect</a:t>
-            </a:r>
-            <a:endParaRPr lang="ko-KR" altLang="en-US" dirty="0"/>
-          </a:p>
-        </p:txBody>
-      </p:sp>
-      <p:sp>
-        <p:nvSpPr>
-          <p:cNvPr id="3" name="내용 개체 틀 2"/>
-          <p:cNvSpPr>
-            <a:spLocks noGrp="1"/>
-          </p:cNvSpPr>
-          <p:nvPr>
-            <p:ph idx="1"/>
-          </p:nvPr>
-        </p:nvSpPr>
-        <p:spPr/>
-        <p:txBody>
-          <a:bodyPr/>
-          <a:lstStyle/>
-          <a:p>
-            <a:r>
-              <a:rPr lang="en-US" altLang="ko-KR" dirty="0"/>
-              <a:t>Let’s relax assumption 1: Each job </a:t>
-            </a:r>
-            <a:r>
-              <a:rPr lang="en-US" altLang="ko-KR" b="1" dirty="0"/>
-              <a:t>no longer </a:t>
-            </a:r>
-            <a:r>
-              <a:rPr lang="en-US" altLang="ko-KR" dirty="0"/>
-              <a:t>runs for the same amount of time.</a:t>
-            </a:r>
-          </a:p>
-          <a:p>
-            <a:r>
-              <a:rPr lang="en-US" altLang="ko-KR" dirty="0"/>
-              <a:t>Example:</a:t>
-            </a:r>
-          </a:p>
-          <a:p>
-            <a:pPr lvl="1"/>
-            <a:r>
-              <a:rPr lang="en-US" altLang="ko-KR" dirty="0"/>
-              <a:t>A arrived just before B which arrived just before C.</a:t>
-            </a:r>
-          </a:p>
-          <a:p>
-            <a:pPr lvl="1"/>
-            <a:r>
-              <a:rPr lang="en-US" altLang="ko-KR" dirty="0"/>
-              <a:t>A runs for 100 seconds, B and C run for 10 each.</a:t>
-            </a:r>
-            <a:endParaRPr lang="ko-KR" altLang="en-US" dirty="0"/>
-          </a:p>
-          <a:p>
-            <a:pPr lvl="1"/>
-            <a:endParaRPr lang="ko-KR" altLang="en-US" dirty="0"/>
-          </a:p>
-        </p:txBody>
-      </p:sp>
-      <p:sp>
-        <p:nvSpPr>
-          <p:cNvPr id="6" name="모서리가 둥근 직사각형 5"/>
-          <p:cNvSpPr/>
-          <p:nvPr/>
-        </p:nvSpPr>
-        <p:spPr>
-          <a:xfrm>
-            <a:off x="3071664" y="5445224"/>
-            <a:ext cx="6192688" cy="792088"/>
-          </a:xfrm>
-          <a:prstGeom prst="roundRect">
-            <a:avLst>
-              <a:gd name="adj" fmla="val 12565"/>
-            </a:avLst>
-          </a:prstGeom>
-          <a:solidFill>
-            <a:srgbClr val="FFC000"/>
-          </a:solidFill>
-          <a:ln w="15875">
-            <a:solidFill>
-              <a:schemeClr val="accent6">
-                <a:lumMod val="50000"/>
-              </a:schemeClr>
-            </a:solidFill>
-          </a:ln>
-          <a:effectLst/>
-        </p:spPr>
-        <p:style>
-          <a:lnRef idx="3">
-            <a:schemeClr val="lt1"/>
-          </a:lnRef>
-          <a:fillRef idx="1">
-            <a:schemeClr val="accent1"/>
-          </a:fillRef>
-          <a:effectRef idx="1">
-            <a:schemeClr val="accent1"/>
-          </a:effectRef>
-          <a:fontRef idx="minor">
-            <a:schemeClr val="lt1"/>
-          </a:fontRef>
-        </p:style>
-        <p:txBody>
-          <a:bodyPr wrap="square" lIns="108000" rIns="108000" rtlCol="0" anchor="ctr">
-            <a:noAutofit/>
-          </a:bodyPr>
-          <a:lstStyle/>
-          <a:p>
-            <a:pPr algn="ctr"/>
-            <a:endParaRPr lang="en-US" altLang="ko-KR" sz="2000" b="1" dirty="0">
-              <a:solidFill>
-                <a:srgbClr val="FF0000"/>
-              </a:solidFill>
-              <a:latin typeface="맑은 고딕" panose="020B0503020000020004" pitchFamily="50" charset="-127"/>
-              <a:ea typeface="맑은 고딕" panose="020B0503020000020004" pitchFamily="50" charset="-127"/>
-            </a:endParaRPr>
-          </a:p>
-        </p:txBody>
-      </p:sp>
-      <p:grpSp>
-        <p:nvGrpSpPr>
-          <p:cNvPr id="32" name="그룹 31"/>
-          <p:cNvGrpSpPr/>
-          <p:nvPr/>
-        </p:nvGrpSpPr>
-        <p:grpSpPr>
-          <a:xfrm>
-            <a:off x="3770980" y="3444240"/>
-            <a:ext cx="4663184" cy="1784960"/>
-            <a:chOff x="2246980" y="3140968"/>
-            <a:chExt cx="4663184" cy="1784960"/>
-          </a:xfrm>
-        </p:grpSpPr>
-        <p:grpSp>
-          <p:nvGrpSpPr>
-            <p:cNvPr id="8" name="그룹 7"/>
-            <p:cNvGrpSpPr/>
-            <p:nvPr/>
-          </p:nvGrpSpPr>
-          <p:grpSpPr>
-            <a:xfrm>
-              <a:off x="2246980" y="4193723"/>
-              <a:ext cx="4663184" cy="732205"/>
-              <a:chOff x="2246980" y="4797152"/>
-              <a:chExt cx="4663184" cy="732205"/>
-            </a:xfrm>
-          </p:grpSpPr>
-          <p:cxnSp>
-            <p:nvCxnSpPr>
-              <p:cNvPr id="15" name="직선 연결선 14"/>
-              <p:cNvCxnSpPr/>
-              <p:nvPr/>
-            </p:nvCxnSpPr>
-            <p:spPr>
-              <a:xfrm>
-                <a:off x="2339752" y="4797152"/>
-                <a:ext cx="4320480" cy="0"/>
-              </a:xfrm>
-              <a:prstGeom prst="line">
-                <a:avLst/>
-              </a:prstGeom>
-              <a:ln w="19050">
-                <a:solidFill>
-                  <a:schemeClr val="tx1"/>
-                </a:solidFill>
-                <a:tailEnd type="none"/>
-              </a:ln>
-            </p:spPr>
-            <p:style>
-              <a:lnRef idx="1">
-                <a:schemeClr val="accent1"/>
-              </a:lnRef>
-              <a:fillRef idx="0">
-                <a:schemeClr val="accent1"/>
-              </a:fillRef>
-              <a:effectRef idx="0">
-                <a:schemeClr val="accent1"/>
-              </a:effectRef>
-              <a:fontRef idx="minor">
-                <a:schemeClr val="tx1"/>
-              </a:fontRef>
-            </p:style>
-          </p:cxnSp>
-          <p:cxnSp>
-            <p:nvCxnSpPr>
-              <p:cNvPr id="16" name="직선 연결선 15"/>
-              <p:cNvCxnSpPr/>
-              <p:nvPr/>
-            </p:nvCxnSpPr>
-            <p:spPr>
-              <a:xfrm>
-                <a:off x="2346898" y="4800733"/>
-                <a:ext cx="0" cy="98927"/>
-              </a:xfrm>
-              <a:prstGeom prst="line">
-                <a:avLst/>
-              </a:prstGeom>
-              <a:ln w="19050">
-                <a:solidFill>
-                  <a:schemeClr val="tx1"/>
-                </a:solidFill>
-                <a:tailEnd type="none"/>
-              </a:ln>
-            </p:spPr>
-            <p:style>
-              <a:lnRef idx="1">
-                <a:schemeClr val="accent1"/>
-              </a:lnRef>
-              <a:fillRef idx="0">
-                <a:schemeClr val="accent1"/>
-              </a:fillRef>
-              <a:effectRef idx="0">
-                <a:schemeClr val="accent1"/>
-              </a:effectRef>
-              <a:fontRef idx="minor">
-                <a:schemeClr val="tx1"/>
-              </a:fontRef>
-            </p:style>
-          </p:cxnSp>
-          <p:sp>
-            <p:nvSpPr>
-              <p:cNvPr id="17" name="TextBox 16"/>
-              <p:cNvSpPr txBox="1"/>
-              <p:nvPr/>
-            </p:nvSpPr>
-            <p:spPr>
-              <a:xfrm>
-                <a:off x="2246980" y="4857333"/>
-                <a:ext cx="216024" cy="276999"/>
-              </a:xfrm>
-              <a:prstGeom prst="rect">
-                <a:avLst/>
-              </a:prstGeom>
-              <a:noFill/>
-            </p:spPr>
-            <p:txBody>
-              <a:bodyPr wrap="square" rtlCol="0">
-                <a:spAutoFit/>
-              </a:bodyPr>
-              <a:lstStyle/>
-              <a:p>
-                <a:pPr algn="ctr"/>
-                <a:r>
-                  <a:rPr lang="en-US" altLang="ko-KR" sz="1200" b="1" dirty="0">
-                    <a:solidFill>
-                      <a:prstClr val="black"/>
-                    </a:solidFill>
-                    <a:latin typeface="맑은 고딕" pitchFamily="50" charset="-127"/>
-                    <a:ea typeface="맑은 고딕" pitchFamily="50" charset="-127"/>
-                  </a:rPr>
-                  <a:t>0</a:t>
-                </a:r>
-                <a:endParaRPr lang="ko-KR" altLang="en-US" sz="1200" b="1" dirty="0">
-                  <a:solidFill>
-                    <a:prstClr val="black"/>
-                  </a:solidFill>
-                  <a:latin typeface="맑은 고딕" pitchFamily="50" charset="-127"/>
-                  <a:ea typeface="맑은 고딕" pitchFamily="50" charset="-127"/>
-                </a:endParaRPr>
-              </a:p>
-            </p:txBody>
-          </p:sp>
-          <p:cxnSp>
-            <p:nvCxnSpPr>
-              <p:cNvPr id="18" name="직선 연결선 17"/>
-              <p:cNvCxnSpPr/>
-              <p:nvPr/>
-            </p:nvCxnSpPr>
-            <p:spPr>
-              <a:xfrm>
-                <a:off x="3059832" y="4797152"/>
-                <a:ext cx="0" cy="98927"/>
-              </a:xfrm>
-              <a:prstGeom prst="line">
-                <a:avLst/>
-              </a:prstGeom>
-              <a:ln w="19050">
-                <a:solidFill>
-                  <a:schemeClr val="tx1"/>
-                </a:solidFill>
-                <a:tailEnd type="none"/>
-              </a:ln>
-            </p:spPr>
-            <p:style>
-              <a:lnRef idx="1">
-                <a:schemeClr val="accent1"/>
-              </a:lnRef>
-              <a:fillRef idx="0">
-                <a:schemeClr val="accent1"/>
-              </a:fillRef>
-              <a:effectRef idx="0">
-                <a:schemeClr val="accent1"/>
-              </a:effectRef>
-              <a:fontRef idx="minor">
-                <a:schemeClr val="tx1"/>
-              </a:fontRef>
-            </p:style>
-          </p:cxnSp>
-          <p:sp>
-            <p:nvSpPr>
-              <p:cNvPr id="19" name="TextBox 18"/>
-              <p:cNvSpPr txBox="1"/>
-              <p:nvPr/>
-            </p:nvSpPr>
-            <p:spPr>
-              <a:xfrm>
-                <a:off x="2843808" y="4853752"/>
-                <a:ext cx="432048" cy="276999"/>
-              </a:xfrm>
-              <a:prstGeom prst="rect">
-                <a:avLst/>
-              </a:prstGeom>
-              <a:noFill/>
-            </p:spPr>
-            <p:txBody>
-              <a:bodyPr wrap="square" rtlCol="0">
-                <a:spAutoFit/>
-              </a:bodyPr>
-              <a:lstStyle/>
-              <a:p>
-                <a:pPr algn="ctr"/>
-                <a:r>
-                  <a:rPr lang="en-US" altLang="ko-KR" sz="1200" b="1" dirty="0">
-                    <a:solidFill>
-                      <a:prstClr val="black"/>
-                    </a:solidFill>
-                    <a:latin typeface="맑은 고딕" pitchFamily="50" charset="-127"/>
-                    <a:ea typeface="맑은 고딕" pitchFamily="50" charset="-127"/>
-                  </a:rPr>
-                  <a:t>20</a:t>
-                </a:r>
-                <a:endParaRPr lang="ko-KR" altLang="en-US" sz="1200" b="1" dirty="0">
-                  <a:solidFill>
-                    <a:prstClr val="black"/>
-                  </a:solidFill>
-                  <a:latin typeface="맑은 고딕" pitchFamily="50" charset="-127"/>
-                  <a:ea typeface="맑은 고딕" pitchFamily="50" charset="-127"/>
-                </a:endParaRPr>
-              </a:p>
-            </p:txBody>
-          </p:sp>
-          <p:cxnSp>
-            <p:nvCxnSpPr>
-              <p:cNvPr id="20" name="직선 연결선 19"/>
-              <p:cNvCxnSpPr/>
-              <p:nvPr/>
-            </p:nvCxnSpPr>
-            <p:spPr>
-              <a:xfrm>
-                <a:off x="3779912" y="4797152"/>
-                <a:ext cx="0" cy="98927"/>
-              </a:xfrm>
-              <a:prstGeom prst="line">
-                <a:avLst/>
-              </a:prstGeom>
-              <a:ln w="19050">
-                <a:solidFill>
-                  <a:schemeClr val="tx1"/>
-                </a:solidFill>
-                <a:tailEnd type="none"/>
-              </a:ln>
-            </p:spPr>
-            <p:style>
-              <a:lnRef idx="1">
-                <a:schemeClr val="accent1"/>
-              </a:lnRef>
-              <a:fillRef idx="0">
-                <a:schemeClr val="accent1"/>
-              </a:fillRef>
-              <a:effectRef idx="0">
-                <a:schemeClr val="accent1"/>
-              </a:effectRef>
-              <a:fontRef idx="minor">
-                <a:schemeClr val="tx1"/>
-              </a:fontRef>
-            </p:style>
-          </p:cxnSp>
-          <p:sp>
-            <p:nvSpPr>
-              <p:cNvPr id="21" name="TextBox 20"/>
-              <p:cNvSpPr txBox="1"/>
-              <p:nvPr/>
-            </p:nvSpPr>
-            <p:spPr>
-              <a:xfrm>
-                <a:off x="3563888" y="4853752"/>
-                <a:ext cx="432048" cy="276999"/>
-              </a:xfrm>
-              <a:prstGeom prst="rect">
-                <a:avLst/>
-              </a:prstGeom>
-              <a:noFill/>
-            </p:spPr>
-            <p:txBody>
-              <a:bodyPr wrap="square" rtlCol="0">
-                <a:spAutoFit/>
-              </a:bodyPr>
-              <a:lstStyle/>
-              <a:p>
-                <a:pPr algn="ctr"/>
-                <a:r>
-                  <a:rPr lang="en-US" altLang="ko-KR" sz="1200" b="1" dirty="0">
-                    <a:solidFill>
-                      <a:prstClr val="black"/>
-                    </a:solidFill>
-                    <a:latin typeface="맑은 고딕" pitchFamily="50" charset="-127"/>
-                    <a:ea typeface="맑은 고딕" pitchFamily="50" charset="-127"/>
-                  </a:rPr>
-                  <a:t>40</a:t>
-                </a:r>
-                <a:endParaRPr lang="ko-KR" altLang="en-US" sz="1200" b="1" dirty="0">
-                  <a:solidFill>
-                    <a:prstClr val="black"/>
-                  </a:solidFill>
-                  <a:latin typeface="맑은 고딕" pitchFamily="50" charset="-127"/>
-                  <a:ea typeface="맑은 고딕" pitchFamily="50" charset="-127"/>
-                </a:endParaRPr>
-              </a:p>
-            </p:txBody>
-          </p:sp>
-          <p:cxnSp>
-            <p:nvCxnSpPr>
-              <p:cNvPr id="22" name="직선 연결선 21"/>
-              <p:cNvCxnSpPr/>
-              <p:nvPr/>
-            </p:nvCxnSpPr>
-            <p:spPr>
-              <a:xfrm>
-                <a:off x="4499992" y="4797152"/>
-                <a:ext cx="0" cy="98927"/>
-              </a:xfrm>
-              <a:prstGeom prst="line">
-                <a:avLst/>
-              </a:prstGeom>
-              <a:ln w="19050">
-                <a:solidFill>
-                  <a:schemeClr val="tx1"/>
-                </a:solidFill>
-                <a:tailEnd type="none"/>
-              </a:ln>
-            </p:spPr>
-            <p:style>
-              <a:lnRef idx="1">
-                <a:schemeClr val="accent1"/>
-              </a:lnRef>
-              <a:fillRef idx="0">
-                <a:schemeClr val="accent1"/>
-              </a:fillRef>
-              <a:effectRef idx="0">
-                <a:schemeClr val="accent1"/>
-              </a:effectRef>
-              <a:fontRef idx="minor">
-                <a:schemeClr val="tx1"/>
-              </a:fontRef>
-            </p:style>
-          </p:cxnSp>
-          <p:sp>
-            <p:nvSpPr>
-              <p:cNvPr id="23" name="TextBox 22"/>
-              <p:cNvSpPr txBox="1"/>
-              <p:nvPr/>
-            </p:nvSpPr>
-            <p:spPr>
-              <a:xfrm>
-                <a:off x="4283968" y="4853752"/>
-                <a:ext cx="432048" cy="276999"/>
-              </a:xfrm>
-              <a:prstGeom prst="rect">
-                <a:avLst/>
-              </a:prstGeom>
-              <a:noFill/>
-            </p:spPr>
-            <p:txBody>
-              <a:bodyPr wrap="square" rtlCol="0">
-                <a:spAutoFit/>
-              </a:bodyPr>
-              <a:lstStyle/>
-              <a:p>
-                <a:pPr algn="ctr"/>
-                <a:r>
-                  <a:rPr lang="en-US" altLang="ko-KR" sz="1200" b="1" dirty="0">
-                    <a:solidFill>
-                      <a:prstClr val="black"/>
-                    </a:solidFill>
-                    <a:latin typeface="맑은 고딕" pitchFamily="50" charset="-127"/>
-                    <a:ea typeface="맑은 고딕" pitchFamily="50" charset="-127"/>
-                  </a:rPr>
-                  <a:t>60</a:t>
-                </a:r>
-                <a:endParaRPr lang="ko-KR" altLang="en-US" sz="1200" b="1" dirty="0">
-                  <a:solidFill>
-                    <a:prstClr val="black"/>
-                  </a:solidFill>
-                  <a:latin typeface="맑은 고딕" pitchFamily="50" charset="-127"/>
-                  <a:ea typeface="맑은 고딕" pitchFamily="50" charset="-127"/>
-                </a:endParaRPr>
-              </a:p>
-            </p:txBody>
-          </p:sp>
-          <p:cxnSp>
-            <p:nvCxnSpPr>
-              <p:cNvPr id="24" name="직선 연결선 23"/>
-              <p:cNvCxnSpPr/>
-              <p:nvPr/>
-            </p:nvCxnSpPr>
-            <p:spPr>
-              <a:xfrm>
-                <a:off x="5220072" y="4797152"/>
-                <a:ext cx="0" cy="98927"/>
-              </a:xfrm>
-              <a:prstGeom prst="line">
-                <a:avLst/>
-              </a:prstGeom>
-              <a:ln w="19050">
-                <a:solidFill>
-                  <a:schemeClr val="tx1"/>
-                </a:solidFill>
-                <a:tailEnd type="none"/>
-              </a:ln>
-            </p:spPr>
-            <p:style>
-              <a:lnRef idx="1">
-                <a:schemeClr val="accent1"/>
-              </a:lnRef>
-              <a:fillRef idx="0">
-                <a:schemeClr val="accent1"/>
-              </a:fillRef>
-              <a:effectRef idx="0">
-                <a:schemeClr val="accent1"/>
-              </a:effectRef>
-              <a:fontRef idx="minor">
-                <a:schemeClr val="tx1"/>
-              </a:fontRef>
-            </p:style>
-          </p:cxnSp>
-          <p:sp>
-            <p:nvSpPr>
-              <p:cNvPr id="25" name="TextBox 24"/>
-              <p:cNvSpPr txBox="1"/>
-              <p:nvPr/>
-            </p:nvSpPr>
-            <p:spPr>
-              <a:xfrm>
-                <a:off x="5004048" y="4853752"/>
-                <a:ext cx="432048" cy="276999"/>
-              </a:xfrm>
-              <a:prstGeom prst="rect">
-                <a:avLst/>
-              </a:prstGeom>
-              <a:noFill/>
-            </p:spPr>
-            <p:txBody>
-              <a:bodyPr wrap="square" rtlCol="0">
-                <a:spAutoFit/>
-              </a:bodyPr>
-              <a:lstStyle/>
-              <a:p>
-                <a:pPr algn="ctr"/>
-                <a:r>
-                  <a:rPr lang="en-US" altLang="ko-KR" sz="1200" b="1" dirty="0">
-                    <a:solidFill>
-                      <a:prstClr val="black"/>
-                    </a:solidFill>
-                    <a:latin typeface="맑은 고딕" pitchFamily="50" charset="-127"/>
-                    <a:ea typeface="맑은 고딕" pitchFamily="50" charset="-127"/>
-                  </a:rPr>
-                  <a:t>80</a:t>
-                </a:r>
-                <a:endParaRPr lang="ko-KR" altLang="en-US" sz="1200" b="1" dirty="0">
-                  <a:solidFill>
-                    <a:prstClr val="black"/>
-                  </a:solidFill>
-                  <a:latin typeface="맑은 고딕" pitchFamily="50" charset="-127"/>
-                  <a:ea typeface="맑은 고딕" pitchFamily="50" charset="-127"/>
-                </a:endParaRPr>
-              </a:p>
-            </p:txBody>
-          </p:sp>
-          <p:cxnSp>
-            <p:nvCxnSpPr>
-              <p:cNvPr id="26" name="직선 연결선 25"/>
-              <p:cNvCxnSpPr/>
-              <p:nvPr/>
-            </p:nvCxnSpPr>
-            <p:spPr>
-              <a:xfrm>
-                <a:off x="5940152" y="4797152"/>
-                <a:ext cx="0" cy="98927"/>
-              </a:xfrm>
-              <a:prstGeom prst="line">
-                <a:avLst/>
-              </a:prstGeom>
-              <a:ln w="19050">
-                <a:solidFill>
-                  <a:schemeClr val="tx1"/>
-                </a:solidFill>
-                <a:tailEnd type="none"/>
-              </a:ln>
-            </p:spPr>
-            <p:style>
-              <a:lnRef idx="1">
-                <a:schemeClr val="accent1"/>
-              </a:lnRef>
-              <a:fillRef idx="0">
-                <a:schemeClr val="accent1"/>
-              </a:fillRef>
-              <a:effectRef idx="0">
-                <a:schemeClr val="accent1"/>
-              </a:effectRef>
-              <a:fontRef idx="minor">
-                <a:schemeClr val="tx1"/>
-              </a:fontRef>
-            </p:style>
-          </p:cxnSp>
-          <p:sp>
-            <p:nvSpPr>
-              <p:cNvPr id="27" name="TextBox 26"/>
-              <p:cNvSpPr txBox="1"/>
-              <p:nvPr/>
-            </p:nvSpPr>
-            <p:spPr>
-              <a:xfrm>
-                <a:off x="5693648" y="4853752"/>
-                <a:ext cx="504056" cy="276999"/>
-              </a:xfrm>
-              <a:prstGeom prst="rect">
-                <a:avLst/>
-              </a:prstGeom>
-              <a:noFill/>
-            </p:spPr>
-            <p:txBody>
-              <a:bodyPr wrap="square" rtlCol="0">
-                <a:spAutoFit/>
-              </a:bodyPr>
-              <a:lstStyle/>
-              <a:p>
-                <a:pPr algn="ctr"/>
-                <a:r>
-                  <a:rPr lang="en-US" altLang="ko-KR" sz="1200" b="1" dirty="0">
-                    <a:solidFill>
-                      <a:prstClr val="black"/>
-                    </a:solidFill>
-                    <a:latin typeface="맑은 고딕" pitchFamily="50" charset="-127"/>
-                    <a:ea typeface="맑은 고딕" pitchFamily="50" charset="-127"/>
-                  </a:rPr>
-                  <a:t>100</a:t>
-                </a:r>
-                <a:endParaRPr lang="ko-KR" altLang="en-US" sz="1200" b="1" dirty="0">
-                  <a:solidFill>
-                    <a:prstClr val="black"/>
-                  </a:solidFill>
-                  <a:latin typeface="맑은 고딕" pitchFamily="50" charset="-127"/>
-                  <a:ea typeface="맑은 고딕" pitchFamily="50" charset="-127"/>
-                </a:endParaRPr>
-              </a:p>
-            </p:txBody>
-          </p:sp>
-          <p:cxnSp>
-            <p:nvCxnSpPr>
-              <p:cNvPr id="28" name="직선 연결선 27"/>
-              <p:cNvCxnSpPr/>
-              <p:nvPr/>
-            </p:nvCxnSpPr>
-            <p:spPr>
-              <a:xfrm>
-                <a:off x="6652612" y="4797152"/>
-                <a:ext cx="0" cy="98927"/>
-              </a:xfrm>
-              <a:prstGeom prst="line">
-                <a:avLst/>
-              </a:prstGeom>
-              <a:ln w="19050">
-                <a:solidFill>
-                  <a:schemeClr val="tx1"/>
-                </a:solidFill>
-                <a:tailEnd type="none"/>
-              </a:ln>
-            </p:spPr>
-            <p:style>
-              <a:lnRef idx="1">
-                <a:schemeClr val="accent1"/>
-              </a:lnRef>
-              <a:fillRef idx="0">
-                <a:schemeClr val="accent1"/>
-              </a:fillRef>
-              <a:effectRef idx="0">
-                <a:schemeClr val="accent1"/>
-              </a:effectRef>
-              <a:fontRef idx="minor">
-                <a:schemeClr val="tx1"/>
-              </a:fontRef>
-            </p:style>
-          </p:cxnSp>
-          <p:sp>
-            <p:nvSpPr>
-              <p:cNvPr id="29" name="TextBox 28"/>
-              <p:cNvSpPr txBox="1"/>
-              <p:nvPr/>
-            </p:nvSpPr>
-            <p:spPr>
-              <a:xfrm>
-                <a:off x="6406108" y="4853752"/>
-                <a:ext cx="504056" cy="276999"/>
-              </a:xfrm>
-              <a:prstGeom prst="rect">
-                <a:avLst/>
-              </a:prstGeom>
-              <a:noFill/>
-            </p:spPr>
-            <p:txBody>
-              <a:bodyPr wrap="square" rtlCol="0">
-                <a:spAutoFit/>
-              </a:bodyPr>
-              <a:lstStyle/>
-              <a:p>
-                <a:pPr algn="ctr"/>
-                <a:r>
-                  <a:rPr lang="en-US" altLang="ko-KR" sz="1200" b="1" dirty="0">
-                    <a:solidFill>
-                      <a:prstClr val="black"/>
-                    </a:solidFill>
-                    <a:latin typeface="맑은 고딕" pitchFamily="50" charset="-127"/>
-                    <a:ea typeface="맑은 고딕" pitchFamily="50" charset="-127"/>
-                  </a:rPr>
-                  <a:t>120</a:t>
-                </a:r>
-                <a:endParaRPr lang="ko-KR" altLang="en-US" sz="1200" b="1" dirty="0">
-                  <a:solidFill>
-                    <a:prstClr val="black"/>
-                  </a:solidFill>
-                  <a:latin typeface="맑은 고딕" pitchFamily="50" charset="-127"/>
-                  <a:ea typeface="맑은 고딕" pitchFamily="50" charset="-127"/>
-                </a:endParaRPr>
-              </a:p>
-            </p:txBody>
-          </p:sp>
-          <p:sp>
-            <p:nvSpPr>
-              <p:cNvPr id="30" name="TextBox 29"/>
-              <p:cNvSpPr txBox="1"/>
-              <p:nvPr/>
-            </p:nvSpPr>
-            <p:spPr>
-              <a:xfrm>
-                <a:off x="3757052" y="5221580"/>
-                <a:ext cx="1512168" cy="307777"/>
-              </a:xfrm>
-              <a:prstGeom prst="rect">
-                <a:avLst/>
-              </a:prstGeom>
-              <a:noFill/>
-            </p:spPr>
-            <p:txBody>
-              <a:bodyPr wrap="square" rtlCol="0">
-                <a:spAutoFit/>
-              </a:bodyPr>
-              <a:lstStyle/>
-              <a:p>
-                <a:pPr algn="ctr"/>
-                <a:r>
-                  <a:rPr lang="en-US" altLang="ko-KR" sz="1400" b="1" dirty="0">
-                    <a:solidFill>
-                      <a:prstClr val="black"/>
-                    </a:solidFill>
-                    <a:latin typeface="맑은 고딕" pitchFamily="50" charset="-127"/>
-                    <a:ea typeface="맑은 고딕" pitchFamily="50" charset="-127"/>
-                  </a:rPr>
-                  <a:t>Time (Second)</a:t>
-                </a:r>
-                <a:endParaRPr lang="ko-KR" altLang="en-US" sz="1400" b="1" dirty="0">
-                  <a:solidFill>
-                    <a:prstClr val="black"/>
-                  </a:solidFill>
-                  <a:latin typeface="맑은 고딕" pitchFamily="50" charset="-127"/>
-                  <a:ea typeface="맑은 고딕" pitchFamily="50" charset="-127"/>
-                </a:endParaRPr>
-              </a:p>
-            </p:txBody>
-          </p:sp>
-        </p:grpSp>
-        <p:sp>
-          <p:nvSpPr>
-            <p:cNvPr id="9" name="직사각형 8"/>
-            <p:cNvSpPr/>
-            <p:nvPr/>
-          </p:nvSpPr>
-          <p:spPr>
-            <a:xfrm>
-              <a:off x="2339278" y="3440669"/>
-              <a:ext cx="3606398" cy="718453"/>
-            </a:xfrm>
-            <a:prstGeom prst="rect">
-              <a:avLst/>
-            </a:prstGeom>
-            <a:solidFill>
-              <a:schemeClr val="tx1"/>
-            </a:solidFill>
-            <a:ln w="9525">
-              <a:solidFill>
-                <a:schemeClr val="tx1"/>
-              </a:solidFill>
-            </a:ln>
-            <a:effectLst/>
-          </p:spPr>
-          <p:style>
-            <a:lnRef idx="3">
-              <a:schemeClr val="lt1"/>
-            </a:lnRef>
-            <a:fillRef idx="1">
-              <a:schemeClr val="accent1"/>
-            </a:fillRef>
-            <a:effectRef idx="1">
-              <a:schemeClr val="accent1"/>
-            </a:effectRef>
-            <a:fontRef idx="minor">
-              <a:schemeClr val="lt1"/>
-            </a:fontRef>
-          </p:style>
-          <p:txBody>
-            <a:bodyPr lIns="252000" rtlCol="0" anchor="ctr"/>
-            <a:lstStyle/>
-            <a:p>
-              <a:pPr algn="ctr"/>
-              <a:endParaRPr lang="ko-KR" altLang="en-US" sz="1600" dirty="0">
-                <a:solidFill>
-                  <a:srgbClr val="00B050"/>
-                </a:solidFill>
-                <a:latin typeface="Courier New" pitchFamily="49" charset="0"/>
-                <a:ea typeface="맑은 고딕" pitchFamily="50" charset="-127"/>
-                <a:cs typeface="Courier New" pitchFamily="49" charset="0"/>
-              </a:endParaRPr>
-            </a:p>
-          </p:txBody>
-        </p:sp>
-        <p:sp>
-          <p:nvSpPr>
-            <p:cNvPr id="10" name="직사각형 9"/>
-            <p:cNvSpPr/>
-            <p:nvPr/>
-          </p:nvSpPr>
-          <p:spPr>
-            <a:xfrm>
-              <a:off x="5940192" y="3440119"/>
-              <a:ext cx="360000" cy="719003"/>
-            </a:xfrm>
-            <a:prstGeom prst="rect">
-              <a:avLst/>
-            </a:prstGeom>
-            <a:pattFill prst="wdDnDiag">
-              <a:fgClr>
-                <a:schemeClr val="tx1"/>
-              </a:fgClr>
-              <a:bgClr>
-                <a:schemeClr val="bg1"/>
-              </a:bgClr>
-            </a:pattFill>
-            <a:ln w="9525">
-              <a:solidFill>
-                <a:schemeClr val="tx1"/>
-              </a:solidFill>
-            </a:ln>
-            <a:effectLst/>
-          </p:spPr>
-          <p:style>
-            <a:lnRef idx="3">
-              <a:schemeClr val="lt1"/>
-            </a:lnRef>
-            <a:fillRef idx="1">
-              <a:schemeClr val="accent1"/>
-            </a:fillRef>
-            <a:effectRef idx="1">
-              <a:schemeClr val="accent1"/>
-            </a:effectRef>
-            <a:fontRef idx="minor">
-              <a:schemeClr val="lt1"/>
-            </a:fontRef>
-          </p:style>
-          <p:txBody>
-            <a:bodyPr lIns="252000" rtlCol="0" anchor="ctr"/>
-            <a:lstStyle/>
-            <a:p>
-              <a:pPr algn="ctr"/>
-              <a:endParaRPr lang="ko-KR" altLang="en-US" sz="1600" dirty="0">
-                <a:solidFill>
-                  <a:srgbClr val="00B050"/>
-                </a:solidFill>
-                <a:latin typeface="Courier New" pitchFamily="49" charset="0"/>
-                <a:ea typeface="맑은 고딕" pitchFamily="50" charset="-127"/>
-                <a:cs typeface="Courier New" pitchFamily="49" charset="0"/>
-              </a:endParaRPr>
-            </a:p>
-          </p:txBody>
-        </p:sp>
-        <p:sp>
-          <p:nvSpPr>
-            <p:cNvPr id="11" name="직사각형 10"/>
-            <p:cNvSpPr/>
-            <p:nvPr/>
-          </p:nvSpPr>
-          <p:spPr>
-            <a:xfrm>
-              <a:off x="6300192" y="3440119"/>
-              <a:ext cx="360000" cy="719003"/>
-            </a:xfrm>
-            <a:prstGeom prst="rect">
-              <a:avLst/>
-            </a:prstGeom>
-            <a:pattFill prst="ltHorz">
-              <a:fgClr>
-                <a:schemeClr val="tx1"/>
-              </a:fgClr>
-              <a:bgClr>
-                <a:schemeClr val="bg1"/>
-              </a:bgClr>
-            </a:pattFill>
-            <a:ln w="9525">
-              <a:solidFill>
-                <a:schemeClr val="tx1"/>
-              </a:solidFill>
-            </a:ln>
-            <a:effectLst/>
-          </p:spPr>
-          <p:style>
-            <a:lnRef idx="3">
-              <a:schemeClr val="lt1"/>
-            </a:lnRef>
-            <a:fillRef idx="1">
-              <a:schemeClr val="accent1"/>
-            </a:fillRef>
-            <a:effectRef idx="1">
-              <a:schemeClr val="accent1"/>
-            </a:effectRef>
-            <a:fontRef idx="minor">
-              <a:schemeClr val="lt1"/>
-            </a:fontRef>
-          </p:style>
-          <p:txBody>
-            <a:bodyPr lIns="252000" rtlCol="0" anchor="ctr"/>
-            <a:lstStyle/>
-            <a:p>
-              <a:pPr algn="ctr"/>
-              <a:endParaRPr lang="ko-KR" altLang="en-US" sz="1600" dirty="0">
-                <a:solidFill>
-                  <a:srgbClr val="00B050"/>
-                </a:solidFill>
-                <a:latin typeface="Courier New" pitchFamily="49" charset="0"/>
-                <a:ea typeface="맑은 고딕" pitchFamily="50" charset="-127"/>
-                <a:cs typeface="Courier New" pitchFamily="49" charset="0"/>
-              </a:endParaRPr>
-            </a:p>
-          </p:txBody>
-        </p:sp>
-        <p:sp>
-          <p:nvSpPr>
-            <p:cNvPr id="12" name="TextBox 11"/>
-            <p:cNvSpPr txBox="1"/>
-            <p:nvPr/>
-          </p:nvSpPr>
-          <p:spPr>
-            <a:xfrm>
-              <a:off x="3923968" y="3140968"/>
-              <a:ext cx="360000" cy="307777"/>
-            </a:xfrm>
-            <a:prstGeom prst="rect">
-              <a:avLst/>
-            </a:prstGeom>
-            <a:noFill/>
-          </p:spPr>
-          <p:txBody>
-            <a:bodyPr wrap="square" rtlCol="0">
-              <a:spAutoFit/>
-            </a:bodyPr>
-            <a:lstStyle/>
-            <a:p>
-              <a:pPr algn="ctr"/>
-              <a:r>
-                <a:rPr lang="en-US" altLang="ko-KR" sz="1400" dirty="0">
-                  <a:solidFill>
-                    <a:prstClr val="black"/>
-                  </a:solidFill>
-                  <a:latin typeface="맑은 고딕" pitchFamily="50" charset="-127"/>
-                  <a:ea typeface="맑은 고딕" pitchFamily="50" charset="-127"/>
-                </a:rPr>
-                <a:t>A</a:t>
-              </a:r>
-              <a:endParaRPr lang="ko-KR" altLang="en-US" sz="1400" dirty="0">
-                <a:solidFill>
-                  <a:prstClr val="black"/>
-                </a:solidFill>
-                <a:latin typeface="맑은 고딕" pitchFamily="50" charset="-127"/>
-                <a:ea typeface="맑은 고딕" pitchFamily="50" charset="-127"/>
-              </a:endParaRPr>
-            </a:p>
-          </p:txBody>
-        </p:sp>
-        <p:sp>
-          <p:nvSpPr>
-            <p:cNvPr id="13" name="TextBox 12"/>
-            <p:cNvSpPr txBox="1"/>
-            <p:nvPr/>
-          </p:nvSpPr>
-          <p:spPr>
-            <a:xfrm>
-              <a:off x="5940192" y="3140968"/>
-              <a:ext cx="360000" cy="307777"/>
-            </a:xfrm>
-            <a:prstGeom prst="rect">
-              <a:avLst/>
-            </a:prstGeom>
-            <a:noFill/>
-          </p:spPr>
-          <p:txBody>
-            <a:bodyPr wrap="square" rtlCol="0">
-              <a:spAutoFit/>
-            </a:bodyPr>
-            <a:lstStyle/>
-            <a:p>
-              <a:pPr algn="ctr"/>
-              <a:r>
-                <a:rPr lang="en-US" altLang="ko-KR" sz="1400" dirty="0">
-                  <a:solidFill>
-                    <a:prstClr val="black"/>
-                  </a:solidFill>
-                  <a:latin typeface="맑은 고딕" pitchFamily="50" charset="-127"/>
-                  <a:ea typeface="맑은 고딕" pitchFamily="50" charset="-127"/>
-                </a:rPr>
-                <a:t>B</a:t>
-              </a:r>
-              <a:endParaRPr lang="ko-KR" altLang="en-US" sz="1400" dirty="0">
-                <a:solidFill>
-                  <a:prstClr val="black"/>
-                </a:solidFill>
-                <a:latin typeface="맑은 고딕" pitchFamily="50" charset="-127"/>
-                <a:ea typeface="맑은 고딕" pitchFamily="50" charset="-127"/>
-              </a:endParaRPr>
-            </a:p>
-          </p:txBody>
-        </p:sp>
-        <p:sp>
-          <p:nvSpPr>
-            <p:cNvPr id="14" name="TextBox 13"/>
-            <p:cNvSpPr txBox="1"/>
-            <p:nvPr/>
-          </p:nvSpPr>
-          <p:spPr>
-            <a:xfrm>
-              <a:off x="6300232" y="3147511"/>
-              <a:ext cx="360000" cy="307777"/>
-            </a:xfrm>
-            <a:prstGeom prst="rect">
-              <a:avLst/>
-            </a:prstGeom>
-            <a:noFill/>
-          </p:spPr>
-          <p:txBody>
-            <a:bodyPr wrap="square" rtlCol="0">
-              <a:spAutoFit/>
-            </a:bodyPr>
-            <a:lstStyle/>
-            <a:p>
-              <a:pPr algn="ctr"/>
-              <a:r>
-                <a:rPr lang="en-US" altLang="ko-KR" sz="1400" dirty="0">
-                  <a:solidFill>
-                    <a:prstClr val="black"/>
-                  </a:solidFill>
-                  <a:latin typeface="맑은 고딕" pitchFamily="50" charset="-127"/>
-                  <a:ea typeface="맑은 고딕" pitchFamily="50" charset="-127"/>
-                </a:rPr>
-                <a:t>C</a:t>
-              </a:r>
-              <a:endParaRPr lang="ko-KR" altLang="en-US" sz="1400" dirty="0">
-                <a:solidFill>
-                  <a:prstClr val="black"/>
-                </a:solidFill>
-                <a:latin typeface="맑은 고딕" pitchFamily="50" charset="-127"/>
-                <a:ea typeface="맑은 고딕" pitchFamily="50" charset="-127"/>
-              </a:endParaRPr>
-            </a:p>
-          </p:txBody>
-        </p:sp>
-      </p:grpSp>
-      <mc:AlternateContent xmlns:mc="http://schemas.openxmlformats.org/markup-compatibility/2006" xmlns:a14="http://schemas.microsoft.com/office/drawing/2010/main">
-        <mc:Choice Requires="a14">
-          <p:sp>
-            <p:nvSpPr>
-              <p:cNvPr id="31" name="TextBox 30"/>
-              <p:cNvSpPr txBox="1"/>
-              <p:nvPr/>
-            </p:nvSpPr>
-            <p:spPr>
-              <a:xfrm>
-                <a:off x="3422103" y="5552572"/>
-                <a:ext cx="5759910" cy="554960"/>
-              </a:xfrm>
-              <a:prstGeom prst="rect">
-                <a:avLst/>
-              </a:prstGeom>
-              <a:noFill/>
-            </p:spPr>
-            <p:txBody>
-              <a:bodyPr wrap="none" rtlCol="0">
-                <a:spAutoFit/>
-              </a:bodyPr>
-              <a:lstStyle/>
-              <a:p>
-                <a:pPr/>
-                <a14:m>
-                  <m:oMathPara xmlns:m="http://schemas.openxmlformats.org/officeDocument/2006/math">
-                    <m:oMathParaPr>
-                      <m:jc m:val="centerGroup"/>
-                    </m:oMathParaPr>
-                    <m:oMath xmlns:m="http://schemas.openxmlformats.org/officeDocument/2006/math">
-                      <m:r>
-                        <a:rPr lang="en-US" altLang="ko-KR" sz="1600" b="1" i="1">
-                          <a:solidFill>
-                            <a:prstClr val="black"/>
-                          </a:solidFill>
-                          <a:latin typeface="Cambria Math"/>
-                        </a:rPr>
-                        <m:t>𝑨𝒗𝒆𝒓𝒂𝒈𝒆</m:t>
-                      </m:r>
-                      <m:r>
-                        <a:rPr lang="en-US" altLang="ko-KR" sz="1600" b="1" i="1">
-                          <a:solidFill>
-                            <a:prstClr val="black"/>
-                          </a:solidFill>
-                          <a:latin typeface="Cambria Math"/>
-                        </a:rPr>
-                        <m:t> </m:t>
-                      </m:r>
-                      <m:r>
-                        <a:rPr lang="en-US" altLang="ko-KR" sz="1600" b="1" i="1">
-                          <a:solidFill>
-                            <a:prstClr val="black"/>
-                          </a:solidFill>
-                          <a:latin typeface="Cambria Math"/>
-                        </a:rPr>
-                        <m:t>𝒕𝒖𝒓𝒏𝒂𝒓𝒐𝒖𝒏𝒅</m:t>
-                      </m:r>
-                      <m:r>
-                        <a:rPr lang="en-US" altLang="ko-KR" sz="1600" b="1" i="1">
-                          <a:solidFill>
-                            <a:prstClr val="black"/>
-                          </a:solidFill>
-                          <a:latin typeface="Cambria Math"/>
-                        </a:rPr>
-                        <m:t> </m:t>
-                      </m:r>
-                      <m:r>
-                        <a:rPr lang="en-US" altLang="ko-KR" sz="1600" b="1" i="1">
-                          <a:solidFill>
-                            <a:prstClr val="black"/>
-                          </a:solidFill>
-                          <a:latin typeface="Cambria Math"/>
-                        </a:rPr>
-                        <m:t>𝒕𝒊𝒎𝒆</m:t>
-                      </m:r>
-                      <m:r>
-                        <a:rPr lang="en-US" altLang="ko-KR" sz="1600" b="1" i="1">
-                          <a:solidFill>
-                            <a:prstClr val="black"/>
-                          </a:solidFill>
-                          <a:latin typeface="Cambria Math"/>
-                        </a:rPr>
-                        <m:t>=</m:t>
-                      </m:r>
-                      <m:f>
-                        <m:fPr>
-                          <m:ctrlPr>
-                            <a:rPr lang="en-US" altLang="ko-KR" sz="1600" b="1" i="1">
-                              <a:solidFill>
-                                <a:prstClr val="black"/>
-                              </a:solidFill>
-                              <a:latin typeface="Cambria Math" panose="02040503050406030204" pitchFamily="18" charset="0"/>
-                            </a:rPr>
-                          </m:ctrlPr>
-                        </m:fPr>
-                        <m:num>
-                          <m:r>
-                            <a:rPr lang="en-US" altLang="ko-KR" sz="1600" b="1" i="1">
-                              <a:solidFill>
-                                <a:prstClr val="black"/>
-                              </a:solidFill>
-                              <a:latin typeface="Cambria Math"/>
-                            </a:rPr>
-                            <m:t>𝟏𝟎𝟎</m:t>
-                          </m:r>
-                          <m:r>
-                            <a:rPr lang="en-US" altLang="ko-KR" sz="1600" b="1" i="1">
-                              <a:solidFill>
-                                <a:prstClr val="black"/>
-                              </a:solidFill>
-                              <a:latin typeface="Cambria Math"/>
-                            </a:rPr>
-                            <m:t>+</m:t>
-                          </m:r>
-                          <m:r>
-                            <a:rPr lang="en-US" altLang="ko-KR" sz="1600" b="1" i="1">
-                              <a:solidFill>
-                                <a:prstClr val="black"/>
-                              </a:solidFill>
-                              <a:latin typeface="Cambria Math"/>
-                            </a:rPr>
-                            <m:t>𝟏𝟏𝟎</m:t>
-                          </m:r>
-                          <m:r>
-                            <a:rPr lang="en-US" altLang="ko-KR" sz="1600" b="1" i="1">
-                              <a:solidFill>
-                                <a:prstClr val="black"/>
-                              </a:solidFill>
-                              <a:latin typeface="Cambria Math"/>
-                            </a:rPr>
-                            <m:t>+</m:t>
-                          </m:r>
-                          <m:r>
-                            <a:rPr lang="en-US" altLang="ko-KR" sz="1600" b="1" i="1">
-                              <a:solidFill>
-                                <a:prstClr val="black"/>
-                              </a:solidFill>
-                              <a:latin typeface="Cambria Math"/>
-                            </a:rPr>
-                            <m:t>𝟏𝟐𝟎</m:t>
-                          </m:r>
-                        </m:num>
-                        <m:den>
-                          <m:r>
-                            <a:rPr lang="en-US" altLang="ko-KR" sz="1600" b="1" i="1">
-                              <a:solidFill>
-                                <a:prstClr val="black"/>
-                              </a:solidFill>
-                              <a:latin typeface="Cambria Math"/>
-                            </a:rPr>
-                            <m:t>𝟑</m:t>
-                          </m:r>
-                        </m:den>
-                      </m:f>
-                      <m:r>
-                        <a:rPr lang="en-US" altLang="ko-KR" sz="1600" b="1" i="1">
-                          <a:solidFill>
-                            <a:prstClr val="black"/>
-                          </a:solidFill>
-                          <a:latin typeface="Cambria Math"/>
-                        </a:rPr>
-                        <m:t>=</m:t>
-                      </m:r>
-                      <m:r>
-                        <a:rPr lang="en-US" altLang="ko-KR" sz="1600" b="1" i="1">
-                          <a:solidFill>
-                            <a:srgbClr val="FF0000"/>
-                          </a:solidFill>
-                          <a:latin typeface="Cambria Math"/>
-                        </a:rPr>
-                        <m:t>𝟏𝟏𝟎</m:t>
-                      </m:r>
-                      <m:r>
-                        <a:rPr lang="en-US" altLang="ko-KR" sz="1600" b="1" i="1">
-                          <a:solidFill>
-                            <a:prstClr val="black"/>
-                          </a:solidFill>
-                          <a:latin typeface="Cambria Math"/>
-                        </a:rPr>
-                        <m:t> </m:t>
-                      </m:r>
-                      <m:r>
-                        <a:rPr lang="en-US" altLang="ko-KR" sz="1600" b="1" i="1">
-                          <a:solidFill>
-                            <a:prstClr val="black"/>
-                          </a:solidFill>
-                          <a:latin typeface="Cambria Math"/>
-                        </a:rPr>
-                        <m:t>𝒔𝒆𝒄</m:t>
-                      </m:r>
-                    </m:oMath>
-                  </m:oMathPara>
-                </a14:m>
-                <a:endParaRPr lang="ko-KR" altLang="en-US" sz="1600" b="1" dirty="0">
-                  <a:solidFill>
-                    <a:prstClr val="black"/>
-                  </a:solidFill>
-                </a:endParaRPr>
-              </a:p>
-            </p:txBody>
-          </p:sp>
-        </mc:Choice>
-        <mc:Fallback xmlns="">
-          <p:sp>
-            <p:nvSpPr>
-              <p:cNvPr id="31" name="TextBox 30"/>
-              <p:cNvSpPr txBox="1">
-                <a:spLocks noRot="1" noChangeAspect="1" noMove="1" noResize="1" noEditPoints="1" noAdjustHandles="1" noChangeArrowheads="1" noChangeShapeType="1" noTextEdit="1"/>
-              </p:cNvSpPr>
-              <p:nvPr/>
-            </p:nvSpPr>
-            <p:spPr>
-              <a:xfrm>
-                <a:off x="3422103" y="5552572"/>
-                <a:ext cx="5759910" cy="554960"/>
-              </a:xfrm>
-              <a:prstGeom prst="rect">
-                <a:avLst/>
-              </a:prstGeom>
-              <a:blipFill>
-                <a:blip r:embed="rId2"/>
-                <a:stretch>
-                  <a:fillRect/>
-                </a:stretch>
-              </a:blipFill>
-            </p:spPr>
-            <p:txBody>
-              <a:bodyPr/>
-              <a:lstStyle/>
-              <a:p>
-                <a:r>
-                  <a:rPr lang="en-PH">
-                    <a:noFill/>
-                  </a:rPr>
-                  <a:t> </a:t>
-                </a:r>
-              </a:p>
-            </p:txBody>
-          </p:sp>
-        </mc:Fallback>
-      </mc:AlternateContent>
-    </p:spTree>
-    <p:extLst>
-      <p:ext uri="{BB962C8B-B14F-4D97-AF65-F5344CB8AC3E}">
-        <p14:creationId xmlns:p14="http://schemas.microsoft.com/office/powerpoint/2010/main" val="2726399474"/>
-      </p:ext>
-    </p:extLst>
-  </p:cSld>
-  <p:clrMapOvr>
-    <a:masterClrMapping/>
-  </p:clrMapOvr>
-  <p:transition>
-    <p:zoom/>
-  </p:transition>
-</p:sld>
-</file>
-
-<file path=ppt/slides/slide9.xml><?xml version="1.0" encoding="utf-8"?>
-<p:sld xmlns:a="http://schemas.openxmlformats.org/drawingml/2006/main" xmlns:r="http://schemas.openxmlformats.org/officeDocument/2006/relationships" xmlns:p="http://schemas.openxmlformats.org/presentationml/2006/main">
-  <p:cSld>
-    <p:spTree>
-      <p:nvGrpSpPr>
-        <p:cNvPr id="1" name=""/>
-        <p:cNvGrpSpPr/>
-        <p:nvPr/>
-      </p:nvGrpSpPr>
-      <p:grpSpPr>
-        <a:xfrm>
-          <a:off x="0" y="0"/>
-          <a:ext cx="0" cy="0"/>
-          <a:chOff x="0" y="0"/>
-          <a:chExt cx="0" cy="0"/>
-        </a:xfrm>
-      </p:grpSpPr>
-      <p:sp>
-        <p:nvSpPr>
-          <p:cNvPr id="2" name="제목 1"/>
-          <p:cNvSpPr>
-            <a:spLocks noGrp="1"/>
-          </p:cNvSpPr>
-          <p:nvPr>
-            <p:ph type="title"/>
-          </p:nvPr>
-        </p:nvSpPr>
-        <p:spPr/>
-        <p:txBody>
-          <a:bodyPr/>
-          <a:lstStyle/>
-          <a:p>
-            <a:r>
-              <a:rPr lang="en-US" altLang="ko-KR" dirty="0"/>
-              <a:t>Shortest Job First (SJF)</a:t>
-            </a:r>
-            <a:endParaRPr lang="ko-KR" altLang="en-US" dirty="0"/>
-          </a:p>
-        </p:txBody>
-      </p:sp>
-      <p:sp>
-        <p:nvSpPr>
-          <p:cNvPr id="3" name="내용 개체 틀 2"/>
-          <p:cNvSpPr>
-            <a:spLocks noGrp="1"/>
-          </p:cNvSpPr>
-          <p:nvPr>
-            <p:ph idx="1"/>
-          </p:nvPr>
-        </p:nvSpPr>
-        <p:spPr/>
-        <p:txBody>
-          <a:bodyPr/>
-          <a:lstStyle/>
-          <a:p>
-            <a:r>
-              <a:rPr lang="en-US" altLang="ko-KR" dirty="0"/>
-              <a:t>Run the shortest job first, then the next shortest, and so on</a:t>
-            </a:r>
-          </a:p>
-          <a:p>
-            <a:pPr lvl="1"/>
-            <a:r>
-              <a:rPr lang="en-US" altLang="ko-KR" dirty="0"/>
-              <a:t>Non-preemptive scheduler</a:t>
-            </a:r>
-          </a:p>
-          <a:p>
-            <a:r>
-              <a:rPr lang="en-US" altLang="ko-KR" dirty="0"/>
-              <a:t>Example:</a:t>
-            </a:r>
-          </a:p>
-          <a:p>
-            <a:pPr lvl="1"/>
-            <a:r>
-              <a:rPr lang="en-US" altLang="ko-KR" dirty="0"/>
-              <a:t>A arrived just before B which arrived just before C.</a:t>
-            </a:r>
-          </a:p>
-          <a:p>
-            <a:pPr lvl="1"/>
-            <a:r>
-              <a:rPr lang="en-US" altLang="ko-KR" dirty="0"/>
-              <a:t>A runs for 100 seconds, B and C run for 10 each.</a:t>
-            </a:r>
-          </a:p>
-          <a:p>
-            <a:endParaRPr lang="ko-KR" altLang="en-US" dirty="0"/>
-          </a:p>
-        </p:txBody>
-      </p:sp>
-      <p:sp>
-        <p:nvSpPr>
-          <p:cNvPr id="6" name="모서리가 둥근 직사각형 5"/>
-          <p:cNvSpPr/>
-          <p:nvPr/>
-        </p:nvSpPr>
-        <p:spPr>
-          <a:xfrm>
-            <a:off x="3071664" y="5445224"/>
-            <a:ext cx="6192688" cy="792088"/>
-          </a:xfrm>
-          <a:prstGeom prst="roundRect">
-            <a:avLst>
-              <a:gd name="adj" fmla="val 12565"/>
-            </a:avLst>
-          </a:prstGeom>
-          <a:solidFill>
-            <a:srgbClr val="FFC000"/>
-          </a:solidFill>
-          <a:ln w="15875">
-            <a:solidFill>
-              <a:schemeClr val="accent6">
-                <a:lumMod val="50000"/>
-              </a:schemeClr>
-            </a:solidFill>
-          </a:ln>
-          <a:effectLst/>
-        </p:spPr>
-        <p:style>
-          <a:lnRef idx="3">
-            <a:schemeClr val="lt1"/>
-          </a:lnRef>
-          <a:fillRef idx="1">
-            <a:schemeClr val="accent1"/>
-          </a:fillRef>
-          <a:effectRef idx="1">
-            <a:schemeClr val="accent1"/>
-          </a:effectRef>
-          <a:fontRef idx="minor">
-            <a:schemeClr val="lt1"/>
-          </a:fontRef>
-        </p:style>
-        <p:txBody>
-          <a:bodyPr wrap="square" lIns="108000" rIns="108000" rtlCol="0" anchor="ctr">
-            <a:noAutofit/>
-          </a:bodyPr>
-          <a:lstStyle/>
-          <a:p>
-            <a:pPr algn="ctr"/>
-            <a:endParaRPr lang="en-US" altLang="ko-KR" sz="2000" b="1" dirty="0">
-              <a:solidFill>
-                <a:srgbClr val="FF0000"/>
-              </a:solidFill>
-              <a:latin typeface="맑은 고딕" panose="020B0503020000020004" pitchFamily="50" charset="-127"/>
-              <a:ea typeface="맑은 고딕" panose="020B0503020000020004" pitchFamily="50" charset="-127"/>
-            </a:endParaRPr>
-          </a:p>
-        </p:txBody>
-      </p:sp>
-      <p:grpSp>
-        <p:nvGrpSpPr>
-          <p:cNvPr id="8" name="그룹 7"/>
-          <p:cNvGrpSpPr/>
-          <p:nvPr/>
-        </p:nvGrpSpPr>
-        <p:grpSpPr>
-          <a:xfrm>
-            <a:off x="3770980" y="4496996"/>
-            <a:ext cx="4663184" cy="732205"/>
-            <a:chOff x="2246980" y="4797152"/>
-            <a:chExt cx="4663184" cy="732205"/>
-          </a:xfrm>
-        </p:grpSpPr>
-        <p:cxnSp>
-          <p:nvCxnSpPr>
-            <p:cNvPr id="15" name="직선 연결선 14"/>
-            <p:cNvCxnSpPr/>
-            <p:nvPr/>
-          </p:nvCxnSpPr>
-          <p:spPr>
-            <a:xfrm>
-              <a:off x="2339752" y="4797152"/>
-              <a:ext cx="4320480" cy="0"/>
-            </a:xfrm>
-            <a:prstGeom prst="line">
-              <a:avLst/>
-            </a:prstGeom>
-            <a:ln w="19050">
-              <a:solidFill>
-                <a:schemeClr val="tx1"/>
-              </a:solidFill>
-              <a:tailEnd type="none"/>
-            </a:ln>
-          </p:spPr>
-          <p:style>
-            <a:lnRef idx="1">
-              <a:schemeClr val="accent1"/>
-            </a:lnRef>
-            <a:fillRef idx="0">
-              <a:schemeClr val="accent1"/>
-            </a:fillRef>
-            <a:effectRef idx="0">
-              <a:schemeClr val="accent1"/>
-            </a:effectRef>
-            <a:fontRef idx="minor">
-              <a:schemeClr val="tx1"/>
-            </a:fontRef>
-          </p:style>
-        </p:cxnSp>
-        <p:cxnSp>
-          <p:nvCxnSpPr>
-            <p:cNvPr id="16" name="직선 연결선 15"/>
-            <p:cNvCxnSpPr/>
-            <p:nvPr/>
-          </p:nvCxnSpPr>
-          <p:spPr>
-            <a:xfrm>
-              <a:off x="2346898" y="4800733"/>
-              <a:ext cx="0" cy="98927"/>
-            </a:xfrm>
-            <a:prstGeom prst="line">
-              <a:avLst/>
-            </a:prstGeom>
-            <a:ln w="19050">
-              <a:solidFill>
-                <a:schemeClr val="tx1"/>
-              </a:solidFill>
-              <a:tailEnd type="none"/>
-            </a:ln>
-          </p:spPr>
-          <p:style>
-            <a:lnRef idx="1">
-              <a:schemeClr val="accent1"/>
-            </a:lnRef>
-            <a:fillRef idx="0">
-              <a:schemeClr val="accent1"/>
-            </a:fillRef>
-            <a:effectRef idx="0">
-              <a:schemeClr val="accent1"/>
-            </a:effectRef>
-            <a:fontRef idx="minor">
-              <a:schemeClr val="tx1"/>
-            </a:fontRef>
-          </p:style>
-        </p:cxnSp>
-        <p:sp>
-          <p:nvSpPr>
-            <p:cNvPr id="17" name="TextBox 16"/>
-            <p:cNvSpPr txBox="1"/>
-            <p:nvPr/>
-          </p:nvSpPr>
-          <p:spPr>
-            <a:xfrm>
-              <a:off x="2246980" y="4857333"/>
-              <a:ext cx="216024" cy="276999"/>
-            </a:xfrm>
-            <a:prstGeom prst="rect">
-              <a:avLst/>
-            </a:prstGeom>
-            <a:noFill/>
-          </p:spPr>
-          <p:txBody>
-            <a:bodyPr wrap="square" rtlCol="0">
-              <a:spAutoFit/>
-            </a:bodyPr>
-            <a:lstStyle/>
-            <a:p>
-              <a:pPr algn="ctr"/>
-              <a:r>
-                <a:rPr lang="en-US" altLang="ko-KR" sz="1200" b="1" dirty="0">
-                  <a:solidFill>
-                    <a:prstClr val="black"/>
-                  </a:solidFill>
-                  <a:latin typeface="맑은 고딕" pitchFamily="50" charset="-127"/>
-                  <a:ea typeface="맑은 고딕" pitchFamily="50" charset="-127"/>
-                </a:rPr>
-                <a:t>0</a:t>
-              </a:r>
-              <a:endParaRPr lang="ko-KR" altLang="en-US" sz="1200" b="1" dirty="0">
-                <a:solidFill>
-                  <a:prstClr val="black"/>
-                </a:solidFill>
-                <a:latin typeface="맑은 고딕" pitchFamily="50" charset="-127"/>
-                <a:ea typeface="맑은 고딕" pitchFamily="50" charset="-127"/>
-              </a:endParaRPr>
-            </a:p>
-          </p:txBody>
-        </p:sp>
-        <p:cxnSp>
-          <p:nvCxnSpPr>
-            <p:cNvPr id="18" name="직선 연결선 17"/>
-            <p:cNvCxnSpPr/>
-            <p:nvPr/>
-          </p:nvCxnSpPr>
-          <p:spPr>
-            <a:xfrm>
-              <a:off x="3059832" y="4797152"/>
-              <a:ext cx="0" cy="98927"/>
-            </a:xfrm>
-            <a:prstGeom prst="line">
-              <a:avLst/>
-            </a:prstGeom>
-            <a:ln w="19050">
-              <a:solidFill>
-                <a:schemeClr val="tx1"/>
-              </a:solidFill>
-              <a:tailEnd type="none"/>
-            </a:ln>
-          </p:spPr>
-          <p:style>
-            <a:lnRef idx="1">
-              <a:schemeClr val="accent1"/>
-            </a:lnRef>
-            <a:fillRef idx="0">
-              <a:schemeClr val="accent1"/>
-            </a:fillRef>
-            <a:effectRef idx="0">
-              <a:schemeClr val="accent1"/>
-            </a:effectRef>
-            <a:fontRef idx="minor">
-              <a:schemeClr val="tx1"/>
-            </a:fontRef>
-          </p:style>
-        </p:cxnSp>
-        <p:sp>
-          <p:nvSpPr>
-            <p:cNvPr id="19" name="TextBox 18"/>
-            <p:cNvSpPr txBox="1"/>
-            <p:nvPr/>
-          </p:nvSpPr>
-          <p:spPr>
-            <a:xfrm>
-              <a:off x="2843808" y="4853752"/>
-              <a:ext cx="432048" cy="276999"/>
-            </a:xfrm>
-            <a:prstGeom prst="rect">
-              <a:avLst/>
-            </a:prstGeom>
-            <a:noFill/>
-          </p:spPr>
-          <p:txBody>
-            <a:bodyPr wrap="square" rtlCol="0">
-              <a:spAutoFit/>
-            </a:bodyPr>
-            <a:lstStyle/>
-            <a:p>
-              <a:pPr algn="ctr"/>
-              <a:r>
-                <a:rPr lang="en-US" altLang="ko-KR" sz="1200" b="1" dirty="0">
-                  <a:solidFill>
-                    <a:prstClr val="black"/>
-                  </a:solidFill>
-                  <a:latin typeface="맑은 고딕" pitchFamily="50" charset="-127"/>
-                  <a:ea typeface="맑은 고딕" pitchFamily="50" charset="-127"/>
-                </a:rPr>
-                <a:t>20</a:t>
-              </a:r>
-              <a:endParaRPr lang="ko-KR" altLang="en-US" sz="1200" b="1" dirty="0">
-                <a:solidFill>
-                  <a:prstClr val="black"/>
-                </a:solidFill>
-                <a:latin typeface="맑은 고딕" pitchFamily="50" charset="-127"/>
-                <a:ea typeface="맑은 고딕" pitchFamily="50" charset="-127"/>
-              </a:endParaRPr>
-            </a:p>
-          </p:txBody>
-        </p:sp>
-        <p:cxnSp>
-          <p:nvCxnSpPr>
-            <p:cNvPr id="20" name="직선 연결선 19"/>
-            <p:cNvCxnSpPr/>
-            <p:nvPr/>
-          </p:nvCxnSpPr>
-          <p:spPr>
-            <a:xfrm>
-              <a:off x="3779912" y="4797152"/>
-              <a:ext cx="0" cy="98927"/>
-            </a:xfrm>
-            <a:prstGeom prst="line">
-              <a:avLst/>
-            </a:prstGeom>
-            <a:ln w="19050">
-              <a:solidFill>
-                <a:schemeClr val="tx1"/>
-              </a:solidFill>
-              <a:tailEnd type="none"/>
-            </a:ln>
-          </p:spPr>
-          <p:style>
-            <a:lnRef idx="1">
-              <a:schemeClr val="accent1"/>
-            </a:lnRef>
-            <a:fillRef idx="0">
-              <a:schemeClr val="accent1"/>
-            </a:fillRef>
-            <a:effectRef idx="0">
-              <a:schemeClr val="accent1"/>
-            </a:effectRef>
-            <a:fontRef idx="minor">
-              <a:schemeClr val="tx1"/>
-            </a:fontRef>
-          </p:style>
-        </p:cxnSp>
-        <p:sp>
-          <p:nvSpPr>
-            <p:cNvPr id="21" name="TextBox 20"/>
-            <p:cNvSpPr txBox="1"/>
-            <p:nvPr/>
-          </p:nvSpPr>
-          <p:spPr>
-            <a:xfrm>
-              <a:off x="3563888" y="4853752"/>
-              <a:ext cx="432048" cy="276999"/>
-            </a:xfrm>
-            <a:prstGeom prst="rect">
-              <a:avLst/>
-            </a:prstGeom>
-            <a:noFill/>
-          </p:spPr>
-          <p:txBody>
-            <a:bodyPr wrap="square" rtlCol="0">
-              <a:spAutoFit/>
-            </a:bodyPr>
-            <a:lstStyle/>
-            <a:p>
-              <a:pPr algn="ctr"/>
-              <a:r>
-                <a:rPr lang="en-US" altLang="ko-KR" sz="1200" b="1" dirty="0">
-                  <a:solidFill>
-                    <a:prstClr val="black"/>
-                  </a:solidFill>
-                  <a:latin typeface="맑은 고딕" pitchFamily="50" charset="-127"/>
-                  <a:ea typeface="맑은 고딕" pitchFamily="50" charset="-127"/>
-                </a:rPr>
-                <a:t>40</a:t>
-              </a:r>
-              <a:endParaRPr lang="ko-KR" altLang="en-US" sz="1200" b="1" dirty="0">
-                <a:solidFill>
-                  <a:prstClr val="black"/>
-                </a:solidFill>
-                <a:latin typeface="맑은 고딕" pitchFamily="50" charset="-127"/>
-                <a:ea typeface="맑은 고딕" pitchFamily="50" charset="-127"/>
-              </a:endParaRPr>
-            </a:p>
-          </p:txBody>
-        </p:sp>
-        <p:cxnSp>
-          <p:nvCxnSpPr>
-            <p:cNvPr id="22" name="직선 연결선 21"/>
-            <p:cNvCxnSpPr/>
-            <p:nvPr/>
-          </p:nvCxnSpPr>
-          <p:spPr>
-            <a:xfrm>
-              <a:off x="4499992" y="4797152"/>
-              <a:ext cx="0" cy="98927"/>
-            </a:xfrm>
-            <a:prstGeom prst="line">
-              <a:avLst/>
-            </a:prstGeom>
-            <a:ln w="19050">
-              <a:solidFill>
-                <a:schemeClr val="tx1"/>
-              </a:solidFill>
-              <a:tailEnd type="none"/>
-            </a:ln>
-          </p:spPr>
-          <p:style>
-            <a:lnRef idx="1">
-              <a:schemeClr val="accent1"/>
-            </a:lnRef>
-            <a:fillRef idx="0">
-              <a:schemeClr val="accent1"/>
-            </a:fillRef>
-            <a:effectRef idx="0">
-              <a:schemeClr val="accent1"/>
-            </a:effectRef>
-            <a:fontRef idx="minor">
-              <a:schemeClr val="tx1"/>
-            </a:fontRef>
-          </p:style>
-        </p:cxnSp>
-        <p:sp>
-          <p:nvSpPr>
-            <p:cNvPr id="23" name="TextBox 22"/>
-            <p:cNvSpPr txBox="1"/>
-            <p:nvPr/>
-          </p:nvSpPr>
-          <p:spPr>
-            <a:xfrm>
-              <a:off x="4283968" y="4853752"/>
-              <a:ext cx="432048" cy="276999"/>
-            </a:xfrm>
-            <a:prstGeom prst="rect">
-              <a:avLst/>
-            </a:prstGeom>
-            <a:noFill/>
-          </p:spPr>
-          <p:txBody>
-            <a:bodyPr wrap="square" rtlCol="0">
-              <a:spAutoFit/>
-            </a:bodyPr>
-            <a:lstStyle/>
-            <a:p>
-              <a:pPr algn="ctr"/>
-              <a:r>
-                <a:rPr lang="en-US" altLang="ko-KR" sz="1200" b="1" dirty="0">
-                  <a:solidFill>
-                    <a:prstClr val="black"/>
-                  </a:solidFill>
-                  <a:latin typeface="맑은 고딕" pitchFamily="50" charset="-127"/>
-                  <a:ea typeface="맑은 고딕" pitchFamily="50" charset="-127"/>
-                </a:rPr>
-                <a:t>60</a:t>
-              </a:r>
-              <a:endParaRPr lang="ko-KR" altLang="en-US" sz="1200" b="1" dirty="0">
-                <a:solidFill>
-                  <a:prstClr val="black"/>
-                </a:solidFill>
-                <a:latin typeface="맑은 고딕" pitchFamily="50" charset="-127"/>
-                <a:ea typeface="맑은 고딕" pitchFamily="50" charset="-127"/>
-              </a:endParaRPr>
-            </a:p>
-          </p:txBody>
-        </p:sp>
-        <p:cxnSp>
-          <p:nvCxnSpPr>
-            <p:cNvPr id="24" name="직선 연결선 23"/>
-            <p:cNvCxnSpPr/>
-            <p:nvPr/>
-          </p:nvCxnSpPr>
-          <p:spPr>
-            <a:xfrm>
-              <a:off x="5220072" y="4797152"/>
-              <a:ext cx="0" cy="98927"/>
-            </a:xfrm>
-            <a:prstGeom prst="line">
-              <a:avLst/>
-            </a:prstGeom>
-            <a:ln w="19050">
-              <a:solidFill>
-                <a:schemeClr val="tx1"/>
-              </a:solidFill>
-              <a:tailEnd type="none"/>
-            </a:ln>
-          </p:spPr>
-          <p:style>
-            <a:lnRef idx="1">
-              <a:schemeClr val="accent1"/>
-            </a:lnRef>
-            <a:fillRef idx="0">
-              <a:schemeClr val="accent1"/>
-            </a:fillRef>
-            <a:effectRef idx="0">
-              <a:schemeClr val="accent1"/>
-            </a:effectRef>
-            <a:fontRef idx="minor">
-              <a:schemeClr val="tx1"/>
-            </a:fontRef>
-          </p:style>
-        </p:cxnSp>
-        <p:sp>
-          <p:nvSpPr>
-            <p:cNvPr id="25" name="TextBox 24"/>
-            <p:cNvSpPr txBox="1"/>
-            <p:nvPr/>
-          </p:nvSpPr>
-          <p:spPr>
-            <a:xfrm>
-              <a:off x="5004048" y="4853752"/>
-              <a:ext cx="432048" cy="276999"/>
-            </a:xfrm>
-            <a:prstGeom prst="rect">
-              <a:avLst/>
-            </a:prstGeom>
-            <a:noFill/>
-          </p:spPr>
-          <p:txBody>
-            <a:bodyPr wrap="square" rtlCol="0">
-              <a:spAutoFit/>
-            </a:bodyPr>
-            <a:lstStyle/>
-            <a:p>
-              <a:pPr algn="ctr"/>
-              <a:r>
-                <a:rPr lang="en-US" altLang="ko-KR" sz="1200" b="1" dirty="0">
-                  <a:solidFill>
-                    <a:prstClr val="black"/>
-                  </a:solidFill>
-                  <a:latin typeface="맑은 고딕" pitchFamily="50" charset="-127"/>
-                  <a:ea typeface="맑은 고딕" pitchFamily="50" charset="-127"/>
-                </a:rPr>
-                <a:t>80</a:t>
-              </a:r>
-              <a:endParaRPr lang="ko-KR" altLang="en-US" sz="1200" b="1" dirty="0">
-                <a:solidFill>
-                  <a:prstClr val="black"/>
-                </a:solidFill>
-                <a:latin typeface="맑은 고딕" pitchFamily="50" charset="-127"/>
-                <a:ea typeface="맑은 고딕" pitchFamily="50" charset="-127"/>
-              </a:endParaRPr>
-            </a:p>
-          </p:txBody>
-        </p:sp>
-        <p:cxnSp>
-          <p:nvCxnSpPr>
-            <p:cNvPr id="26" name="직선 연결선 25"/>
-            <p:cNvCxnSpPr/>
-            <p:nvPr/>
-          </p:nvCxnSpPr>
-          <p:spPr>
-            <a:xfrm>
-              <a:off x="5940152" y="4797152"/>
-              <a:ext cx="0" cy="98927"/>
-            </a:xfrm>
-            <a:prstGeom prst="line">
-              <a:avLst/>
-            </a:prstGeom>
-            <a:ln w="19050">
-              <a:solidFill>
-                <a:schemeClr val="tx1"/>
-              </a:solidFill>
-              <a:tailEnd type="none"/>
-            </a:ln>
-          </p:spPr>
-          <p:style>
-            <a:lnRef idx="1">
-              <a:schemeClr val="accent1"/>
-            </a:lnRef>
-            <a:fillRef idx="0">
-              <a:schemeClr val="accent1"/>
-            </a:fillRef>
-            <a:effectRef idx="0">
-              <a:schemeClr val="accent1"/>
-            </a:effectRef>
-            <a:fontRef idx="minor">
-              <a:schemeClr val="tx1"/>
-            </a:fontRef>
-          </p:style>
-        </p:cxnSp>
-        <p:sp>
-          <p:nvSpPr>
-            <p:cNvPr id="27" name="TextBox 26"/>
-            <p:cNvSpPr txBox="1"/>
-            <p:nvPr/>
-          </p:nvSpPr>
-          <p:spPr>
-            <a:xfrm>
-              <a:off x="5693648" y="4853752"/>
-              <a:ext cx="504056" cy="276999"/>
-            </a:xfrm>
-            <a:prstGeom prst="rect">
-              <a:avLst/>
-            </a:prstGeom>
-            <a:noFill/>
-          </p:spPr>
-          <p:txBody>
-            <a:bodyPr wrap="square" rtlCol="0">
-              <a:spAutoFit/>
-            </a:bodyPr>
-            <a:lstStyle/>
-            <a:p>
-              <a:pPr algn="ctr"/>
-              <a:r>
-                <a:rPr lang="en-US" altLang="ko-KR" sz="1200" b="1" dirty="0">
-                  <a:solidFill>
-                    <a:prstClr val="black"/>
-                  </a:solidFill>
-                  <a:latin typeface="맑은 고딕" pitchFamily="50" charset="-127"/>
-                  <a:ea typeface="맑은 고딕" pitchFamily="50" charset="-127"/>
-                </a:rPr>
-                <a:t>100</a:t>
-              </a:r>
-              <a:endParaRPr lang="ko-KR" altLang="en-US" sz="1200" b="1" dirty="0">
-                <a:solidFill>
-                  <a:prstClr val="black"/>
-                </a:solidFill>
-                <a:latin typeface="맑은 고딕" pitchFamily="50" charset="-127"/>
-                <a:ea typeface="맑은 고딕" pitchFamily="50" charset="-127"/>
-              </a:endParaRPr>
-            </a:p>
-          </p:txBody>
-        </p:sp>
-        <p:cxnSp>
-          <p:nvCxnSpPr>
-            <p:cNvPr id="28" name="직선 연결선 27"/>
-            <p:cNvCxnSpPr/>
-            <p:nvPr/>
-          </p:nvCxnSpPr>
-          <p:spPr>
-            <a:xfrm>
-              <a:off x="6652612" y="4797152"/>
-              <a:ext cx="0" cy="98927"/>
-            </a:xfrm>
-            <a:prstGeom prst="line">
-              <a:avLst/>
-            </a:prstGeom>
-            <a:ln w="19050">
-              <a:solidFill>
-                <a:schemeClr val="tx1"/>
-              </a:solidFill>
-              <a:tailEnd type="none"/>
-            </a:ln>
-          </p:spPr>
-          <p:style>
-            <a:lnRef idx="1">
-              <a:schemeClr val="accent1"/>
-            </a:lnRef>
-            <a:fillRef idx="0">
-              <a:schemeClr val="accent1"/>
-            </a:fillRef>
-            <a:effectRef idx="0">
-              <a:schemeClr val="accent1"/>
-            </a:effectRef>
-            <a:fontRef idx="minor">
-              <a:schemeClr val="tx1"/>
-            </a:fontRef>
-          </p:style>
-        </p:cxnSp>
-        <p:sp>
-          <p:nvSpPr>
-            <p:cNvPr id="29" name="TextBox 28"/>
-            <p:cNvSpPr txBox="1"/>
-            <p:nvPr/>
-          </p:nvSpPr>
-          <p:spPr>
-            <a:xfrm>
-              <a:off x="6406108" y="4853752"/>
-              <a:ext cx="504056" cy="276999"/>
-            </a:xfrm>
-            <a:prstGeom prst="rect">
-              <a:avLst/>
-            </a:prstGeom>
-            <a:noFill/>
-          </p:spPr>
-          <p:txBody>
-            <a:bodyPr wrap="square" rtlCol="0">
-              <a:spAutoFit/>
-            </a:bodyPr>
-            <a:lstStyle/>
-            <a:p>
-              <a:pPr algn="ctr"/>
-              <a:r>
-                <a:rPr lang="en-US" altLang="ko-KR" sz="1200" b="1" dirty="0">
-                  <a:solidFill>
-                    <a:prstClr val="black"/>
-                  </a:solidFill>
-                  <a:latin typeface="맑은 고딕" pitchFamily="50" charset="-127"/>
-                  <a:ea typeface="맑은 고딕" pitchFamily="50" charset="-127"/>
-                </a:rPr>
-                <a:t>120</a:t>
-              </a:r>
-              <a:endParaRPr lang="ko-KR" altLang="en-US" sz="1200" b="1" dirty="0">
-                <a:solidFill>
-                  <a:prstClr val="black"/>
-                </a:solidFill>
-                <a:latin typeface="맑은 고딕" pitchFamily="50" charset="-127"/>
-                <a:ea typeface="맑은 고딕" pitchFamily="50" charset="-127"/>
-              </a:endParaRPr>
-            </a:p>
-          </p:txBody>
-        </p:sp>
-        <p:sp>
-          <p:nvSpPr>
-            <p:cNvPr id="30" name="TextBox 29"/>
-            <p:cNvSpPr txBox="1"/>
-            <p:nvPr/>
-          </p:nvSpPr>
-          <p:spPr>
-            <a:xfrm>
-              <a:off x="3757052" y="5221580"/>
-              <a:ext cx="1512168" cy="307777"/>
-            </a:xfrm>
-            <a:prstGeom prst="rect">
-              <a:avLst/>
-            </a:prstGeom>
-            <a:noFill/>
-          </p:spPr>
-          <p:txBody>
-            <a:bodyPr wrap="square" rtlCol="0">
-              <a:spAutoFit/>
-            </a:bodyPr>
-            <a:lstStyle/>
-            <a:p>
-              <a:pPr algn="ctr"/>
-              <a:r>
-                <a:rPr lang="en-US" altLang="ko-KR" sz="1400" b="1" dirty="0">
-                  <a:solidFill>
-                    <a:prstClr val="black"/>
-                  </a:solidFill>
-                  <a:latin typeface="맑은 고딕" pitchFamily="50" charset="-127"/>
-                  <a:ea typeface="맑은 고딕" pitchFamily="50" charset="-127"/>
-                </a:rPr>
-                <a:t>Time (Second)</a:t>
-              </a:r>
-              <a:endParaRPr lang="ko-KR" altLang="en-US" sz="1400" b="1" dirty="0">
-                <a:solidFill>
-                  <a:prstClr val="black"/>
-                </a:solidFill>
-                <a:latin typeface="맑은 고딕" pitchFamily="50" charset="-127"/>
-                <a:ea typeface="맑은 고딕" pitchFamily="50" charset="-127"/>
-              </a:endParaRPr>
-            </a:p>
-          </p:txBody>
-        </p:sp>
-      </p:grpSp>
-      <p:sp>
-        <p:nvSpPr>
-          <p:cNvPr id="9" name="직사각형 8"/>
-          <p:cNvSpPr/>
-          <p:nvPr/>
-        </p:nvSpPr>
-        <p:spPr>
-          <a:xfrm>
-            <a:off x="4583832" y="3743942"/>
-            <a:ext cx="3606398" cy="718453"/>
-          </a:xfrm>
-          <a:prstGeom prst="rect">
-            <a:avLst/>
-          </a:prstGeom>
-          <a:solidFill>
-            <a:schemeClr val="tx1"/>
-          </a:solidFill>
-          <a:ln w="9525">
-            <a:solidFill>
-              <a:schemeClr val="tx1"/>
-            </a:solidFill>
-          </a:ln>
-          <a:effectLst/>
-        </p:spPr>
-        <p:style>
-          <a:lnRef idx="3">
-            <a:schemeClr val="lt1"/>
-          </a:lnRef>
-          <a:fillRef idx="1">
-            <a:schemeClr val="accent1"/>
-          </a:fillRef>
-          <a:effectRef idx="1">
-            <a:schemeClr val="accent1"/>
-          </a:effectRef>
-          <a:fontRef idx="minor">
-            <a:schemeClr val="lt1"/>
-          </a:fontRef>
-        </p:style>
-        <p:txBody>
-          <a:bodyPr lIns="252000" rtlCol="0" anchor="ctr"/>
-          <a:lstStyle/>
-          <a:p>
-            <a:pPr algn="ctr"/>
-            <a:endParaRPr lang="ko-KR" altLang="en-US" sz="1600" dirty="0">
-              <a:solidFill>
-                <a:srgbClr val="00B050"/>
-              </a:solidFill>
-              <a:latin typeface="Courier New" pitchFamily="49" charset="0"/>
-              <a:ea typeface="맑은 고딕" pitchFamily="50" charset="-127"/>
-              <a:cs typeface="Courier New" pitchFamily="49" charset="0"/>
-            </a:endParaRPr>
-          </a:p>
-        </p:txBody>
-      </p:sp>
-      <p:sp>
-        <p:nvSpPr>
-          <p:cNvPr id="10" name="직사각형 9"/>
-          <p:cNvSpPr/>
-          <p:nvPr/>
-        </p:nvSpPr>
-        <p:spPr>
-          <a:xfrm>
-            <a:off x="3863752" y="3743392"/>
-            <a:ext cx="360000" cy="719003"/>
-          </a:xfrm>
-          <a:prstGeom prst="rect">
-            <a:avLst/>
-          </a:prstGeom>
-          <a:pattFill prst="wdDnDiag">
-            <a:fgClr>
-              <a:schemeClr val="tx1"/>
-            </a:fgClr>
-            <a:bgClr>
-              <a:schemeClr val="bg1"/>
-            </a:bgClr>
-          </a:pattFill>
-          <a:ln w="9525">
-            <a:solidFill>
-              <a:schemeClr val="tx1"/>
-            </a:solidFill>
-          </a:ln>
-          <a:effectLst/>
-        </p:spPr>
-        <p:style>
-          <a:lnRef idx="3">
-            <a:schemeClr val="lt1"/>
-          </a:lnRef>
-          <a:fillRef idx="1">
-            <a:schemeClr val="accent1"/>
-          </a:fillRef>
-          <a:effectRef idx="1">
-            <a:schemeClr val="accent1"/>
-          </a:effectRef>
-          <a:fontRef idx="minor">
-            <a:schemeClr val="lt1"/>
-          </a:fontRef>
-        </p:style>
-        <p:txBody>
-          <a:bodyPr lIns="252000" rtlCol="0" anchor="ctr"/>
-          <a:lstStyle/>
-          <a:p>
-            <a:pPr algn="ctr"/>
-            <a:endParaRPr lang="ko-KR" altLang="en-US" sz="1600" dirty="0">
-              <a:solidFill>
-                <a:srgbClr val="00B050"/>
-              </a:solidFill>
-              <a:latin typeface="Courier New" pitchFamily="49" charset="0"/>
-              <a:ea typeface="맑은 고딕" pitchFamily="50" charset="-127"/>
-              <a:cs typeface="Courier New" pitchFamily="49" charset="0"/>
-            </a:endParaRPr>
-          </a:p>
-        </p:txBody>
-      </p:sp>
-      <p:sp>
-        <p:nvSpPr>
-          <p:cNvPr id="11" name="직사각형 10"/>
-          <p:cNvSpPr/>
-          <p:nvPr/>
-        </p:nvSpPr>
-        <p:spPr>
-          <a:xfrm>
-            <a:off x="4223752" y="3743392"/>
-            <a:ext cx="360000" cy="719003"/>
-          </a:xfrm>
-          <a:prstGeom prst="rect">
-            <a:avLst/>
-          </a:prstGeom>
-          <a:pattFill prst="ltHorz">
-            <a:fgClr>
-              <a:schemeClr val="tx1"/>
-            </a:fgClr>
-            <a:bgClr>
-              <a:schemeClr val="bg1"/>
-            </a:bgClr>
-          </a:pattFill>
-          <a:ln w="9525">
-            <a:solidFill>
-              <a:schemeClr val="tx1"/>
-            </a:solidFill>
-          </a:ln>
-          <a:effectLst/>
-        </p:spPr>
-        <p:style>
-          <a:lnRef idx="3">
-            <a:schemeClr val="lt1"/>
-          </a:lnRef>
-          <a:fillRef idx="1">
-            <a:schemeClr val="accent1"/>
-          </a:fillRef>
-          <a:effectRef idx="1">
-            <a:schemeClr val="accent1"/>
-          </a:effectRef>
-          <a:fontRef idx="minor">
-            <a:schemeClr val="lt1"/>
-          </a:fontRef>
-        </p:style>
-        <p:txBody>
-          <a:bodyPr lIns="252000" rtlCol="0" anchor="ctr"/>
-          <a:lstStyle/>
-          <a:p>
-            <a:pPr algn="ctr"/>
-            <a:endParaRPr lang="ko-KR" altLang="en-US" sz="1600" dirty="0">
-              <a:solidFill>
-                <a:srgbClr val="00B050"/>
-              </a:solidFill>
-              <a:latin typeface="Courier New" pitchFamily="49" charset="0"/>
-              <a:ea typeface="맑은 고딕" pitchFamily="50" charset="-127"/>
-              <a:cs typeface="Courier New" pitchFamily="49" charset="0"/>
-            </a:endParaRPr>
-          </a:p>
-        </p:txBody>
-      </p:sp>
-      <p:sp>
-        <p:nvSpPr>
-          <p:cNvPr id="12" name="TextBox 11"/>
-          <p:cNvSpPr txBox="1"/>
-          <p:nvPr/>
-        </p:nvSpPr>
-        <p:spPr>
-          <a:xfrm>
-            <a:off x="6168522" y="3444241"/>
-            <a:ext cx="360000" cy="307777"/>
-          </a:xfrm>
-          <a:prstGeom prst="rect">
-            <a:avLst/>
-          </a:prstGeom>
-          <a:noFill/>
-        </p:spPr>
-        <p:txBody>
-          <a:bodyPr wrap="square" rtlCol="0">
-            <a:spAutoFit/>
-          </a:bodyPr>
-          <a:lstStyle/>
-          <a:p>
-            <a:pPr algn="ctr"/>
-            <a:r>
-              <a:rPr lang="en-US" altLang="ko-KR" sz="1400" dirty="0">
-                <a:solidFill>
-                  <a:prstClr val="black"/>
-                </a:solidFill>
-                <a:latin typeface="맑은 고딕" pitchFamily="50" charset="-127"/>
-                <a:ea typeface="맑은 고딕" pitchFamily="50" charset="-127"/>
-              </a:rPr>
-              <a:t>A</a:t>
-            </a:r>
-            <a:endParaRPr lang="ko-KR" altLang="en-US" sz="1400" dirty="0">
-              <a:solidFill>
-                <a:prstClr val="black"/>
-              </a:solidFill>
-              <a:latin typeface="맑은 고딕" pitchFamily="50" charset="-127"/>
-              <a:ea typeface="맑은 고딕" pitchFamily="50" charset="-127"/>
-            </a:endParaRPr>
-          </a:p>
-        </p:txBody>
-      </p:sp>
-      <p:sp>
-        <p:nvSpPr>
-          <p:cNvPr id="13" name="TextBox 12"/>
-          <p:cNvSpPr txBox="1"/>
-          <p:nvPr/>
-        </p:nvSpPr>
-        <p:spPr>
-          <a:xfrm>
-            <a:off x="3863752" y="3444241"/>
-            <a:ext cx="360000" cy="307777"/>
-          </a:xfrm>
-          <a:prstGeom prst="rect">
-            <a:avLst/>
-          </a:prstGeom>
-          <a:noFill/>
-        </p:spPr>
-        <p:txBody>
-          <a:bodyPr wrap="square" rtlCol="0">
-            <a:spAutoFit/>
-          </a:bodyPr>
-          <a:lstStyle/>
-          <a:p>
-            <a:pPr algn="ctr"/>
-            <a:r>
-              <a:rPr lang="en-US" altLang="ko-KR" sz="1400" dirty="0">
-                <a:solidFill>
-                  <a:prstClr val="black"/>
-                </a:solidFill>
-                <a:latin typeface="맑은 고딕" pitchFamily="50" charset="-127"/>
-                <a:ea typeface="맑은 고딕" pitchFamily="50" charset="-127"/>
-              </a:rPr>
-              <a:t>B</a:t>
-            </a:r>
-            <a:endParaRPr lang="ko-KR" altLang="en-US" sz="1400" dirty="0">
-              <a:solidFill>
-                <a:prstClr val="black"/>
-              </a:solidFill>
-              <a:latin typeface="맑은 고딕" pitchFamily="50" charset="-127"/>
-              <a:ea typeface="맑은 고딕" pitchFamily="50" charset="-127"/>
-            </a:endParaRPr>
-          </a:p>
-        </p:txBody>
-      </p:sp>
-      <p:sp>
-        <p:nvSpPr>
-          <p:cNvPr id="14" name="TextBox 13"/>
-          <p:cNvSpPr txBox="1"/>
-          <p:nvPr/>
-        </p:nvSpPr>
-        <p:spPr>
-          <a:xfrm>
-            <a:off x="4223792" y="3450784"/>
-            <a:ext cx="360000" cy="307777"/>
-          </a:xfrm>
-          <a:prstGeom prst="rect">
-            <a:avLst/>
-          </a:prstGeom>
-          <a:noFill/>
-        </p:spPr>
-        <p:txBody>
-          <a:bodyPr wrap="square" rtlCol="0">
-            <a:spAutoFit/>
-          </a:bodyPr>
-          <a:lstStyle/>
-          <a:p>
-            <a:pPr algn="ctr"/>
-            <a:r>
-              <a:rPr lang="en-US" altLang="ko-KR" sz="1400" dirty="0">
-                <a:solidFill>
-                  <a:prstClr val="black"/>
-                </a:solidFill>
-                <a:latin typeface="맑은 고딕" pitchFamily="50" charset="-127"/>
-                <a:ea typeface="맑은 고딕" pitchFamily="50" charset="-127"/>
-              </a:rPr>
-              <a:t>C</a:t>
-            </a:r>
-            <a:endParaRPr lang="ko-KR" altLang="en-US" sz="1400" dirty="0">
-              <a:solidFill>
-                <a:prstClr val="black"/>
-              </a:solidFill>
-              <a:latin typeface="맑은 고딕" pitchFamily="50" charset="-127"/>
-              <a:ea typeface="맑은 고딕" pitchFamily="50" charset="-127"/>
-            </a:endParaRPr>
-          </a:p>
-        </p:txBody>
-      </p:sp>
-      <mc:AlternateContent xmlns:mc="http://schemas.openxmlformats.org/markup-compatibility/2006" xmlns:a14="http://schemas.microsoft.com/office/drawing/2010/main">
-        <mc:Choice Requires="a14">
-          <p:sp>
-            <p:nvSpPr>
-              <p:cNvPr id="31" name="TextBox 30"/>
-              <p:cNvSpPr txBox="1"/>
-              <p:nvPr/>
-            </p:nvSpPr>
-            <p:spPr>
-              <a:xfrm>
-                <a:off x="3422104" y="5552572"/>
-                <a:ext cx="5389617" cy="554960"/>
-              </a:xfrm>
-              <a:prstGeom prst="rect">
-                <a:avLst/>
-              </a:prstGeom>
-              <a:noFill/>
-            </p:spPr>
-            <p:txBody>
-              <a:bodyPr wrap="none" rtlCol="0">
-                <a:spAutoFit/>
-              </a:bodyPr>
-              <a:lstStyle/>
-              <a:p>
-                <a:pPr/>
-                <a14:m>
-                  <m:oMathPara xmlns:m="http://schemas.openxmlformats.org/officeDocument/2006/math">
-                    <m:oMathParaPr>
-                      <m:jc m:val="centerGroup"/>
-                    </m:oMathParaPr>
-                    <m:oMath xmlns:m="http://schemas.openxmlformats.org/officeDocument/2006/math">
-                      <m:r>
-                        <a:rPr lang="en-US" altLang="ko-KR" sz="1600" b="1" i="1">
-                          <a:solidFill>
-                            <a:prstClr val="black"/>
-                          </a:solidFill>
-                          <a:latin typeface="Cambria Math"/>
-                        </a:rPr>
-                        <m:t>𝑨𝒗𝒆𝒓𝒂𝒈𝒆</m:t>
-                      </m:r>
-                      <m:r>
-                        <a:rPr lang="en-US" altLang="ko-KR" sz="1600" b="1" i="1">
-                          <a:solidFill>
-                            <a:prstClr val="black"/>
-                          </a:solidFill>
-                          <a:latin typeface="Cambria Math"/>
-                        </a:rPr>
-                        <m:t> </m:t>
-                      </m:r>
-                      <m:r>
-                        <a:rPr lang="en-US" altLang="ko-KR" sz="1600" b="1" i="1">
-                          <a:solidFill>
-                            <a:prstClr val="black"/>
-                          </a:solidFill>
-                          <a:latin typeface="Cambria Math"/>
-                        </a:rPr>
-                        <m:t>𝒕𝒖𝒓𝒏𝒂𝒓𝒐𝒖𝒏𝒅</m:t>
-                      </m:r>
-                      <m:r>
-                        <a:rPr lang="en-US" altLang="ko-KR" sz="1600" b="1" i="1">
-                          <a:solidFill>
-                            <a:prstClr val="black"/>
-                          </a:solidFill>
-                          <a:latin typeface="Cambria Math"/>
-                        </a:rPr>
-                        <m:t> </m:t>
-                      </m:r>
-                      <m:r>
-                        <a:rPr lang="en-US" altLang="ko-KR" sz="1600" b="1" i="1">
-                          <a:solidFill>
-                            <a:prstClr val="black"/>
-                          </a:solidFill>
-                          <a:latin typeface="Cambria Math"/>
-                        </a:rPr>
-                        <m:t>𝒕𝒊𝒎𝒆</m:t>
-                      </m:r>
-                      <m:r>
-                        <a:rPr lang="en-US" altLang="ko-KR" sz="1600" b="1" i="1">
-                          <a:solidFill>
-                            <a:prstClr val="black"/>
-                          </a:solidFill>
-                          <a:latin typeface="Cambria Math"/>
-                        </a:rPr>
-                        <m:t>=</m:t>
-                      </m:r>
-                      <m:f>
-                        <m:fPr>
-                          <m:ctrlPr>
-                            <a:rPr lang="en-US" altLang="ko-KR" sz="1600" b="1" i="1">
-                              <a:solidFill>
-                                <a:prstClr val="black"/>
-                              </a:solidFill>
-                              <a:latin typeface="Cambria Math" panose="02040503050406030204" pitchFamily="18" charset="0"/>
-                            </a:rPr>
-                          </m:ctrlPr>
-                        </m:fPr>
-                        <m:num>
-                          <m:r>
-                            <a:rPr lang="en-US" altLang="ko-KR" sz="1600" b="1" i="1">
-                              <a:solidFill>
-                                <a:prstClr val="black"/>
-                              </a:solidFill>
-                              <a:latin typeface="Cambria Math"/>
-                            </a:rPr>
-                            <m:t>𝟏𝟎</m:t>
-                          </m:r>
-                          <m:r>
-                            <a:rPr lang="en-US" altLang="ko-KR" sz="1600" b="1" i="1">
-                              <a:solidFill>
-                                <a:prstClr val="black"/>
-                              </a:solidFill>
-                              <a:latin typeface="Cambria Math"/>
-                            </a:rPr>
-                            <m:t>+</m:t>
-                          </m:r>
-                          <m:r>
-                            <a:rPr lang="en-US" altLang="ko-KR" sz="1600" b="1" i="1">
-                              <a:solidFill>
-                                <a:prstClr val="black"/>
-                              </a:solidFill>
-                              <a:latin typeface="Cambria Math"/>
-                            </a:rPr>
-                            <m:t>𝟐𝟎</m:t>
-                          </m:r>
-                          <m:r>
-                            <a:rPr lang="en-US" altLang="ko-KR" sz="1600" b="1" i="1">
-                              <a:solidFill>
-                                <a:prstClr val="black"/>
-                              </a:solidFill>
-                              <a:latin typeface="Cambria Math"/>
-                            </a:rPr>
-                            <m:t>+</m:t>
-                          </m:r>
-                          <m:r>
-                            <a:rPr lang="en-US" altLang="ko-KR" sz="1600" b="1" i="1">
-                              <a:solidFill>
-                                <a:prstClr val="black"/>
-                              </a:solidFill>
-                              <a:latin typeface="Cambria Math"/>
-                            </a:rPr>
-                            <m:t>𝟏𝟐𝟎</m:t>
-                          </m:r>
-                        </m:num>
-                        <m:den>
-                          <m:r>
-                            <a:rPr lang="en-US" altLang="ko-KR" sz="1600" b="1" i="1">
-                              <a:solidFill>
-                                <a:prstClr val="black"/>
-                              </a:solidFill>
-                              <a:latin typeface="Cambria Math"/>
-                            </a:rPr>
-                            <m:t>𝟑</m:t>
-                          </m:r>
-                        </m:den>
-                      </m:f>
-                      <m:r>
-                        <a:rPr lang="en-US" altLang="ko-KR" sz="1600" b="1" i="1">
-                          <a:solidFill>
-                            <a:prstClr val="black"/>
-                          </a:solidFill>
-                          <a:latin typeface="Cambria Math"/>
-                        </a:rPr>
-                        <m:t>=</m:t>
-                      </m:r>
-                      <m:r>
-                        <a:rPr lang="en-US" altLang="ko-KR" sz="1600" b="1" i="1">
-                          <a:solidFill>
-                            <a:prstClr val="black"/>
-                          </a:solidFill>
-                          <a:latin typeface="Cambria Math"/>
-                        </a:rPr>
-                        <m:t>𝟓𝟎</m:t>
-                      </m:r>
-                      <m:r>
-                        <a:rPr lang="en-US" altLang="ko-KR" sz="1600" b="1" i="1">
-                          <a:solidFill>
-                            <a:prstClr val="black"/>
-                          </a:solidFill>
-                          <a:latin typeface="Cambria Math"/>
-                        </a:rPr>
-                        <m:t> </m:t>
-                      </m:r>
-                      <m:r>
-                        <a:rPr lang="en-US" altLang="ko-KR" sz="1600" b="1" i="1">
-                          <a:solidFill>
-                            <a:prstClr val="black"/>
-                          </a:solidFill>
-                          <a:latin typeface="Cambria Math"/>
-                        </a:rPr>
-                        <m:t>𝒔𝒆𝒄</m:t>
-                      </m:r>
-                    </m:oMath>
-                  </m:oMathPara>
-                </a14:m>
-                <a:endParaRPr lang="ko-KR" altLang="en-US" sz="1600" b="1" dirty="0">
-                  <a:solidFill>
-                    <a:prstClr val="black"/>
-                  </a:solidFill>
-                </a:endParaRPr>
-              </a:p>
-            </p:txBody>
-          </p:sp>
-        </mc:Choice>
-        <mc:Fallback xmlns="">
-          <p:sp>
-            <p:nvSpPr>
-              <p:cNvPr id="31" name="TextBox 30"/>
-              <p:cNvSpPr txBox="1">
-                <a:spLocks noRot="1" noChangeAspect="1" noMove="1" noResize="1" noEditPoints="1" noAdjustHandles="1" noChangeArrowheads="1" noChangeShapeType="1" noTextEdit="1"/>
-              </p:cNvSpPr>
-              <p:nvPr/>
-            </p:nvSpPr>
-            <p:spPr>
-              <a:xfrm>
-                <a:off x="3422104" y="5552572"/>
-                <a:ext cx="5389617" cy="554960"/>
-              </a:xfrm>
-              <a:prstGeom prst="rect">
-                <a:avLst/>
-              </a:prstGeom>
-              <a:blipFill>
-                <a:blip r:embed="rId2"/>
-                <a:stretch>
-                  <a:fillRect/>
-                </a:stretch>
-              </a:blipFill>
-            </p:spPr>
-            <p:txBody>
-              <a:bodyPr/>
-              <a:lstStyle/>
-              <a:p>
-                <a:r>
-                  <a:rPr lang="en-PH">
-                    <a:noFill/>
-                  </a:rPr>
-                  <a:t> </a:t>
-                </a:r>
-              </a:p>
-            </p:txBody>
-          </p:sp>
-        </mc:Fallback>
-      </mc:AlternateContent>
-    </p:spTree>
-    <p:extLst>
-      <p:ext uri="{BB962C8B-B14F-4D97-AF65-F5344CB8AC3E}">
-        <p14:creationId xmlns:p14="http://schemas.microsoft.com/office/powerpoint/2010/main" val="2104840897"/>
-      </p:ext>
-    </p:extLst>
-  </p:cSld>
-  <p:clrMapOvr>
-    <a:masterClrMapping/>
-  </p:clrMapOvr>
-  <p:transition>
-    <p:zoom/>
-  </p:transition>
-</p:sld>
-</file>
-
 <file path=ppt/theme/theme1.xml><?xml version="1.0" encoding="utf-8"?>
 <a:theme xmlns:a="http://schemas.openxmlformats.org/drawingml/2006/main" name="양식_공청회_발표자료-총괄-양식">
   <a:themeElements>

--- a/cmsc125/ostep/slides/01.Virtualization/07.Scheduling_Introduction.pptx
+++ b/cmsc125/ostep/slides/01.Virtualization/07.Scheduling_Introduction.pptx
@@ -259,7 +259,7 @@
           <a:p>
             <a:fld id="{050F0499-AE52-4672-879B-3107B2FC2A9F}" type="datetimeFigureOut">
               <a:rPr lang="ko-KR" altLang="en-US" smtClean="0"/>
-              <a:t>2021-08-27</a:t>
+              <a:t>2021-08-28</a:t>
             </a:fld>
             <a:endParaRPr lang="ko-KR" altLang="en-US"/>
           </a:p>
@@ -1669,7 +1669,7 @@
           <a:p>
             <a:r>
               <a:rPr lang="en-US" altLang="ko-KR" dirty="0"/>
-              <a:t>Why FIFO is not that great?</a:t>
+              <a:t>Policy #1: First In, First Out (FIFO) (Cont.)</a:t>
             </a:r>
             <a:endParaRPr lang="ko-KR" altLang="en-US" dirty="0"/>
           </a:p>
@@ -1692,6 +1692,12 @@
           <a:p>
             <a:r>
               <a:rPr lang="en-US" altLang="ko-KR" dirty="0"/>
+              <a:t>Why FIFO is not that great?</a:t>
+            </a:r>
+          </a:p>
+          <a:p>
+            <a:r>
+              <a:rPr lang="en-US" altLang="ko-KR" dirty="0"/>
               <a:t>Let’s relax assumption 1: Each process now </a:t>
             </a:r>
             <a:r>
@@ -1706,7 +1712,7 @@
           <a:p>
             <a:r>
               <a:rPr lang="en-US" altLang="ko-KR" dirty="0"/>
-              <a:t>Suffers from the </a:t>
+              <a:t>It suffers from the </a:t>
             </a:r>
             <a:r>
               <a:rPr lang="en-US" altLang="ko-KR" b="1" dirty="0"/>
@@ -1752,7 +1758,7 @@
         </p:nvSpPr>
         <p:spPr>
           <a:xfrm>
-            <a:off x="3071664" y="5445224"/>
+            <a:off x="3071664" y="5877272"/>
             <a:ext cx="6192688" cy="792088"/>
           </a:xfrm>
           <a:prstGeom prst="roundRect">
@@ -1811,7 +1817,7 @@
         </p:nvGrpSpPr>
         <p:grpSpPr>
           <a:xfrm>
-            <a:off x="3770980" y="3444240"/>
+            <a:off x="3770980" y="3876288"/>
             <a:ext cx="4663184" cy="1784960"/>
             <a:chOff x="2246980" y="3140968"/>
             <a:chExt cx="4663184" cy="1784960"/>
@@ -2766,8 +2772,8 @@
           </p:txBody>
         </p:sp>
       </p:grpSp>
-      <mc:AlternateContent xmlns:mc="http://schemas.openxmlformats.org/markup-compatibility/2006" xmlns:a14="http://schemas.microsoft.com/office/drawing/2010/main">
-        <mc:Choice Requires="a14">
+      <mc:AlternateContent xmlns:mc="http://schemas.openxmlformats.org/markup-compatibility/2006">
+        <mc:Choice xmlns:a14="http://schemas.microsoft.com/office/drawing/2010/main" Requires="a14">
           <p:sp>
             <p:nvSpPr>
               <p:cNvPr id="31" name="TextBox 30"/>
@@ -2776,7 +2782,7 @@
             </p:nvSpPr>
             <p:spPr>
               <a:xfrm>
-                <a:off x="3422103" y="5552572"/>
+                <a:off x="3422103" y="5984620"/>
                 <a:ext cx="5759910" cy="554960"/>
               </a:xfrm>
               <a:prstGeom prst="rect">
@@ -2969,7 +2975,7 @@
             </p:txBody>
           </p:sp>
         </mc:Choice>
-        <mc:Fallback xmlns="">
+        <mc:Fallback>
           <p:sp>
             <p:nvSpPr>
               <p:cNvPr id="31" name="TextBox 30"/>
@@ -2980,7 +2986,7 @@
             </p:nvSpPr>
             <p:spPr>
               <a:xfrm>
-                <a:off x="3422103" y="5552572"/>
+                <a:off x="3422103" y="5984620"/>
                 <a:ext cx="5759910" cy="554960"/>
               </a:xfrm>
               <a:prstGeom prst="rect">
@@ -3058,7 +3064,7 @@
           <a:p>
             <a:r>
               <a:rPr lang="en-US" altLang="ko-KR" dirty="0"/>
-              <a:t>Shortest Job First (SJF)</a:t>
+              <a:t>Policy #2: Shortest Job First (SJF)</a:t>
             </a:r>
             <a:endParaRPr lang="ko-KR" altLang="en-US" dirty="0"/>
           </a:p>
@@ -3119,7 +3125,7 @@
           <a:p>
             <a:r>
               <a:rPr lang="en-US" altLang="ko-KR" dirty="0"/>
-              <a:t>Example:</a:t>
+              <a:t>Example 1:</a:t>
             </a:r>
           </a:p>
           <a:p>
@@ -4440,7 +4446,7 @@
           <a:p>
             <a:r>
               <a:rPr lang="en-US" altLang="ko-KR" dirty="0"/>
-              <a:t>SJF with Late Arrivals from B and C</a:t>
+              <a:t>Policy #2: Shortest Job First (SJF) (Cont.)</a:t>
             </a:r>
             <a:endParaRPr lang="ko-KR" altLang="en-US" dirty="0"/>
           </a:p>
@@ -4477,13 +4483,13 @@
           <a:p>
             <a:r>
               <a:rPr lang="en-US" altLang="ko-KR" dirty="0"/>
-              <a:t>There is Convoy Effect due to non-preemption</a:t>
+              <a:t>Results to a Convoy Effect due to non-preemption</a:t>
             </a:r>
           </a:p>
           <a:p>
             <a:r>
               <a:rPr lang="en-US" altLang="ko-KR" dirty="0"/>
-              <a:t>Example:</a:t>
+              <a:t>Example (SJF with Late Arrivals):</a:t>
             </a:r>
           </a:p>
           <a:p>
@@ -4564,8 +4570,8 @@
           </a:p>
         </p:txBody>
       </p:sp>
-      <mc:AlternateContent xmlns:mc="http://schemas.openxmlformats.org/markup-compatibility/2006">
-        <mc:Choice xmlns:a14="http://schemas.microsoft.com/office/drawing/2010/main" Requires="a14">
+      <mc:AlternateContent xmlns:mc="http://schemas.openxmlformats.org/markup-compatibility/2006" xmlns:a14="http://schemas.microsoft.com/office/drawing/2010/main">
+        <mc:Choice Requires="a14">
           <p:sp>
             <p:nvSpPr>
               <p:cNvPr id="31" name="TextBox 30"/>
@@ -4844,7 +4850,7 @@
             </p:txBody>
           </p:sp>
         </mc:Choice>
-        <mc:Fallback>
+        <mc:Fallback xmlns="">
           <p:sp>
             <p:nvSpPr>
               <p:cNvPr id="31" name="TextBox 30"/>
@@ -5975,7 +5981,7 @@
           <a:p>
             <a:r>
               <a:rPr lang="en-US" altLang="ko-KR" dirty="0"/>
-              <a:t>Shortest Time-to-Completion First (STCF)</a:t>
+              <a:t>Policy #3: Shortest Time-to-Completion First (STCF)</a:t>
             </a:r>
             <a:endParaRPr lang="ko-KR" altLang="en-US" dirty="0"/>
           </a:p>
@@ -6147,7 +6153,7 @@
           <a:p>
             <a:r>
               <a:rPr lang="en-US" altLang="ko-KR" dirty="0"/>
-              <a:t>Shortest Time-to-Completion First (STCF)</a:t>
+              <a:t>Policy #3: Shortest Time-to-Completion First (STCF) (Cont.)</a:t>
             </a:r>
             <a:endParaRPr lang="ko-KR" altLang="en-US" dirty="0"/>
           </a:p>
@@ -7768,7 +7774,7 @@
           <a:p>
             <a:r>
               <a:rPr lang="en-US" altLang="ko-KR" dirty="0"/>
-              <a:t>New scheduling metric: Response Time</a:t>
+              <a:t>A New Scheduling Metric</a:t>
             </a:r>
             <a:endParaRPr lang="ko-KR" altLang="en-US" dirty="0"/>
           </a:p>
@@ -7790,36 +7796,6 @@
           <a:lstStyle/>
           <a:p>
             <a:r>
-              <a:rPr lang="en-US" altLang="ko-KR" dirty="0"/>
-              <a:t>Policies described earlier mostly apply to </a:t>
-            </a:r>
-            <a:r>
-              <a:rPr lang="en-US" altLang="ko-KR" b="1" dirty="0"/>
-              <a:t>batch processing </a:t>
-            </a:r>
-            <a:r>
-              <a:rPr lang="en-US" altLang="ko-KR" dirty="0"/>
-              <a:t>systems</a:t>
-            </a:r>
-          </a:p>
-          <a:p>
-            <a:r>
-              <a:rPr lang="en-US" altLang="ko-KR" b="1" dirty="0"/>
-              <a:t>Timesharing</a:t>
-            </a:r>
-            <a:r>
-              <a:rPr lang="en-US" altLang="ko-KR" dirty="0"/>
-              <a:t> and </a:t>
-            </a:r>
-            <a:r>
-              <a:rPr lang="en-US" altLang="ko-KR" b="1" dirty="0"/>
-              <a:t>interactive</a:t>
-            </a:r>
-            <a:r>
-              <a:rPr lang="en-US" altLang="ko-KR" dirty="0"/>
-              <a:t> systems introduce a new metric: </a:t>
-            </a:r>
-            <a:r>
               <a:rPr lang="en-US" altLang="ko-KR" dirty="0">
                 <a:solidFill>
                   <a:schemeClr val="accent6">
@@ -7827,7 +7803,42 @@
                   </a:schemeClr>
                 </a:solidFill>
               </a:rPr>
-              <a:t>Response Time</a:t>
+              <a:t>Response Time – </a:t>
+            </a:r>
+            <a:r>
+              <a:rPr lang="en-US" altLang="ko-KR" dirty="0"/>
+              <a:t>introduced in </a:t>
+            </a:r>
+            <a:r>
+              <a:rPr lang="en-US" altLang="ko-KR" b="1" dirty="0"/>
+              <a:t>timesharing</a:t>
+            </a:r>
+            <a:r>
+              <a:rPr lang="en-US" altLang="ko-KR" dirty="0"/>
+              <a:t> and </a:t>
+            </a:r>
+            <a:r>
+              <a:rPr lang="en-US" altLang="ko-KR" b="1" dirty="0"/>
+              <a:t>interactive</a:t>
+            </a:r>
+            <a:r>
+              <a:rPr lang="en-US" altLang="ko-KR" dirty="0"/>
+              <a:t> systems </a:t>
+            </a:r>
+          </a:p>
+          <a:p>
+            <a:pPr lvl="1"/>
+            <a:r>
+              <a:rPr lang="en-US" altLang="ko-KR" dirty="0"/>
+              <a:t>Policies described previously mostly apply to </a:t>
+            </a:r>
+            <a:r>
+              <a:rPr lang="en-US" altLang="ko-KR" b="1" dirty="0"/>
+              <a:t>batch processing </a:t>
+            </a:r>
+            <a:r>
+              <a:rPr lang="en-US" altLang="ko-KR" dirty="0"/>
+              <a:t>systems</a:t>
             </a:r>
           </a:p>
           <a:p>
@@ -7872,8 +7883,8 @@
               <a:t>We are again interested in the </a:t>
             </a:r>
             <a:r>
-              <a:rPr lang="en-US" altLang="ko-KR" i="1" dirty="0"/>
-              <a:t>average response time</a:t>
+              <a:rPr lang="en-US" altLang="ko-KR" b="1" dirty="0"/>
+              <a:t>Average Response Time(ART)</a:t>
             </a:r>
             <a:r>
               <a:rPr lang="en-US" altLang="ko-KR" dirty="0"/>
@@ -7886,8 +7897,8 @@
           </a:p>
         </p:txBody>
       </p:sp>
-      <mc:AlternateContent xmlns:mc="http://schemas.openxmlformats.org/markup-compatibility/2006">
-        <mc:Choice xmlns:a14="http://schemas.microsoft.com/office/drawing/2010/main" Requires="a14">
+      <mc:AlternateContent xmlns:mc="http://schemas.openxmlformats.org/markup-compatibility/2006" xmlns:a14="http://schemas.microsoft.com/office/drawing/2010/main">
+        <mc:Choice Requires="a14">
           <p:sp>
             <p:nvSpPr>
               <p:cNvPr id="6" name="TextBox 5"/>
@@ -8049,7 +8060,7 @@
             </p:txBody>
           </p:sp>
         </mc:Choice>
-        <mc:Fallback>
+        <mc:Fallback xmlns="">
           <p:sp>
             <p:nvSpPr>
               <p:cNvPr id="6" name="TextBox 5"/>
@@ -8275,7 +8286,7 @@
           <a:p>
             <a:r>
               <a:rPr lang="en-US" altLang="ko-KR" dirty="0"/>
-              <a:t>Round Robin (RR) Scheduling</a:t>
+              <a:t>Policy #4: Round Robin (RR)</a:t>
             </a:r>
             <a:endParaRPr lang="ko-KR" altLang="en-US" dirty="0"/>
           </a:p>
@@ -8302,7 +8313,7 @@
             </a:r>
             <a:r>
               <a:rPr lang="en-US" altLang="ko-KR" b="1" dirty="0"/>
-              <a:t>Time-slicing</a:t>
+              <a:t>Time-Slicing</a:t>
             </a:r>
             <a:r>
               <a:rPr lang="en-US" altLang="ko-KR" dirty="0"/>
@@ -8327,49 +8338,51 @@
             </a:r>
             <a:r>
               <a:rPr lang="en-US" altLang="ko-KR" dirty="0"/>
+              <a:t>(or</a:t>
+            </a:r>
+            <a:r>
+              <a:rPr lang="en-US" altLang="ko-KR" dirty="0">
+                <a:solidFill>
+                  <a:schemeClr val="accent6">
+                    <a:lumMod val="75000"/>
+                  </a:schemeClr>
+                </a:solidFill>
+              </a:rPr>
+              <a:t> quantum </a:t>
+            </a:r>
+            <a:r>
+              <a:rPr lang="en-US" altLang="ko-KR" dirty="0"/>
+              <a:t>denoted by </a:t>
+            </a:r>
+            <a:r>
+              <a:rPr lang="en-US" altLang="ko-KR" b="1" dirty="0"/>
+              <a:t>q</a:t>
+            </a:r>
+            <a:r>
+              <a:rPr lang="en-US" altLang="ko-KR" dirty="0">
+                <a:solidFill>
+                  <a:schemeClr val="accent6">
+                    <a:lumMod val="75000"/>
+                  </a:schemeClr>
+                </a:solidFill>
+              </a:rPr>
+              <a:t>) </a:t>
+            </a:r>
+            <a:r>
+              <a:rPr lang="en-US" altLang="ko-KR" dirty="0"/>
               <a:t>and then switch to the next process in the </a:t>
             </a:r>
             <a:r>
               <a:rPr lang="en-US" altLang="ko-KR" b="1" dirty="0"/>
               <a:t>run queue</a:t>
             </a:r>
+            <a:endParaRPr lang="en-US" altLang="ko-KR" dirty="0"/>
+          </a:p>
+          <a:p>
+            <a:pPr lvl="1"/>
             <a:r>
               <a:rPr lang="en-US" altLang="ko-KR" dirty="0"/>
-              <a:t> until the jobs are finished.</a:t>
-            </a:r>
-          </a:p>
-          <a:p>
-            <a:pPr lvl="2"/>
-            <a:r>
-              <a:rPr lang="en-US" altLang="ko-KR" dirty="0"/>
-              <a:t>Time slice is sometimes called a </a:t>
-            </a:r>
-            <a:r>
-              <a:rPr lang="en-US" altLang="ko-KR" u="sng" dirty="0"/>
-              <a:t>scheduling quantum (</a:t>
-            </a:r>
-            <a:r>
-              <a:rPr lang="en-US" altLang="ko-KR" dirty="0"/>
-              <a:t>denoted by </a:t>
-            </a:r>
-            <a:r>
-              <a:rPr lang="en-US" altLang="ko-KR" b="1" dirty="0"/>
-              <a:t>q</a:t>
-            </a:r>
-            <a:r>
-              <a:rPr lang="en-US" altLang="ko-KR" u="sng" dirty="0"/>
-              <a:t>)</a:t>
-            </a:r>
-            <a:r>
-              <a:rPr lang="en-US" altLang="ko-KR" dirty="0"/>
-              <a:t>.</a:t>
-            </a:r>
-          </a:p>
-          <a:p>
-            <a:pPr lvl="1"/>
-            <a:r>
-              <a:rPr lang="en-US" altLang="ko-KR" dirty="0"/>
-              <a:t>It repeatedly does so until the jobs are finished.</a:t>
+              <a:t>It repeatedly does so until the processed exited</a:t>
             </a:r>
           </a:p>
           <a:p>
@@ -8380,7 +8393,7 @@
             </a:r>
             <a:r>
               <a:rPr lang="en-US" altLang="ko-KR" u="sng" dirty="0"/>
-              <a:t>length of a time slice</a:t>
+              <a:t>time slice</a:t>
             </a:r>
             <a:r>
               <a:rPr lang="en-US" altLang="ko-KR" dirty="0"/>
@@ -8396,11 +8409,7 @@
             </a:r>
             <a:r>
               <a:rPr lang="en-US" altLang="ko-KR" u="sng" dirty="0"/>
-              <a:t>  the timer-interrupt period</a:t>
-            </a:r>
-            <a:r>
-              <a:rPr lang="en-US" altLang="ko-KR" dirty="0"/>
-              <a:t>.</a:t>
+              <a:t>  the timer-interrupt period.</a:t>
             </a:r>
           </a:p>
           <a:p>
@@ -8558,7 +8567,7 @@
           <a:p>
             <a:r>
               <a:rPr lang="en-US" altLang="ko-KR" dirty="0"/>
-              <a:t>RR Scheduling Example</a:t>
+              <a:t>Policy #4: Round Robin (RR) (Cont.)</a:t>
             </a:r>
             <a:endParaRPr lang="ko-KR" altLang="en-US" dirty="0"/>
           </a:p>
@@ -8581,10 +8590,18 @@
           <a:p>
             <a:r>
               <a:rPr lang="en-US" altLang="ko-KR" dirty="0"/>
+              <a:t>Example: </a:t>
+            </a:r>
+          </a:p>
+          <a:p>
+            <a:pPr lvl="1"/>
+            <a:r>
+              <a:rPr lang="en-US" altLang="ko-KR" dirty="0"/>
               <a:t>A, B and C arrive at the same time</a:t>
             </a:r>
           </a:p>
           <a:p>
+            <a:pPr lvl="1"/>
             <a:r>
               <a:rPr lang="en-US" altLang="ko-KR" dirty="0"/>
               <a:t>They each wish to run for 5 seconds</a:t>
@@ -8600,7 +8617,7 @@
         </p:nvGrpSpPr>
         <p:grpSpPr>
           <a:xfrm>
-            <a:off x="2412740" y="2060849"/>
+            <a:off x="2412740" y="2386980"/>
             <a:ext cx="4663184" cy="1963961"/>
             <a:chOff x="2246980" y="2420888"/>
             <a:chExt cx="4663184" cy="1963961"/>
@@ -9606,7 +9623,7 @@
         </p:nvGrpSpPr>
         <p:grpSpPr>
           <a:xfrm>
-            <a:off x="2269664" y="4379268"/>
+            <a:off x="2269664" y="4705399"/>
             <a:ext cx="4906456" cy="1963961"/>
             <a:chOff x="2041808" y="4293096"/>
             <a:chExt cx="4906456" cy="1963961"/>
@@ -10606,7 +10623,7 @@
                   <a:latin typeface="맑은 고딕" pitchFamily="50" charset="-127"/>
                   <a:ea typeface="맑은 고딕" pitchFamily="50" charset="-127"/>
                 </a:rPr>
-                <a:t>RR with a time-slice of 1sec (Good for Response Time)</a:t>
+                <a:t>RR with a time slice of 1sec (Good for Response Time)</a:t>
               </a:r>
               <a:endParaRPr lang="ko-KR" altLang="en-US" sz="1400" b="1" dirty="0">
                 <a:solidFill>
@@ -11883,8 +11900,8 @@
           </p:sp>
         </p:grpSp>
       </p:grpSp>
-      <mc:AlternateContent xmlns:mc="http://schemas.openxmlformats.org/markup-compatibility/2006" xmlns:a14="http://schemas.microsoft.com/office/drawing/2010/main">
-        <mc:Choice Requires="a14">
+      <mc:AlternateContent xmlns:mc="http://schemas.openxmlformats.org/markup-compatibility/2006">
+        <mc:Choice xmlns:a14="http://schemas.microsoft.com/office/drawing/2010/main" Requires="a14">
           <p:sp>
             <p:nvSpPr>
               <p:cNvPr id="89" name="TextBox 88"/>
@@ -11893,7 +11910,7 @@
             </p:nvSpPr>
             <p:spPr>
               <a:xfrm>
-                <a:off x="6917318" y="2420889"/>
+                <a:off x="6917318" y="2747020"/>
                 <a:ext cx="3571170" cy="559961"/>
               </a:xfrm>
               <a:prstGeom prst="rect">
@@ -12039,7 +12056,7 @@
             </p:txBody>
           </p:sp>
         </mc:Choice>
-        <mc:Fallback xmlns="">
+        <mc:Fallback>
           <p:sp>
             <p:nvSpPr>
               <p:cNvPr id="89" name="TextBox 88"/>
@@ -12050,7 +12067,7 @@
             </p:nvSpPr>
             <p:spPr>
               <a:xfrm>
-                <a:off x="6917318" y="2420889"/>
+                <a:off x="6917318" y="2747020"/>
                 <a:ext cx="3571170" cy="559961"/>
               </a:xfrm>
               <a:prstGeom prst="rect">
@@ -12078,8 +12095,8 @@
           </p:sp>
         </mc:Fallback>
       </mc:AlternateContent>
-      <mc:AlternateContent xmlns:mc="http://schemas.openxmlformats.org/markup-compatibility/2006" xmlns:a14="http://schemas.microsoft.com/office/drawing/2010/main">
-        <mc:Choice Requires="a14">
+      <mc:AlternateContent xmlns:mc="http://schemas.openxmlformats.org/markup-compatibility/2006">
+        <mc:Choice xmlns:a14="http://schemas.microsoft.com/office/drawing/2010/main" Requires="a14">
           <p:sp>
             <p:nvSpPr>
               <p:cNvPr id="90" name="TextBox 89"/>
@@ -12088,7 +12105,7 @@
             </p:nvSpPr>
             <p:spPr>
               <a:xfrm>
-                <a:off x="7031132" y="4780156"/>
+                <a:off x="7031132" y="5106287"/>
                 <a:ext cx="3457357" cy="554960"/>
               </a:xfrm>
               <a:prstGeom prst="rect">
@@ -12243,7 +12260,7 @@
             </p:txBody>
           </p:sp>
         </mc:Choice>
-        <mc:Fallback xmlns="">
+        <mc:Fallback>
           <p:sp>
             <p:nvSpPr>
               <p:cNvPr id="90" name="TextBox 89"/>
@@ -12254,7 +12271,7 @@
             </p:nvSpPr>
             <p:spPr>
               <a:xfrm>
-                <a:off x="7031132" y="4780156"/>
+                <a:off x="7031132" y="5106287"/>
                 <a:ext cx="3457357" cy="554960"/>
               </a:xfrm>
               <a:prstGeom prst="rect">
@@ -12332,7 +12349,7 @@
           <a:p>
             <a:r>
               <a:rPr lang="en-US" altLang="ko-KR" dirty="0"/>
-              <a:t>The length of the time slice is critical</a:t>
+              <a:t>Policy #4: Round Robin (RR) (Cont.)</a:t>
             </a:r>
             <a:endParaRPr lang="ko-KR" altLang="en-US" dirty="0"/>
           </a:p>
@@ -12355,6 +12372,12 @@
           <a:p>
             <a:r>
               <a:rPr lang="en-US" altLang="ko-KR" dirty="0"/>
+              <a:t>The length of the time slice is critical</a:t>
+            </a:r>
+          </a:p>
+          <a:p>
+            <a:r>
+              <a:rPr lang="en-US" altLang="ko-KR" b="1" dirty="0"/>
               <a:t>Shorter time slice</a:t>
             </a:r>
           </a:p>
@@ -12374,7 +12397,7 @@
           </a:p>
           <a:p>
             <a:r>
-              <a:rPr lang="en-US" altLang="ko-KR" dirty="0"/>
+              <a:rPr lang="en-US" altLang="ko-KR" b="1" dirty="0"/>
               <a:t>Longer time slice</a:t>
             </a:r>
           </a:p>
@@ -12400,7 +12423,7 @@
           <a:p>
             <a:r>
               <a:rPr lang="en-US" altLang="ko-KR" dirty="0"/>
-              <a:t>Note: Cost of context switching, as discussed in the previous chapter, is not just due to the </a:t>
+              <a:t>Note: Cost of context switching is not just due to the </a:t>
             </a:r>
             <a:r>
               <a:rPr lang="en-US" altLang="ko-KR" u="sng" dirty="0"/>
@@ -12426,8 +12449,8 @@
         </p:nvSpPr>
         <p:spPr>
           <a:xfrm>
-            <a:off x="2289692" y="5013176"/>
-            <a:ext cx="7478716" cy="1368152"/>
+            <a:off x="2289692" y="5445224"/>
+            <a:ext cx="7550724" cy="936104"/>
           </a:xfrm>
           <a:prstGeom prst="roundRect">
             <a:avLst>
@@ -12468,7 +12491,7 @@
           <a:p>
             <a:pPr algn="ctr"/>
             <a:r>
-              <a:rPr lang="en-US" altLang="ko-KR" sz="2000" b="1" dirty="0">
+              <a:rPr lang="en-US" altLang="ko-KR" sz="1400" b="1" dirty="0">
                 <a:solidFill>
                   <a:prstClr val="black"/>
                 </a:solidFill>
@@ -12481,7 +12504,7 @@
           <a:p>
             <a:pPr algn="ctr"/>
             <a:r>
-              <a:rPr lang="en-US" altLang="ko-KR" sz="2000" b="1" dirty="0">
+              <a:rPr lang="en-US" altLang="ko-KR" sz="1400" b="1" dirty="0">
                 <a:solidFill>
                   <a:prstClr val="black"/>
                 </a:solidFill>
@@ -12491,7 +12514,7 @@
               <a:t>a</a:t>
             </a:r>
             <a:r>
-              <a:rPr lang="en-US" altLang="ko-KR" sz="2000" b="1" dirty="0">
+              <a:rPr lang="en-US" altLang="ko-KR" sz="1400" b="1" dirty="0">
                 <a:solidFill>
                   <a:srgbClr val="FF0000"/>
                 </a:solidFill>
@@ -12501,7 +12524,7 @@
               <a:t> trade-off </a:t>
             </a:r>
             <a:r>
-              <a:rPr lang="en-US" altLang="ko-KR" sz="2000" b="1" dirty="0">
+              <a:rPr lang="en-US" altLang="ko-KR" sz="1400" b="1" dirty="0">
                 <a:solidFill>
                   <a:prstClr val="black"/>
                 </a:solidFill>
@@ -12513,18 +12536,8 @@
           </a:p>
           <a:p>
             <a:pPr algn="ctr"/>
-            <a:endParaRPr lang="en-US" altLang="ko-KR" sz="2000" b="1" dirty="0">
-              <a:solidFill>
-                <a:prstClr val="black"/>
-              </a:solidFill>
-              <a:latin typeface="맑은 고딕" panose="020B0503020000020004" pitchFamily="50" charset="-127"/>
-              <a:ea typeface="맑은 고딕" panose="020B0503020000020004" pitchFamily="50" charset="-127"/>
-            </a:endParaRPr>
-          </a:p>
-          <a:p>
-            <a:pPr algn="ctr"/>
-            <a:r>
-              <a:rPr lang="en-US" altLang="ko-KR" sz="2000" b="1" dirty="0">
+            <a:r>
+              <a:rPr lang="en-US" altLang="ko-KR" sz="1400" b="1" dirty="0">
                 <a:solidFill>
                   <a:prstClr val="black"/>
                 </a:solidFill>
@@ -12617,6 +12630,9 @@
             </a:r>
           </a:p>
           <a:p>
+            <a:endParaRPr lang="en-US" altLang="ko-KR" dirty="0"/>
+          </a:p>
+          <a:p>
             <a:r>
               <a:rPr lang="en-US" altLang="ko-KR" dirty="0"/>
               <a:t>When a process initiates an I/O request</a:t>
@@ -12658,7 +12674,7 @@
             <a:pPr lvl="1"/>
             <a:r>
               <a:rPr lang="en-US" altLang="ko-KR" dirty="0"/>
-              <a:t>An interrupt is raised and control is transferred to the kernel </a:t>
+              <a:t>An interrupt is generated and control is transferred to the kernel </a:t>
             </a:r>
           </a:p>
           <a:p>
@@ -12688,7 +12704,7 @@
             </a:r>
             <a:r>
               <a:rPr lang="en-US" altLang="ko-KR" dirty="0"/>
-              <a:t>  even schedule this process on the CPU now</a:t>
+              <a:t>  n schedule this process on the CPU now</a:t>
             </a:r>
             <a:endParaRPr lang="ko-KR" altLang="en-US" dirty="0"/>
           </a:p>
@@ -17132,7 +17148,11 @@
           <a:p>
             <a:r>
               <a:rPr lang="en-US" altLang="ko-KR" dirty="0"/>
-              <a:t>More realistic but how can this be achieved?</a:t>
+              <a:t>More realistic but how can this be achieved? – </a:t>
+            </a:r>
+            <a:r>
+              <a:rPr lang="en-US" altLang="ko-KR" b="1" dirty="0"/>
+              <a:t>MLFQ</a:t>
             </a:r>
           </a:p>
           <a:p>
@@ -18054,10 +18074,6 @@
           <a:lstStyle/>
           <a:p>
             <a:r>
-              <a:rPr lang="en-US" altLang="ko-KR" dirty="0"/>
-              <a:t>Performance metric: </a:t>
-            </a:r>
-            <a:r>
               <a:rPr lang="en-US" altLang="ko-KR" dirty="0">
                 <a:solidFill>
                   <a:schemeClr val="accent6">
@@ -18065,7 +18081,11 @@
                   </a:schemeClr>
                 </a:solidFill>
               </a:rPr>
-              <a:t>Turnaround Time</a:t>
+              <a:t>Turnaround Time </a:t>
+            </a:r>
+            <a:r>
+              <a:rPr lang="en-US" altLang="ko-KR" dirty="0"/>
+              <a:t>– a performance metric</a:t>
             </a:r>
           </a:p>
           <a:p>
@@ -18095,7 +18115,7 @@
             <a:pPr lvl="2"/>
             <a:r>
               <a:rPr lang="en-US" altLang="ko-KR" u="sng" dirty="0"/>
-              <a:t>For now</a:t>
+              <a:t>For now, </a:t>
             </a:r>
             <a:r>
               <a:rPr lang="en-US" altLang="ko-KR" dirty="0"/>
@@ -18129,7 +18149,7 @@
               <a:t>We are usually interested in the </a:t>
             </a:r>
             <a:r>
-              <a:rPr lang="en-US" altLang="ko-KR" i="1" u="sng" dirty="0"/>
+              <a:rPr lang="en-US" altLang="ko-KR" b="1" dirty="0"/>
               <a:t>Average Turnaround Time(ATT)  </a:t>
             </a:r>
             <a:r>
@@ -18139,10 +18159,6 @@
             <a:endParaRPr lang="en-US" altLang="ko-KR" i="1" dirty="0"/>
           </a:p>
           <a:p>
-            <a:r>
-              <a:rPr lang="en-US" altLang="ko-KR" dirty="0"/>
-              <a:t>Another metric: </a:t>
-            </a:r>
             <a:r>
               <a:rPr lang="en-US" altLang="ko-KR" dirty="0">
                 <a:solidFill>
@@ -18159,6 +18175,13 @@
             <a:pPr lvl="1"/>
             <a:r>
               <a:rPr lang="en-US" altLang="ko-KR" dirty="0"/>
+              <a:t>Each process has “fair chance” to run on the CPU</a:t>
+            </a:r>
+          </a:p>
+          <a:p>
+            <a:pPr lvl="1"/>
+            <a:r>
+              <a:rPr lang="en-US" altLang="ko-KR" dirty="0"/>
               <a:t>Performance and fairness are often at odds in scheduling</a:t>
             </a:r>
           </a:p>
@@ -18184,8 +18207,8 @@
           </a:p>
         </p:txBody>
       </p:sp>
-      <mc:AlternateContent xmlns:mc="http://schemas.openxmlformats.org/markup-compatibility/2006" xmlns:a14="http://schemas.microsoft.com/office/drawing/2010/main">
-        <mc:Choice Requires="a14">
+      <mc:AlternateContent xmlns:mc="http://schemas.openxmlformats.org/markup-compatibility/2006">
+        <mc:Choice xmlns:a14="http://schemas.microsoft.com/office/drawing/2010/main" Requires="a14">
           <p:sp>
             <p:nvSpPr>
               <p:cNvPr id="6" name="TextBox 5"/>
@@ -18194,7 +18217,7 @@
             </p:nvSpPr>
             <p:spPr>
               <a:xfrm>
-                <a:off x="3856060" y="2609443"/>
+                <a:off x="3856060" y="2537435"/>
                 <a:ext cx="4256165" cy="427618"/>
               </a:xfrm>
               <a:prstGeom prst="rect">
@@ -18347,7 +18370,7 @@
             </p:txBody>
           </p:sp>
         </mc:Choice>
-        <mc:Fallback xmlns="">
+        <mc:Fallback>
           <p:sp>
             <p:nvSpPr>
               <p:cNvPr id="6" name="TextBox 5"/>
@@ -18358,7 +18381,7 @@
             </p:nvSpPr>
             <p:spPr>
               <a:xfrm>
-                <a:off x="3856060" y="2609443"/>
+                <a:off x="3856060" y="2537435"/>
                 <a:ext cx="4256165" cy="427618"/>
               </a:xfrm>
               <a:prstGeom prst="rect">
@@ -18394,7 +18417,7 @@
         </p:nvSpPr>
         <p:spPr>
           <a:xfrm>
-            <a:off x="3680066" y="2492896"/>
+            <a:off x="3680066" y="2420888"/>
             <a:ext cx="4648183" cy="720080"/>
           </a:xfrm>
           <a:prstGeom prst="roundRect">
@@ -18547,7 +18570,7 @@
           <a:p>
             <a:r>
               <a:rPr lang="en-US" altLang="ko-KR" dirty="0"/>
-              <a:t>First In, First Out (FIFO)</a:t>
+              <a:t>Policy #1: First In, First Out (FIFO)</a:t>
             </a:r>
             <a:endParaRPr lang="ko-KR" altLang="en-US" dirty="0"/>
           </a:p>
@@ -18569,7 +18592,7 @@
           <a:lstStyle/>
           <a:p>
             <a:r>
-              <a:rPr lang="en-US" altLang="ko-KR" dirty="0"/>
+              <a:rPr lang="en-US" altLang="ko-KR" b="1" dirty="0"/>
               <a:t>First Come, First Served (FCFS)</a:t>
             </a:r>
           </a:p>
